--- a/Module_Two/presentations/module_2_presentation.pptx
+++ b/Module_Two/presentations/module_2_presentation.pptx
@@ -5,7 +5,7 @@
     <p:sldMasterId id="2147483655" r:id="rId1"/>
   </p:sldMasterIdLst>
   <p:notesMasterIdLst>
-    <p:notesMasterId r:id="rId26"/>
+    <p:notesMasterId r:id="rId31"/>
   </p:notesMasterIdLst>
   <p:sldIdLst>
     <p:sldId id="256" r:id="rId2"/>
@@ -31,7 +31,12 @@
     <p:sldId id="502" r:id="rId22"/>
     <p:sldId id="501" r:id="rId23"/>
     <p:sldId id="503" r:id="rId24"/>
-    <p:sldId id="489" r:id="rId25"/>
+    <p:sldId id="504" r:id="rId25"/>
+    <p:sldId id="505" r:id="rId26"/>
+    <p:sldId id="506" r:id="rId27"/>
+    <p:sldId id="507" r:id="rId28"/>
+    <p:sldId id="508" r:id="rId29"/>
+    <p:sldId id="489" r:id="rId30"/>
   </p:sldIdLst>
   <p:sldSz cx="9144000" cy="6858000" type="screen4x3"/>
   <p:notesSz cx="6858000" cy="9144000"/>
@@ -3768,7 +3773,7 @@
             </a:pPr>
             <a:fld id="{00000000-1234-1234-1234-123412341234}" type="slidenum">
               <a:rPr lang="en-US"/>
-              <a:t>24</a:t>
+              <a:t>29</a:t>
             </a:fld>
             <a:endParaRPr lang="en-US"/>
           </a:p>
@@ -13453,11 +13458,94 @@
           </a:bodyPr>
           <a:lstStyle/>
           <a:p>
-            <a:pPr marL="603250" lvl="1" indent="0">
-              <a:spcBef>
-                <a:spcPts val="0"/>
-              </a:spcBef>
-              <a:buNone/>
+            <a:pPr lvl="1">
+              <a:spcBef>
+                <a:spcPts val="0"/>
+              </a:spcBef>
+            </a:pPr>
+            <a:r>
+              <a:rPr lang="en-US" b="1" dirty="0">
+                <a:latin typeface="+mj-lt"/>
+                <a:sym typeface="Wingdings" pitchFamily="2" charset="2"/>
+              </a:rPr>
+              <a:t> </a:t>
+            </a:r>
+            <a:r>
+              <a:rPr lang="en-US" dirty="0">
+                <a:latin typeface="+mj-lt"/>
+                <a:sym typeface="Wingdings" pitchFamily="2" charset="2"/>
+              </a:rPr>
+              <a:t>Like the python __</a:t>
+            </a:r>
+            <a:r>
+              <a:rPr lang="en-US" dirty="0" err="1">
+                <a:latin typeface="+mj-lt"/>
+                <a:sym typeface="Wingdings" pitchFamily="2" charset="2"/>
+              </a:rPr>
+              <a:t>init</a:t>
+            </a:r>
+            <a:r>
+              <a:rPr lang="en-US" dirty="0">
+                <a:latin typeface="+mj-lt"/>
+                <a:sym typeface="Wingdings" pitchFamily="2" charset="2"/>
+              </a:rPr>
+              <a:t>__ function that can be used to initialize an object, the </a:t>
+            </a:r>
+            <a:r>
+              <a:rPr lang="en-US" dirty="0" err="1">
+                <a:latin typeface="+mj-lt"/>
+                <a:sym typeface="Wingdings" pitchFamily="2" charset="2"/>
+              </a:rPr>
+              <a:t>golang</a:t>
+            </a:r>
+            <a:r>
+              <a:rPr lang="en-US" dirty="0">
+                <a:latin typeface="+mj-lt"/>
+                <a:sym typeface="Wingdings" pitchFamily="2" charset="2"/>
+              </a:rPr>
+              <a:t> </a:t>
+            </a:r>
+            <a:r>
+              <a:rPr lang="en-US" b="1" dirty="0" err="1">
+                <a:latin typeface="+mj-lt"/>
+                <a:sym typeface="Wingdings" pitchFamily="2" charset="2"/>
+              </a:rPr>
+              <a:t>init</a:t>
+            </a:r>
+            <a:r>
+              <a:rPr lang="en-US" b="1" dirty="0">
+                <a:latin typeface="+mj-lt"/>
+                <a:sym typeface="Wingdings" pitchFamily="2" charset="2"/>
+              </a:rPr>
+              <a:t>()</a:t>
+            </a:r>
+            <a:r>
+              <a:rPr lang="en-US" dirty="0">
+                <a:latin typeface="+mj-lt"/>
+                <a:sym typeface="Wingdings" pitchFamily="2" charset="2"/>
+              </a:rPr>
+              <a:t> function can be utilized to do things like </a:t>
+            </a:r>
+            <a:r>
+              <a:rPr lang="en-US" dirty="0" err="1">
+                <a:latin typeface="+mj-lt"/>
+                <a:sym typeface="Wingdings" pitchFamily="2" charset="2"/>
+              </a:rPr>
+              <a:t>inititalize</a:t>
+            </a:r>
+            <a:r>
+              <a:rPr lang="en-US" dirty="0">
+                <a:latin typeface="+mj-lt"/>
+                <a:sym typeface="Wingdings" pitchFamily="2" charset="2"/>
+              </a:rPr>
+              <a:t> variables, set up some form of state for the package, initialize database connections, etc.</a:t>
+            </a:r>
+          </a:p>
+          <a:p>
+            <a:pPr lvl="1">
+              <a:spcBef>
+                <a:spcPts val="0"/>
+              </a:spcBef>
             </a:pPr>
             <a:endParaRPr lang="en-US" b="1" dirty="0">
               <a:latin typeface="+mj-lt"/>
@@ -13465,19 +13553,147 @@
             </a:endParaRPr>
           </a:p>
           <a:p>
-            <a:pPr marL="603250" lvl="1" indent="0">
-              <a:spcBef>
-                <a:spcPts val="0"/>
-              </a:spcBef>
-              <a:buNone/>
-            </a:pPr>
+            <a:pPr lvl="1">
+              <a:spcBef>
+                <a:spcPts val="0"/>
+              </a:spcBef>
+            </a:pPr>
+            <a:r>
+              <a:rPr lang="en-US" b="1" dirty="0">
+                <a:latin typeface="+mj-lt"/>
+                <a:sym typeface="Wingdings" pitchFamily="2" charset="2"/>
+              </a:rPr>
+              <a:t>UNLIKE</a:t>
+            </a:r>
+            <a:r>
+              <a:rPr lang="en-US" dirty="0">
+                <a:latin typeface="+mj-lt"/>
+                <a:sym typeface="Wingdings" pitchFamily="2" charset="2"/>
+              </a:rPr>
+              <a:t> the python __</a:t>
+            </a:r>
+            <a:r>
+              <a:rPr lang="en-US" dirty="0" err="1">
+                <a:latin typeface="+mj-lt"/>
+                <a:sym typeface="Wingdings" pitchFamily="2" charset="2"/>
+              </a:rPr>
+              <a:t>init</a:t>
+            </a:r>
+            <a:r>
+              <a:rPr lang="en-US" dirty="0">
+                <a:latin typeface="+mj-lt"/>
+                <a:sym typeface="Wingdings" pitchFamily="2" charset="2"/>
+              </a:rPr>
+              <a:t>__ function, the </a:t>
+            </a:r>
+            <a:r>
+              <a:rPr lang="en-US" dirty="0" err="1">
+                <a:latin typeface="+mj-lt"/>
+                <a:sym typeface="Wingdings" pitchFamily="2" charset="2"/>
+              </a:rPr>
+              <a:t>golang</a:t>
+            </a:r>
+            <a:r>
+              <a:rPr lang="en-US" dirty="0">
+                <a:latin typeface="+mj-lt"/>
+                <a:sym typeface="Wingdings" pitchFamily="2" charset="2"/>
+              </a:rPr>
+              <a:t> </a:t>
+            </a:r>
+            <a:r>
+              <a:rPr lang="en-US" b="1" dirty="0" err="1">
+                <a:latin typeface="+mj-lt"/>
+                <a:sym typeface="Wingdings" pitchFamily="2" charset="2"/>
+              </a:rPr>
+              <a:t>init</a:t>
+            </a:r>
+            <a:r>
+              <a:rPr lang="en-US" dirty="0">
+                <a:latin typeface="+mj-lt"/>
+                <a:sym typeface="Wingdings" pitchFamily="2" charset="2"/>
+              </a:rPr>
+              <a:t> is called only once. This is nice if you have, say, a database connection that is needed in multiple packages in a complex production environment. You can import the </a:t>
+            </a:r>
+            <a:r>
+              <a:rPr lang="en-US" b="1" dirty="0">
+                <a:latin typeface="+mj-lt"/>
+                <a:sym typeface="Wingdings" pitchFamily="2" charset="2"/>
+              </a:rPr>
+              <a:t>database</a:t>
+            </a:r>
+            <a:r>
+              <a:rPr lang="en-US" dirty="0">
+                <a:latin typeface="+mj-lt"/>
+                <a:sym typeface="Wingdings" pitchFamily="2" charset="2"/>
+              </a:rPr>
+              <a:t> package multiple times but only connect to the DB once.</a:t>
+            </a:r>
             <a:endParaRPr lang="en-US" b="1" dirty="0">
               <a:latin typeface="+mj-lt"/>
               <a:sym typeface="Wingdings" pitchFamily="2" charset="2"/>
             </a:endParaRPr>
           </a:p>
+          <a:p>
+            <a:pPr marL="603250" lvl="1" indent="0">
+              <a:spcBef>
+                <a:spcPts val="0"/>
+              </a:spcBef>
+              <a:buNone/>
+            </a:pPr>
+            <a:endParaRPr lang="en-US" b="1" dirty="0">
+              <a:latin typeface="+mj-lt"/>
+              <a:sym typeface="Wingdings" pitchFamily="2" charset="2"/>
+            </a:endParaRPr>
+          </a:p>
         </p:txBody>
       </p:sp>
+      <p:pic>
+        <p:nvPicPr>
+          <p:cNvPr id="1026" name="Picture 2" descr="Image result for golang gopher">
+            <a:extLst>
+              <a:ext uri="{FF2B5EF4-FFF2-40B4-BE49-F238E27FC236}">
+                <a16:creationId xmlns:a16="http://schemas.microsoft.com/office/drawing/2014/main" id="{A534520A-06EA-E142-8685-AE21486370DF}"/>
+              </a:ext>
+            </a:extLst>
+          </p:cNvPr>
+          <p:cNvPicPr>
+            <a:picLocks noChangeAspect="1" noChangeArrowheads="1"/>
+          </p:cNvPicPr>
+          <p:nvPr/>
+        </p:nvPicPr>
+        <p:blipFill>
+          <a:blip r:embed="rId3">
+            <a:extLst>
+              <a:ext uri="{28A0092B-C50C-407E-A947-70E740481C1C}">
+                <a14:useLocalDpi xmlns:a14="http://schemas.microsoft.com/office/drawing/2010/main" val="0"/>
+              </a:ext>
+            </a:extLst>
+          </a:blip>
+          <a:srcRect/>
+          <a:stretch>
+            <a:fillRect/>
+          </a:stretch>
+        </p:blipFill>
+        <p:spPr bwMode="auto">
+          <a:xfrm>
+            <a:off x="3726534" y="4939253"/>
+            <a:ext cx="1690932" cy="1690932"/>
+          </a:xfrm>
+          <a:prstGeom prst="rect">
+            <a:avLst/>
+          </a:prstGeom>
+          <a:noFill/>
+          <a:extLst>
+            <a:ext uri="{909E8E84-426E-40DD-AFC4-6F175D3DCCD1}">
+              <a14:hiddenFill xmlns:a14="http://schemas.microsoft.com/office/drawing/2010/main">
+                <a:solidFill>
+                  <a:srgbClr val="FFFFFF"/>
+                </a:solidFill>
+              </a14:hiddenFill>
+            </a:ext>
+          </a:extLst>
+        </p:spPr>
+      </p:pic>
     </p:spTree>
     <p:extLst>
       <p:ext uri="{BB962C8B-B14F-4D97-AF65-F5344CB8AC3E}">
@@ -13492,6 +13708,842 @@
 </file>
 
 <file path=ppt/slides/slide24.xml><?xml version="1.0" encoding="utf-8"?>
+<p:sld xmlns:a="http://schemas.openxmlformats.org/drawingml/2006/main" xmlns:r="http://schemas.openxmlformats.org/officeDocument/2006/relationships" xmlns:p="http://schemas.openxmlformats.org/presentationml/2006/main">
+  <p:cSld>
+    <p:spTree>
+      <p:nvGrpSpPr>
+        <p:cNvPr id="1" name=""/>
+        <p:cNvGrpSpPr/>
+        <p:nvPr/>
+      </p:nvGrpSpPr>
+      <p:grpSpPr>
+        <a:xfrm>
+          <a:off x="0" y="0"/>
+          <a:ext cx="0" cy="0"/>
+          <a:chOff x="0" y="0"/>
+          <a:chExt cx="0" cy="0"/>
+        </a:xfrm>
+      </p:grpSpPr>
+      <p:sp>
+        <p:nvSpPr>
+          <p:cNvPr id="2" name="Title 1">
+            <a:extLst>
+              <a:ext uri="{FF2B5EF4-FFF2-40B4-BE49-F238E27FC236}">
+                <a16:creationId xmlns:a16="http://schemas.microsoft.com/office/drawing/2014/main" id="{2646DF43-912E-464A-B6ED-9C5F4B7A0C95}"/>
+              </a:ext>
+            </a:extLst>
+          </p:cNvPr>
+          <p:cNvSpPr>
+            <a:spLocks noGrp="1"/>
+          </p:cNvSpPr>
+          <p:nvPr>
+            <p:ph type="title"/>
+          </p:nvPr>
+        </p:nvSpPr>
+        <p:spPr/>
+        <p:txBody>
+          <a:bodyPr/>
+          <a:lstStyle/>
+          <a:p>
+            <a:r>
+              <a:rPr lang="en-US" dirty="0"/>
+              <a:t>Golang functions: Recursion	</a:t>
+            </a:r>
+          </a:p>
+        </p:txBody>
+      </p:sp>
+      <p:sp>
+        <p:nvSpPr>
+          <p:cNvPr id="3" name="Text Placeholder 2">
+            <a:extLst>
+              <a:ext uri="{FF2B5EF4-FFF2-40B4-BE49-F238E27FC236}">
+                <a16:creationId xmlns:a16="http://schemas.microsoft.com/office/drawing/2014/main" id="{1510084A-84C4-7C40-8987-9CC2452CB20F}"/>
+              </a:ext>
+            </a:extLst>
+          </p:cNvPr>
+          <p:cNvSpPr>
+            <a:spLocks noGrp="1"/>
+          </p:cNvSpPr>
+          <p:nvPr>
+            <p:ph type="body" idx="1"/>
+          </p:nvPr>
+        </p:nvSpPr>
+        <p:spPr/>
+        <p:txBody>
+          <a:bodyPr/>
+          <a:lstStyle/>
+          <a:p>
+            <a:r>
+              <a:rPr lang="en-US" dirty="0"/>
+              <a:t> Recursion in Golang works just like in other languages- functions *can* call themselves.</a:t>
+            </a:r>
+          </a:p>
+          <a:p>
+            <a:endParaRPr lang="en-US" dirty="0"/>
+          </a:p>
+          <a:p>
+            <a:r>
+              <a:rPr lang="en-US" dirty="0"/>
+              <a:t> If anyone does tech interviews- there is </a:t>
+            </a:r>
+            <a:r>
+              <a:rPr lang="en-US" b="1" i="1" dirty="0"/>
+              <a:t>always</a:t>
+            </a:r>
+            <a:r>
+              <a:rPr lang="en-US" dirty="0"/>
+              <a:t> a recursion function in the questions somewhere!</a:t>
+            </a:r>
+          </a:p>
+          <a:p>
+            <a:endParaRPr lang="en-US" dirty="0"/>
+          </a:p>
+          <a:p>
+            <a:r>
+              <a:rPr lang="en-US" dirty="0"/>
+              <a:t>Pretty straightforward on this one… </a:t>
+            </a:r>
+          </a:p>
+        </p:txBody>
+      </p:sp>
+      <p:pic>
+        <p:nvPicPr>
+          <p:cNvPr id="2050" name="Picture 2" descr="Image result for golang gopher">
+            <a:extLst>
+              <a:ext uri="{FF2B5EF4-FFF2-40B4-BE49-F238E27FC236}">
+                <a16:creationId xmlns:a16="http://schemas.microsoft.com/office/drawing/2014/main" id="{502D077B-88CF-A14A-9936-9C901878934C}"/>
+              </a:ext>
+            </a:extLst>
+          </p:cNvPr>
+          <p:cNvPicPr>
+            <a:picLocks noChangeAspect="1" noChangeArrowheads="1"/>
+          </p:cNvPicPr>
+          <p:nvPr/>
+        </p:nvPicPr>
+        <p:blipFill>
+          <a:blip r:embed="rId2">
+            <a:extLst>
+              <a:ext uri="{28A0092B-C50C-407E-A947-70E740481C1C}">
+                <a14:useLocalDpi xmlns:a14="http://schemas.microsoft.com/office/drawing/2010/main" val="0"/>
+              </a:ext>
+            </a:extLst>
+          </a:blip>
+          <a:srcRect/>
+          <a:stretch>
+            <a:fillRect/>
+          </a:stretch>
+        </p:blipFill>
+        <p:spPr bwMode="auto">
+          <a:xfrm>
+            <a:off x="3307406" y="4801386"/>
+            <a:ext cx="2529187" cy="1835084"/>
+          </a:xfrm>
+          <a:prstGeom prst="rect">
+            <a:avLst/>
+          </a:prstGeom>
+          <a:noFill/>
+          <a:extLst>
+            <a:ext uri="{909E8E84-426E-40DD-AFC4-6F175D3DCCD1}">
+              <a14:hiddenFill xmlns:a14="http://schemas.microsoft.com/office/drawing/2010/main">
+                <a:solidFill>
+                  <a:srgbClr val="FFFFFF"/>
+                </a:solidFill>
+              </a14:hiddenFill>
+            </a:ext>
+          </a:extLst>
+        </p:spPr>
+      </p:pic>
+    </p:spTree>
+    <p:extLst>
+      <p:ext uri="{BB962C8B-B14F-4D97-AF65-F5344CB8AC3E}">
+        <p14:creationId xmlns:p14="http://schemas.microsoft.com/office/powerpoint/2010/main" val="1410510429"/>
+      </p:ext>
+    </p:extLst>
+  </p:cSld>
+  <p:clrMapOvr>
+    <a:masterClrMapping/>
+  </p:clrMapOvr>
+</p:sld>
+</file>
+
+<file path=ppt/slides/slide25.xml><?xml version="1.0" encoding="utf-8"?>
+<p:sld xmlns:a="http://schemas.openxmlformats.org/drawingml/2006/main" xmlns:r="http://schemas.openxmlformats.org/officeDocument/2006/relationships" xmlns:p="http://schemas.openxmlformats.org/presentationml/2006/main">
+  <p:cSld>
+    <p:spTree>
+      <p:nvGrpSpPr>
+        <p:cNvPr id="1" name=""/>
+        <p:cNvGrpSpPr/>
+        <p:nvPr/>
+      </p:nvGrpSpPr>
+      <p:grpSpPr>
+        <a:xfrm>
+          <a:off x="0" y="0"/>
+          <a:ext cx="0" cy="0"/>
+          <a:chOff x="0" y="0"/>
+          <a:chExt cx="0" cy="0"/>
+        </a:xfrm>
+      </p:grpSpPr>
+      <p:sp>
+        <p:nvSpPr>
+          <p:cNvPr id="2" name="Title 1">
+            <a:extLst>
+              <a:ext uri="{FF2B5EF4-FFF2-40B4-BE49-F238E27FC236}">
+                <a16:creationId xmlns:a16="http://schemas.microsoft.com/office/drawing/2014/main" id="{3382791F-EBEE-8544-A1C7-CF5C74750849}"/>
+              </a:ext>
+            </a:extLst>
+          </p:cNvPr>
+          <p:cNvSpPr>
+            <a:spLocks noGrp="1"/>
+          </p:cNvSpPr>
+          <p:nvPr>
+            <p:ph type="title"/>
+          </p:nvPr>
+        </p:nvSpPr>
+        <p:spPr/>
+        <p:txBody>
+          <a:bodyPr/>
+          <a:lstStyle/>
+          <a:p>
+            <a:r>
+              <a:rPr lang="en-US" dirty="0"/>
+              <a:t>Built in Functions</a:t>
+            </a:r>
+          </a:p>
+        </p:txBody>
+      </p:sp>
+      <p:sp>
+        <p:nvSpPr>
+          <p:cNvPr id="3" name="Text Placeholder 2">
+            <a:extLst>
+              <a:ext uri="{FF2B5EF4-FFF2-40B4-BE49-F238E27FC236}">
+                <a16:creationId xmlns:a16="http://schemas.microsoft.com/office/drawing/2014/main" id="{C54E9FD8-90EC-C141-B0A7-2F479F1D9B5A}"/>
+              </a:ext>
+            </a:extLst>
+          </p:cNvPr>
+          <p:cNvSpPr>
+            <a:spLocks noGrp="1"/>
+          </p:cNvSpPr>
+          <p:nvPr>
+            <p:ph type="body" idx="1"/>
+          </p:nvPr>
+        </p:nvSpPr>
+        <p:spPr/>
+        <p:txBody>
+          <a:bodyPr/>
+          <a:lstStyle/>
+          <a:p>
+            <a:r>
+              <a:rPr lang="en-US" dirty="0"/>
+              <a:t> Golang comes with a series of built in functions that can be called without the need for importing them at the top of the function.</a:t>
+            </a:r>
+          </a:p>
+          <a:p>
+            <a:endParaRPr lang="en-US" dirty="0"/>
+          </a:p>
+          <a:p>
+            <a:r>
+              <a:rPr lang="en-US" dirty="0"/>
+              <a:t>We’re going to go through quite a few of the most common built-in functions that will come in handy for you.  </a:t>
+            </a:r>
+          </a:p>
+          <a:p>
+            <a:endParaRPr lang="en-US" dirty="0"/>
+          </a:p>
+        </p:txBody>
+      </p:sp>
+      <p:pic>
+        <p:nvPicPr>
+          <p:cNvPr id="3074" name="Picture 2" descr="Image result for golang gopher">
+            <a:extLst>
+              <a:ext uri="{FF2B5EF4-FFF2-40B4-BE49-F238E27FC236}">
+                <a16:creationId xmlns:a16="http://schemas.microsoft.com/office/drawing/2014/main" id="{12B0A715-BBC0-8146-9A48-5CF67751EDDE}"/>
+              </a:ext>
+            </a:extLst>
+          </p:cNvPr>
+          <p:cNvPicPr>
+            <a:picLocks noChangeAspect="1" noChangeArrowheads="1"/>
+          </p:cNvPicPr>
+          <p:nvPr/>
+        </p:nvPicPr>
+        <p:blipFill>
+          <a:blip r:embed="rId2">
+            <a:extLst>
+              <a:ext uri="{28A0092B-C50C-407E-A947-70E740481C1C}">
+                <a14:useLocalDpi xmlns:a14="http://schemas.microsoft.com/office/drawing/2010/main" val="0"/>
+              </a:ext>
+            </a:extLst>
+          </a:blip>
+          <a:srcRect/>
+          <a:stretch>
+            <a:fillRect/>
+          </a:stretch>
+        </p:blipFill>
+        <p:spPr bwMode="auto">
+          <a:xfrm>
+            <a:off x="3883842" y="4380526"/>
+            <a:ext cx="1521055" cy="2020273"/>
+          </a:xfrm>
+          <a:prstGeom prst="rect">
+            <a:avLst/>
+          </a:prstGeom>
+          <a:noFill/>
+          <a:extLst>
+            <a:ext uri="{909E8E84-426E-40DD-AFC4-6F175D3DCCD1}">
+              <a14:hiddenFill xmlns:a14="http://schemas.microsoft.com/office/drawing/2010/main">
+                <a:solidFill>
+                  <a:srgbClr val="FFFFFF"/>
+                </a:solidFill>
+              </a14:hiddenFill>
+            </a:ext>
+          </a:extLst>
+        </p:spPr>
+      </p:pic>
+    </p:spTree>
+    <p:extLst>
+      <p:ext uri="{BB962C8B-B14F-4D97-AF65-F5344CB8AC3E}">
+        <p14:creationId xmlns:p14="http://schemas.microsoft.com/office/powerpoint/2010/main" val="3044389832"/>
+      </p:ext>
+    </p:extLst>
+  </p:cSld>
+  <p:clrMapOvr>
+    <a:masterClrMapping/>
+  </p:clrMapOvr>
+</p:sld>
+</file>
+
+<file path=ppt/slides/slide26.xml><?xml version="1.0" encoding="utf-8"?>
+<p:sld xmlns:a="http://schemas.openxmlformats.org/drawingml/2006/main" xmlns:r="http://schemas.openxmlformats.org/officeDocument/2006/relationships" xmlns:p="http://schemas.openxmlformats.org/presentationml/2006/main">
+  <p:cSld>
+    <p:spTree>
+      <p:nvGrpSpPr>
+        <p:cNvPr id="1" name=""/>
+        <p:cNvGrpSpPr/>
+        <p:nvPr/>
+      </p:nvGrpSpPr>
+      <p:grpSpPr>
+        <a:xfrm>
+          <a:off x="0" y="0"/>
+          <a:ext cx="0" cy="0"/>
+          <a:chOff x="0" y="0"/>
+          <a:chExt cx="0" cy="0"/>
+        </a:xfrm>
+      </p:grpSpPr>
+      <p:sp>
+        <p:nvSpPr>
+          <p:cNvPr id="2" name="Title 1">
+            <a:extLst>
+              <a:ext uri="{FF2B5EF4-FFF2-40B4-BE49-F238E27FC236}">
+                <a16:creationId xmlns:a16="http://schemas.microsoft.com/office/drawing/2014/main" id="{83F6031C-5998-C34A-838B-F6ABC813D711}"/>
+              </a:ext>
+            </a:extLst>
+          </p:cNvPr>
+          <p:cNvSpPr>
+            <a:spLocks noGrp="1"/>
+          </p:cNvSpPr>
+          <p:nvPr>
+            <p:ph type="title"/>
+          </p:nvPr>
+        </p:nvSpPr>
+        <p:spPr/>
+        <p:txBody>
+          <a:bodyPr/>
+          <a:lstStyle/>
+          <a:p>
+            <a:r>
+              <a:rPr lang="en-US" dirty="0"/>
+              <a:t>Golang Functions: Defer, panic, Recover</a:t>
+            </a:r>
+          </a:p>
+        </p:txBody>
+      </p:sp>
+      <p:sp>
+        <p:nvSpPr>
+          <p:cNvPr id="3" name="Text Placeholder 2">
+            <a:extLst>
+              <a:ext uri="{FF2B5EF4-FFF2-40B4-BE49-F238E27FC236}">
+                <a16:creationId xmlns:a16="http://schemas.microsoft.com/office/drawing/2014/main" id="{2DFBE410-10D1-8B49-9DA2-93F753246734}"/>
+              </a:ext>
+            </a:extLst>
+          </p:cNvPr>
+          <p:cNvSpPr>
+            <a:spLocks noGrp="1"/>
+          </p:cNvSpPr>
+          <p:nvPr>
+            <p:ph type="body" idx="1"/>
+          </p:nvPr>
+        </p:nvSpPr>
+        <p:spPr/>
+        <p:txBody>
+          <a:bodyPr/>
+          <a:lstStyle/>
+          <a:p>
+            <a:r>
+              <a:rPr lang="en-US" sz="2000" dirty="0"/>
+              <a:t> </a:t>
+            </a:r>
+            <a:r>
+              <a:rPr lang="en-US" sz="2000" b="1" dirty="0"/>
+              <a:t>defer():</a:t>
+            </a:r>
+            <a:r>
+              <a:rPr lang="en-US" sz="2000" dirty="0"/>
+              <a:t> basically schedules a function call to be run after the first one. Usually this one is used for things like opening and closing files (</a:t>
+            </a:r>
+            <a:r>
+              <a:rPr lang="en-US" sz="2000" dirty="0" err="1"/>
+              <a:t>i.e</a:t>
+            </a:r>
+            <a:r>
+              <a:rPr lang="en-US" sz="2000" dirty="0"/>
+              <a:t>: “Open the file, defer closing until after we DOATHING”)</a:t>
+            </a:r>
+          </a:p>
+          <a:p>
+            <a:endParaRPr lang="en-US" sz="2000" b="1" dirty="0"/>
+          </a:p>
+          <a:p>
+            <a:r>
+              <a:rPr lang="en-US" sz="2000" b="1" dirty="0"/>
+              <a:t>panic(): </a:t>
+            </a:r>
+            <a:r>
+              <a:rPr lang="en-US" sz="2000" dirty="0"/>
+              <a:t>This is basically an error handler to return </a:t>
+            </a:r>
+            <a:r>
+              <a:rPr lang="en-US" sz="2000" b="1" dirty="0"/>
+              <a:t>exit code 1. </a:t>
+            </a:r>
+            <a:r>
+              <a:rPr lang="en-US" sz="2000" dirty="0"/>
+              <a:t>It should be called in two situations only:</a:t>
+            </a:r>
+          </a:p>
+          <a:p>
+            <a:pPr lvl="1"/>
+            <a:r>
+              <a:rPr lang="en-US" sz="1500" dirty="0"/>
+              <a:t>An unrecoverable error where the program cannot continue it’s execution (</a:t>
+            </a:r>
+            <a:r>
+              <a:rPr lang="en-US" sz="1500" dirty="0" err="1"/>
+              <a:t>i.e</a:t>
+            </a:r>
+            <a:r>
+              <a:rPr lang="en-US" sz="1500" dirty="0"/>
+              <a:t>: Failure to bind to a required port by a webserver)</a:t>
+            </a:r>
+          </a:p>
+          <a:p>
+            <a:pPr lvl="1"/>
+            <a:r>
+              <a:rPr lang="en-US" sz="1500" dirty="0"/>
+              <a:t>A programmer error </a:t>
+            </a:r>
+          </a:p>
+          <a:p>
+            <a:r>
+              <a:rPr lang="en-US" sz="2000" b="1" i="1" dirty="0"/>
+              <a:t>Important note about a panic: </a:t>
+            </a:r>
+            <a:r>
+              <a:rPr lang="en-US" sz="2000" i="1" dirty="0"/>
+              <a:t>execution is stopped </a:t>
+            </a:r>
+            <a:r>
+              <a:rPr lang="en-US" sz="2000" b="1" i="1" dirty="0"/>
+              <a:t>BUT</a:t>
+            </a:r>
+            <a:r>
+              <a:rPr lang="en-US" sz="2000" i="1" dirty="0"/>
+              <a:t>- </a:t>
+            </a:r>
+            <a:r>
+              <a:rPr lang="en-US" sz="2000" i="1" u="sng" dirty="0"/>
+              <a:t>any deferred functions are executed and then the call returns to the caller</a:t>
+            </a:r>
+            <a:r>
+              <a:rPr lang="en-US" sz="2000" u="sng" dirty="0"/>
+              <a:t>.</a:t>
+            </a:r>
+            <a:endParaRPr lang="en-US" sz="2000" b="1" i="1" dirty="0"/>
+          </a:p>
+          <a:p>
+            <a:pPr marL="177800" indent="0">
+              <a:buNone/>
+            </a:pPr>
+            <a:endParaRPr lang="en-US" dirty="0"/>
+          </a:p>
+        </p:txBody>
+      </p:sp>
+      <p:pic>
+        <p:nvPicPr>
+          <p:cNvPr id="4098" name="Picture 2" descr="Image result for golang gopher">
+            <a:extLst>
+              <a:ext uri="{FF2B5EF4-FFF2-40B4-BE49-F238E27FC236}">
+                <a16:creationId xmlns:a16="http://schemas.microsoft.com/office/drawing/2014/main" id="{D5F550AB-A881-7647-BC0D-D38748C1FA88}"/>
+              </a:ext>
+            </a:extLst>
+          </p:cNvPr>
+          <p:cNvPicPr>
+            <a:picLocks noChangeAspect="1" noChangeArrowheads="1"/>
+          </p:cNvPicPr>
+          <p:nvPr/>
+        </p:nvPicPr>
+        <p:blipFill>
+          <a:blip r:embed="rId2">
+            <a:extLst>
+              <a:ext uri="{28A0092B-C50C-407E-A947-70E740481C1C}">
+                <a14:useLocalDpi xmlns:a14="http://schemas.microsoft.com/office/drawing/2010/main" val="0"/>
+              </a:ext>
+            </a:extLst>
+          </a:blip>
+          <a:srcRect/>
+          <a:stretch>
+            <a:fillRect/>
+          </a:stretch>
+        </p:blipFill>
+        <p:spPr bwMode="auto">
+          <a:xfrm>
+            <a:off x="3271101" y="5094176"/>
+            <a:ext cx="2032524" cy="1306623"/>
+          </a:xfrm>
+          <a:prstGeom prst="rect">
+            <a:avLst/>
+          </a:prstGeom>
+          <a:noFill/>
+          <a:extLst>
+            <a:ext uri="{909E8E84-426E-40DD-AFC4-6F175D3DCCD1}">
+              <a14:hiddenFill xmlns:a14="http://schemas.microsoft.com/office/drawing/2010/main">
+                <a:solidFill>
+                  <a:srgbClr val="FFFFFF"/>
+                </a:solidFill>
+              </a14:hiddenFill>
+            </a:ext>
+          </a:extLst>
+        </p:spPr>
+      </p:pic>
+    </p:spTree>
+    <p:extLst>
+      <p:ext uri="{BB962C8B-B14F-4D97-AF65-F5344CB8AC3E}">
+        <p14:creationId xmlns:p14="http://schemas.microsoft.com/office/powerpoint/2010/main" val="214020548"/>
+      </p:ext>
+    </p:extLst>
+  </p:cSld>
+  <p:clrMapOvr>
+    <a:masterClrMapping/>
+  </p:clrMapOvr>
+</p:sld>
+</file>
+
+<file path=ppt/slides/slide27.xml><?xml version="1.0" encoding="utf-8"?>
+<p:sld xmlns:a="http://schemas.openxmlformats.org/drawingml/2006/main" xmlns:r="http://schemas.openxmlformats.org/officeDocument/2006/relationships" xmlns:p="http://schemas.openxmlformats.org/presentationml/2006/main">
+  <p:cSld>
+    <p:spTree>
+      <p:nvGrpSpPr>
+        <p:cNvPr id="1" name=""/>
+        <p:cNvGrpSpPr/>
+        <p:nvPr/>
+      </p:nvGrpSpPr>
+      <p:grpSpPr>
+        <a:xfrm>
+          <a:off x="0" y="0"/>
+          <a:ext cx="0" cy="0"/>
+          <a:chOff x="0" y="0"/>
+          <a:chExt cx="0" cy="0"/>
+        </a:xfrm>
+      </p:grpSpPr>
+      <p:sp>
+        <p:nvSpPr>
+          <p:cNvPr id="2" name="Title 1">
+            <a:extLst>
+              <a:ext uri="{FF2B5EF4-FFF2-40B4-BE49-F238E27FC236}">
+                <a16:creationId xmlns:a16="http://schemas.microsoft.com/office/drawing/2014/main" id="{225A76DA-B5EB-F346-A0A1-521C85BAF8F9}"/>
+              </a:ext>
+            </a:extLst>
+          </p:cNvPr>
+          <p:cNvSpPr>
+            <a:spLocks noGrp="1"/>
+          </p:cNvSpPr>
+          <p:nvPr>
+            <p:ph type="title"/>
+          </p:nvPr>
+        </p:nvSpPr>
+        <p:spPr/>
+        <p:txBody>
+          <a:bodyPr/>
+          <a:lstStyle/>
+          <a:p>
+            <a:r>
+              <a:rPr lang="en-US" dirty="0"/>
+              <a:t>Golang Functions: Recover()</a:t>
+            </a:r>
+          </a:p>
+        </p:txBody>
+      </p:sp>
+      <p:sp>
+        <p:nvSpPr>
+          <p:cNvPr id="3" name="Text Placeholder 2">
+            <a:extLst>
+              <a:ext uri="{FF2B5EF4-FFF2-40B4-BE49-F238E27FC236}">
+                <a16:creationId xmlns:a16="http://schemas.microsoft.com/office/drawing/2014/main" id="{342DECB0-5326-F740-99D1-6054492782A4}"/>
+              </a:ext>
+            </a:extLst>
+          </p:cNvPr>
+          <p:cNvSpPr>
+            <a:spLocks noGrp="1"/>
+          </p:cNvSpPr>
+          <p:nvPr>
+            <p:ph type="body" idx="1"/>
+          </p:nvPr>
+        </p:nvSpPr>
+        <p:spPr/>
+        <p:txBody>
+          <a:bodyPr/>
+          <a:lstStyle/>
+          <a:p>
+            <a:r>
+              <a:rPr lang="en-US" dirty="0"/>
+              <a:t> </a:t>
+            </a:r>
+            <a:r>
+              <a:rPr lang="en-US" b="1" dirty="0"/>
+              <a:t>recover():</a:t>
+            </a:r>
+            <a:r>
+              <a:rPr lang="en-US" dirty="0"/>
+              <a:t> A built-in function used to regain control of a panicking goroutine. </a:t>
+            </a:r>
+            <a:r>
+              <a:rPr lang="en-US" b="1" i="1" dirty="0"/>
+              <a:t>It is only useful when called inside a deferred function</a:t>
+            </a:r>
+            <a:r>
+              <a:rPr lang="en-US" dirty="0"/>
+              <a:t>. This is how you stop a panicking function by returning to normal execution and retrieving the error value that was passed that called the panic(). </a:t>
+            </a:r>
+          </a:p>
+        </p:txBody>
+      </p:sp>
+      <p:pic>
+        <p:nvPicPr>
+          <p:cNvPr id="5122" name="Picture 2" descr="Image result for golang gopher">
+            <a:extLst>
+              <a:ext uri="{FF2B5EF4-FFF2-40B4-BE49-F238E27FC236}">
+                <a16:creationId xmlns:a16="http://schemas.microsoft.com/office/drawing/2014/main" id="{787A19C1-89EC-E848-B5CE-63B3CB10A91A}"/>
+              </a:ext>
+            </a:extLst>
+          </p:cNvPr>
+          <p:cNvPicPr>
+            <a:picLocks noChangeAspect="1" noChangeArrowheads="1"/>
+          </p:cNvPicPr>
+          <p:nvPr/>
+        </p:nvPicPr>
+        <p:blipFill>
+          <a:blip r:embed="rId2">
+            <a:extLst>
+              <a:ext uri="{28A0092B-C50C-407E-A947-70E740481C1C}">
+                <a14:useLocalDpi xmlns:a14="http://schemas.microsoft.com/office/drawing/2010/main" val="0"/>
+              </a:ext>
+            </a:extLst>
+          </a:blip>
+          <a:srcRect/>
+          <a:stretch>
+            <a:fillRect/>
+          </a:stretch>
+        </p:blipFill>
+        <p:spPr bwMode="auto">
+          <a:xfrm>
+            <a:off x="2819400" y="4089399"/>
+            <a:ext cx="3505200" cy="2311400"/>
+          </a:xfrm>
+          <a:prstGeom prst="rect">
+            <a:avLst/>
+          </a:prstGeom>
+          <a:noFill/>
+          <a:extLst>
+            <a:ext uri="{909E8E84-426E-40DD-AFC4-6F175D3DCCD1}">
+              <a14:hiddenFill xmlns:a14="http://schemas.microsoft.com/office/drawing/2010/main">
+                <a:solidFill>
+                  <a:srgbClr val="FFFFFF"/>
+                </a:solidFill>
+              </a14:hiddenFill>
+            </a:ext>
+          </a:extLst>
+        </p:spPr>
+      </p:pic>
+    </p:spTree>
+    <p:extLst>
+      <p:ext uri="{BB962C8B-B14F-4D97-AF65-F5344CB8AC3E}">
+        <p14:creationId xmlns:p14="http://schemas.microsoft.com/office/powerpoint/2010/main" val="1197850767"/>
+      </p:ext>
+    </p:extLst>
+  </p:cSld>
+  <p:clrMapOvr>
+    <a:masterClrMapping/>
+  </p:clrMapOvr>
+</p:sld>
+</file>
+
+<file path=ppt/slides/slide28.xml><?xml version="1.0" encoding="utf-8"?>
+<p:sld xmlns:a="http://schemas.openxmlformats.org/drawingml/2006/main" xmlns:r="http://schemas.openxmlformats.org/officeDocument/2006/relationships" xmlns:p="http://schemas.openxmlformats.org/presentationml/2006/main">
+  <p:cSld>
+    <p:spTree>
+      <p:nvGrpSpPr>
+        <p:cNvPr id="1" name=""/>
+        <p:cNvGrpSpPr/>
+        <p:nvPr/>
+      </p:nvGrpSpPr>
+      <p:grpSpPr>
+        <a:xfrm>
+          <a:off x="0" y="0"/>
+          <a:ext cx="0" cy="0"/>
+          <a:chOff x="0" y="0"/>
+          <a:chExt cx="0" cy="0"/>
+        </a:xfrm>
+      </p:grpSpPr>
+      <p:sp>
+        <p:nvSpPr>
+          <p:cNvPr id="2" name="Title 1">
+            <a:extLst>
+              <a:ext uri="{FF2B5EF4-FFF2-40B4-BE49-F238E27FC236}">
+                <a16:creationId xmlns:a16="http://schemas.microsoft.com/office/drawing/2014/main" id="{E98821EA-9D86-EA43-88ED-25584EF47EE5}"/>
+              </a:ext>
+            </a:extLst>
+          </p:cNvPr>
+          <p:cNvSpPr>
+            <a:spLocks noGrp="1"/>
+          </p:cNvSpPr>
+          <p:nvPr>
+            <p:ph type="title"/>
+          </p:nvPr>
+        </p:nvSpPr>
+        <p:spPr/>
+        <p:txBody>
+          <a:bodyPr/>
+          <a:lstStyle/>
+          <a:p>
+            <a:r>
+              <a:rPr lang="en-US" dirty="0"/>
+              <a:t>Calling Golang Functions</a:t>
+            </a:r>
+          </a:p>
+        </p:txBody>
+      </p:sp>
+      <p:sp>
+        <p:nvSpPr>
+          <p:cNvPr id="3" name="Text Placeholder 2">
+            <a:extLst>
+              <a:ext uri="{FF2B5EF4-FFF2-40B4-BE49-F238E27FC236}">
+                <a16:creationId xmlns:a16="http://schemas.microsoft.com/office/drawing/2014/main" id="{C5761A22-37AE-8F4A-8E8D-1A2FD2658423}"/>
+              </a:ext>
+            </a:extLst>
+          </p:cNvPr>
+          <p:cNvSpPr>
+            <a:spLocks noGrp="1"/>
+          </p:cNvSpPr>
+          <p:nvPr>
+            <p:ph type="body" idx="1"/>
+          </p:nvPr>
+        </p:nvSpPr>
+        <p:spPr/>
+        <p:txBody>
+          <a:bodyPr/>
+          <a:lstStyle/>
+          <a:p>
+            <a:r>
+              <a:rPr lang="en-US" dirty="0"/>
+              <a:t> Remember that Golang doesn’t have type hierarchy. Just as we can declare </a:t>
+            </a:r>
+            <a:r>
+              <a:rPr lang="en-US" b="1" dirty="0" err="1"/>
+              <a:t>var</a:t>
+            </a:r>
+            <a:r>
+              <a:rPr lang="en-US" dirty="0"/>
+              <a:t> in the outer scope of a go package (outside a function) we can also declare functions with the </a:t>
+            </a:r>
+            <a:r>
+              <a:rPr lang="en-US" b="1" dirty="0"/>
+              <a:t>type</a:t>
+            </a:r>
+            <a:r>
+              <a:rPr lang="en-US" dirty="0"/>
+              <a:t> keyword. </a:t>
+            </a:r>
+          </a:p>
+          <a:p>
+            <a:endParaRPr lang="en-US" dirty="0"/>
+          </a:p>
+          <a:p>
+            <a:r>
+              <a:rPr lang="en-US" dirty="0"/>
+              <a:t> In the lab please note how the type is being called. You can pass functions around just like anything else!</a:t>
+            </a:r>
+          </a:p>
+        </p:txBody>
+      </p:sp>
+      <p:pic>
+        <p:nvPicPr>
+          <p:cNvPr id="6146" name="Picture 2" descr="Image result for golang gopher">
+            <a:extLst>
+              <a:ext uri="{FF2B5EF4-FFF2-40B4-BE49-F238E27FC236}">
+                <a16:creationId xmlns:a16="http://schemas.microsoft.com/office/drawing/2014/main" id="{C8E44AAC-381E-BB46-B451-C0011A18E29F}"/>
+              </a:ext>
+            </a:extLst>
+          </p:cNvPr>
+          <p:cNvPicPr>
+            <a:picLocks noChangeAspect="1" noChangeArrowheads="1"/>
+          </p:cNvPicPr>
+          <p:nvPr/>
+        </p:nvPicPr>
+        <p:blipFill>
+          <a:blip r:embed="rId2">
+            <a:extLst>
+              <a:ext uri="{28A0092B-C50C-407E-A947-70E740481C1C}">
+                <a14:useLocalDpi xmlns:a14="http://schemas.microsoft.com/office/drawing/2010/main" val="0"/>
+              </a:ext>
+            </a:extLst>
+          </a:blip>
+          <a:srcRect/>
+          <a:stretch>
+            <a:fillRect/>
+          </a:stretch>
+        </p:blipFill>
+        <p:spPr bwMode="auto">
+          <a:xfrm>
+            <a:off x="3885414" y="4788816"/>
+            <a:ext cx="1373171" cy="1611983"/>
+          </a:xfrm>
+          <a:prstGeom prst="rect">
+            <a:avLst/>
+          </a:prstGeom>
+          <a:noFill/>
+          <a:extLst>
+            <a:ext uri="{909E8E84-426E-40DD-AFC4-6F175D3DCCD1}">
+              <a14:hiddenFill xmlns:a14="http://schemas.microsoft.com/office/drawing/2010/main">
+                <a:solidFill>
+                  <a:srgbClr val="FFFFFF"/>
+                </a:solidFill>
+              </a14:hiddenFill>
+            </a:ext>
+          </a:extLst>
+        </p:spPr>
+      </p:pic>
+    </p:spTree>
+    <p:extLst>
+      <p:ext uri="{BB962C8B-B14F-4D97-AF65-F5344CB8AC3E}">
+        <p14:creationId xmlns:p14="http://schemas.microsoft.com/office/powerpoint/2010/main" val="2904634814"/>
+      </p:ext>
+    </p:extLst>
+  </p:cSld>
+  <p:clrMapOvr>
+    <a:masterClrMapping/>
+  </p:clrMapOvr>
+</p:sld>
+</file>
+
+<file path=ppt/slides/slide29.xml><?xml version="1.0" encoding="utf-8"?>
 <p:sld xmlns:a="http://schemas.openxmlformats.org/drawingml/2006/main" xmlns:r="http://schemas.openxmlformats.org/officeDocument/2006/relationships" xmlns:p="http://schemas.openxmlformats.org/presentationml/2006/main">
   <p:cSld>
     <p:spTree>

--- a/Module_Two/presentations/module_2_presentation.pptx
+++ b/Module_Two/presentations/module_2_presentation.pptx
@@ -5,7 +5,7 @@
     <p:sldMasterId id="2147483655" r:id="rId1"/>
   </p:sldMasterIdLst>
   <p:notesMasterIdLst>
-    <p:notesMasterId r:id="rId31"/>
+    <p:notesMasterId r:id="rId34"/>
   </p:notesMasterIdLst>
   <p:sldIdLst>
     <p:sldId id="256" r:id="rId2"/>
@@ -35,8 +35,11 @@
     <p:sldId id="505" r:id="rId26"/>
     <p:sldId id="506" r:id="rId27"/>
     <p:sldId id="507" r:id="rId28"/>
-    <p:sldId id="508" r:id="rId29"/>
-    <p:sldId id="489" r:id="rId30"/>
+    <p:sldId id="509" r:id="rId29"/>
+    <p:sldId id="510" r:id="rId30"/>
+    <p:sldId id="511" r:id="rId31"/>
+    <p:sldId id="508" r:id="rId32"/>
+    <p:sldId id="489" r:id="rId33"/>
   </p:sldIdLst>
   <p:sldSz cx="9144000" cy="6858000" type="screen4x3"/>
   <p:notesSz cx="6858000" cy="9144000"/>
@@ -3773,7 +3776,7 @@
             </a:pPr>
             <a:fld id="{00000000-1234-1234-1234-123412341234}" type="slidenum">
               <a:rPr lang="en-US"/>
-              <a:t>29</a:t>
+              <a:t>32</a:t>
             </a:fld>
             <a:endParaRPr lang="en-US"/>
           </a:p>
@@ -14407,7 +14410,7 @@
           <p:cNvPr id="2" name="Title 1">
             <a:extLst>
               <a:ext uri="{FF2B5EF4-FFF2-40B4-BE49-F238E27FC236}">
-                <a16:creationId xmlns:a16="http://schemas.microsoft.com/office/drawing/2014/main" id="{E98821EA-9D86-EA43-88ED-25584EF47EE5}"/>
+                <a16:creationId xmlns:a16="http://schemas.microsoft.com/office/drawing/2014/main" id="{090C1C9F-F044-F545-82D2-E03892347EE6}"/>
               </a:ext>
             </a:extLst>
           </p:cNvPr>
@@ -14425,7 +14428,7 @@
           <a:p>
             <a:r>
               <a:rPr lang="en-US" dirty="0"/>
-              <a:t>Calling Golang Functions</a:t>
+              <a:t>Golang functions: Error Handling</a:t>
             </a:r>
           </a:p>
         </p:txBody>
@@ -14435,7 +14438,7 @@
           <p:cNvPr id="3" name="Text Placeholder 2">
             <a:extLst>
               <a:ext uri="{FF2B5EF4-FFF2-40B4-BE49-F238E27FC236}">
-                <a16:creationId xmlns:a16="http://schemas.microsoft.com/office/drawing/2014/main" id="{C5761A22-37AE-8F4A-8E8D-1A2FD2658423}"/>
+                <a16:creationId xmlns:a16="http://schemas.microsoft.com/office/drawing/2014/main" id="{9457A782-2407-954E-B400-0E5740D96F80}"/>
               </a:ext>
             </a:extLst>
           </p:cNvPr>
@@ -14453,42 +14456,156 @@
           <a:p>
             <a:r>
               <a:rPr lang="en-US" dirty="0"/>
-              <a:t> Remember that Golang doesn’t have type hierarchy. Just as we can declare </a:t>
-            </a:r>
-            <a:r>
-              <a:rPr lang="en-US" b="1" dirty="0" err="1"/>
-              <a:t>var</a:t>
+              <a:t> </a:t>
+            </a:r>
+            <a:r>
+              <a:rPr lang="en-US" b="1" dirty="0"/>
+              <a:t>error()</a:t>
             </a:r>
             <a:r>
               <a:rPr lang="en-US" dirty="0"/>
-              <a:t> in the outer scope of a go package (outside a function) we can also declare functions with the </a:t>
-            </a:r>
-            <a:r>
-              <a:rPr lang="en-US" b="1" dirty="0"/>
-              <a:t>type</a:t>
-            </a:r>
+              <a:t> is another built in function that you’ll be using a lot. The two common methods for handling errors in GO are:</a:t>
+            </a:r>
+          </a:p>
+          <a:p>
+            <a:pPr lvl="1"/>
             <a:r>
               <a:rPr lang="en-US" dirty="0"/>
-              <a:t> keyword. </a:t>
-            </a:r>
-          </a:p>
-          <a:p>
+              <a:t> multiple return values</a:t>
+            </a:r>
+          </a:p>
+          <a:p>
+            <a:pPr marL="977900" lvl="2" indent="0">
+              <a:buNone/>
+            </a:pPr>
+            <a:r>
+              <a:rPr lang="en-US" sz="1300" dirty="0">
+                <a:latin typeface="American Typewriter" panose="02090604020004020304" pitchFamily="18" charset="77"/>
+              </a:rPr>
+              <a:t> </a:t>
+            </a:r>
+            <a:r>
+              <a:rPr lang="en-US" sz="1800" dirty="0">
+                <a:latin typeface="American Typewriter" panose="02090604020004020304" pitchFamily="18" charset="77"/>
+              </a:rPr>
+              <a:t>f, err := </a:t>
+            </a:r>
+            <a:r>
+              <a:rPr lang="en-US" sz="1800" dirty="0" err="1">
+                <a:latin typeface="American Typewriter" panose="02090604020004020304" pitchFamily="18" charset="77"/>
+              </a:rPr>
+              <a:t>os.Open</a:t>
+            </a:r>
+            <a:r>
+              <a:rPr lang="en-US" sz="1800" dirty="0">
+                <a:latin typeface="American Typewriter" panose="02090604020004020304" pitchFamily="18" charset="77"/>
+              </a:rPr>
+              <a:t>("</a:t>
+            </a:r>
+            <a:r>
+              <a:rPr lang="en-US" sz="1800" dirty="0" err="1">
+                <a:latin typeface="American Typewriter" panose="02090604020004020304" pitchFamily="18" charset="77"/>
+              </a:rPr>
+              <a:t>filename.ext</a:t>
+            </a:r>
+            <a:r>
+              <a:rPr lang="en-US" sz="1800" dirty="0">
+                <a:latin typeface="American Typewriter" panose="02090604020004020304" pitchFamily="18" charset="77"/>
+              </a:rPr>
+              <a:t>")</a:t>
+            </a:r>
+          </a:p>
+          <a:p>
+            <a:pPr marL="1460500" lvl="3" indent="0">
+              <a:buNone/>
+            </a:pPr>
+            <a:r>
+              <a:rPr lang="en-US" dirty="0">
+                <a:latin typeface="American Typewriter" panose="02090604020004020304" pitchFamily="18" charset="77"/>
+              </a:rPr>
+              <a:t>if err != nil {</a:t>
+            </a:r>
+          </a:p>
+          <a:p>
+            <a:pPr marL="1460500" lvl="3" indent="0">
+              <a:buNone/>
+            </a:pPr>
+            <a:r>
+              <a:rPr lang="en-US" dirty="0">
+                <a:latin typeface="American Typewriter" panose="02090604020004020304" pitchFamily="18" charset="77"/>
+              </a:rPr>
+              <a:t>	</a:t>
+            </a:r>
+            <a:r>
+              <a:rPr lang="en-US" dirty="0" err="1">
+                <a:latin typeface="American Typewriter" panose="02090604020004020304" pitchFamily="18" charset="77"/>
+              </a:rPr>
+              <a:t>log.fatal</a:t>
+            </a:r>
+            <a:r>
+              <a:rPr lang="en-US" dirty="0">
+                <a:latin typeface="American Typewriter" panose="02090604020004020304" pitchFamily="18" charset="77"/>
+              </a:rPr>
+              <a:t>(err)</a:t>
+            </a:r>
+          </a:p>
+          <a:p>
+            <a:pPr marL="1460500" lvl="3" indent="0">
+              <a:buNone/>
+            </a:pPr>
+            <a:r>
+              <a:rPr lang="en-US" dirty="0">
+                <a:latin typeface="American Typewriter" panose="02090604020004020304" pitchFamily="18" charset="77"/>
+              </a:rPr>
+              <a:t>}</a:t>
+            </a:r>
             <a:endParaRPr lang="en-US" dirty="0"/>
           </a:p>
           <a:p>
+            <a:pPr lvl="1"/>
             <a:r>
               <a:rPr lang="en-US" dirty="0"/>
-              <a:t> In the lab please note how the type is being called. You can pass functions around just like anything else!</a:t>
-            </a:r>
+              <a:t> panic()- which we just went over. </a:t>
+            </a:r>
+          </a:p>
+          <a:p>
+            <a:r>
+              <a:rPr lang="en-US" dirty="0"/>
+              <a:t>Notice that with the error the order of multiple returns that is standard is </a:t>
+            </a:r>
+            <a:r>
+              <a:rPr lang="en-US" i="1" dirty="0"/>
+              <a:t>value, ERROR</a:t>
+            </a:r>
+            <a:r>
+              <a:rPr lang="en-US" dirty="0"/>
+              <a:t>- which is stupid- but a convention.</a:t>
+            </a:r>
+          </a:p>
+          <a:p>
+            <a:pPr marL="603250" lvl="1" indent="0">
+              <a:buNone/>
+            </a:pPr>
+            <a:endParaRPr lang="en-US" sz="2000" dirty="0">
+              <a:latin typeface="American Typewriter" panose="02090604020004020304" pitchFamily="18" charset="77"/>
+            </a:endParaRPr>
+          </a:p>
+          <a:p>
+            <a:pPr marL="603250" lvl="1" indent="0">
+              <a:buNone/>
+            </a:pPr>
+            <a:endParaRPr lang="en-US" sz="2000" dirty="0">
+              <a:latin typeface="American Typewriter" panose="02090604020004020304" pitchFamily="18" charset="77"/>
+            </a:endParaRPr>
           </a:p>
         </p:txBody>
       </p:sp>
       <p:pic>
         <p:nvPicPr>
-          <p:cNvPr id="6146" name="Picture 2" descr="Image result for golang gopher">
+          <p:cNvPr id="1026" name="Picture 2" descr="Image result for golang gopher">
             <a:extLst>
               <a:ext uri="{FF2B5EF4-FFF2-40B4-BE49-F238E27FC236}">
-                <a16:creationId xmlns:a16="http://schemas.microsoft.com/office/drawing/2014/main" id="{C8E44AAC-381E-BB46-B451-C0011A18E29F}"/>
+                <a16:creationId xmlns:a16="http://schemas.microsoft.com/office/drawing/2014/main" id="{2550E13D-D5E1-6A4C-AA00-8641980DBF9E}"/>
               </a:ext>
             </a:extLst>
           </p:cNvPr>
@@ -14512,8 +14629,8 @@
         </p:blipFill>
         <p:spPr bwMode="auto">
           <a:xfrm>
-            <a:off x="3885414" y="4788816"/>
-            <a:ext cx="1373171" cy="1611983"/>
+            <a:off x="5105400" y="2324886"/>
+            <a:ext cx="3962400" cy="2057400"/>
           </a:xfrm>
           <a:prstGeom prst="rect">
             <a:avLst/>
@@ -14533,7 +14650,7 @@
     </p:spTree>
     <p:extLst>
       <p:ext uri="{BB962C8B-B14F-4D97-AF65-F5344CB8AC3E}">
-        <p14:creationId xmlns:p14="http://schemas.microsoft.com/office/powerpoint/2010/main" val="2904634814"/>
+        <p14:creationId xmlns:p14="http://schemas.microsoft.com/office/powerpoint/2010/main" val="3930291286"/>
       </p:ext>
     </p:extLst>
   </p:cSld>
@@ -14548,7 +14665,7 @@
   <p:cSld>
     <p:spTree>
       <p:nvGrpSpPr>
-        <p:cNvPr id="1" name="Shape 113"/>
+        <p:cNvPr id="1" name=""/>
         <p:cNvGrpSpPr/>
         <p:nvPr/>
       </p:nvGrpSpPr>
@@ -14562,272 +14679,283 @@
       </p:grpSpPr>
       <p:sp>
         <p:nvSpPr>
-          <p:cNvPr id="114" name="Shape 114"/>
-          <p:cNvSpPr txBox="1">
+          <p:cNvPr id="2" name="Title 1">
+            <a:extLst>
+              <a:ext uri="{FF2B5EF4-FFF2-40B4-BE49-F238E27FC236}">
+                <a16:creationId xmlns:a16="http://schemas.microsoft.com/office/drawing/2014/main" id="{C9EF8AB0-51F7-EC4F-99DC-E977C14CC02A}"/>
+              </a:ext>
+            </a:extLst>
+          </p:cNvPr>
+          <p:cNvSpPr>
             <a:spLocks noGrp="1"/>
           </p:cNvSpPr>
           <p:nvPr>
             <p:ph type="title"/>
           </p:nvPr>
         </p:nvSpPr>
-        <p:spPr>
-          <a:xfrm>
-            <a:off x="76200" y="152400"/>
-            <a:ext cx="8991600" cy="671400"/>
-          </a:xfrm>
-          <a:prstGeom prst="rect">
-            <a:avLst/>
-          </a:prstGeom>
-        </p:spPr>
+        <p:spPr/>
         <p:txBody>
-          <a:bodyPr lIns="91425" tIns="91425" rIns="91425" bIns="91425" anchor="ctr" anchorCtr="0">
-            <a:noAutofit/>
-          </a:bodyPr>
+          <a:bodyPr/>
           <a:lstStyle/>
           <a:p>
-            <a:pPr lvl="0">
-              <a:spcBef>
-                <a:spcPts val="0"/>
-              </a:spcBef>
-              <a:buNone/>
-            </a:pPr>
             <a:r>
               <a:rPr lang="en-US" dirty="0"/>
-              <a:t>Golang Playground</a:t>
-            </a:r>
-            <a:endParaRPr dirty="0"/>
+              <a:t>Error Handling- making our own</a:t>
+            </a:r>
           </a:p>
         </p:txBody>
       </p:sp>
       <p:sp>
         <p:nvSpPr>
-          <p:cNvPr id="115" name="Shape 115"/>
-          <p:cNvSpPr txBox="1">
+          <p:cNvPr id="3" name="Text Placeholder 2">
+            <a:extLst>
+              <a:ext uri="{FF2B5EF4-FFF2-40B4-BE49-F238E27FC236}">
+                <a16:creationId xmlns:a16="http://schemas.microsoft.com/office/drawing/2014/main" id="{0D9D76DA-F9BA-C041-86C2-2A86B8B75D51}"/>
+              </a:ext>
+            </a:extLst>
+          </p:cNvPr>
+          <p:cNvSpPr>
             <a:spLocks noGrp="1"/>
           </p:cNvSpPr>
           <p:nvPr>
             <p:ph type="body" idx="1"/>
           </p:nvPr>
         </p:nvSpPr>
-        <p:spPr>
-          <a:xfrm>
-            <a:off x="76200" y="1240810"/>
-            <a:ext cx="8991600" cy="4070929"/>
-          </a:xfrm>
-          <a:prstGeom prst="rect">
-            <a:avLst/>
-          </a:prstGeom>
-        </p:spPr>
+        <p:spPr/>
         <p:txBody>
-          <a:bodyPr lIns="91425" tIns="91425" rIns="91425" bIns="91425" anchor="t" anchorCtr="0">
-            <a:noAutofit/>
-          </a:bodyPr>
+          <a:bodyPr/>
           <a:lstStyle/>
           <a:p>
-            <a:pPr lvl="2">
-              <a:spcBef>
-                <a:spcPts val="0"/>
-              </a:spcBef>
-            </a:pPr>
-            <a:r>
-              <a:rPr lang="en-US" dirty="0">
-                <a:solidFill>
-                  <a:schemeClr val="tx1"/>
-                </a:solidFill>
-                <a:latin typeface="+mn-lt"/>
-              </a:rPr>
-              <a:t>All of this being said- this is what we’re going to use going forward for most of our intro coding!</a:t>
-            </a:r>
-          </a:p>
-          <a:p>
-            <a:pPr lvl="2">
-              <a:spcBef>
-                <a:spcPts val="0"/>
-              </a:spcBef>
-            </a:pPr>
-            <a:r>
-              <a:rPr lang="en-US" dirty="0">
-                <a:solidFill>
-                  <a:schemeClr val="tx1"/>
-                </a:solidFill>
-                <a:latin typeface="+mn-lt"/>
-              </a:rPr>
-              <a:t>We are now set up and ready to ”go!”</a:t>
-            </a:r>
-          </a:p>
-          <a:p>
-            <a:pPr lvl="2">
-              <a:spcBef>
-                <a:spcPts val="0"/>
-              </a:spcBef>
-            </a:pPr>
-            <a:r>
-              <a:rPr lang="en-US" dirty="0">
-                <a:solidFill>
-                  <a:schemeClr val="tx1"/>
-                </a:solidFill>
-                <a:latin typeface="+mn-lt"/>
+            <a:r>
+              <a:rPr lang="en-US" dirty="0"/>
+              <a:t> So- GO is not as advanced as a lot of languages on the error handling front. This means that you might have to create your own error handling methods.</a:t>
+            </a:r>
+          </a:p>
+          <a:p>
+            <a:r>
+              <a:rPr lang="en-US" dirty="0"/>
+              <a:t>For most standard go functions look like this:</a:t>
+            </a:r>
+          </a:p>
+          <a:p>
+            <a:pPr marL="177800" indent="0">
+              <a:buNone/>
+            </a:pPr>
+            <a:endParaRPr lang="en-US" dirty="0"/>
+          </a:p>
+          <a:p>
+            <a:pPr marL="177800" indent="0">
+              <a:buNone/>
+            </a:pPr>
+            <a:r>
+              <a:rPr lang="en-US" sz="2000" dirty="0" err="1">
+                <a:highlight>
+                  <a:srgbClr val="FFFF00"/>
+                </a:highlight>
+                <a:latin typeface="American Typewriter" panose="02090604020004020304" pitchFamily="18" charset="77"/>
+              </a:rPr>
+              <a:t>func</a:t>
+            </a:r>
+            <a:r>
+              <a:rPr lang="en-US" sz="2000" dirty="0">
+                <a:highlight>
+                  <a:srgbClr val="FFFF00"/>
+                </a:highlight>
+                <a:latin typeface="American Typewriter" panose="02090604020004020304" pitchFamily="18" charset="77"/>
+              </a:rPr>
+              <a:t> f1(</a:t>
+            </a:r>
+            <a:r>
+              <a:rPr lang="en-US" sz="2000" dirty="0" err="1">
+                <a:highlight>
+                  <a:srgbClr val="FFFF00"/>
+                </a:highlight>
+                <a:latin typeface="American Typewriter" panose="02090604020004020304" pitchFamily="18" charset="77"/>
+              </a:rPr>
+              <a:t>arg</a:t>
+            </a:r>
+            <a:r>
+              <a:rPr lang="en-US" sz="2000" dirty="0">
+                <a:highlight>
+                  <a:srgbClr val="FFFF00"/>
+                </a:highlight>
+                <a:latin typeface="American Typewriter" panose="02090604020004020304" pitchFamily="18" charset="77"/>
               </a:rPr>
               <a:t> </a:t>
             </a:r>
             <a:r>
-              <a:rPr lang="en-US" sz="3200" dirty="0">
-                <a:solidFill>
-                  <a:schemeClr val="tx1"/>
-                </a:solidFill>
-                <a:latin typeface="+mn-lt"/>
-              </a:rPr>
-              <a:t>ANY QUESTIONS?!?</a:t>
-            </a:r>
-          </a:p>
-          <a:p>
-            <a:pPr lvl="3">
-              <a:spcBef>
-                <a:spcPts val="0"/>
-              </a:spcBef>
-            </a:pPr>
-            <a:endParaRPr lang="en-US" dirty="0">
-              <a:solidFill>
-                <a:schemeClr val="tx1"/>
-              </a:solidFill>
-              <a:latin typeface="+mn-lt"/>
-            </a:endParaRPr>
-          </a:p>
-          <a:p>
-            <a:pPr lvl="2">
-              <a:spcBef>
-                <a:spcPts val="0"/>
-              </a:spcBef>
-            </a:pPr>
-            <a:endParaRPr lang="en-US" dirty="0">
-              <a:solidFill>
-                <a:schemeClr val="tx1"/>
-              </a:solidFill>
-            </a:endParaRPr>
-          </a:p>
-          <a:p>
-            <a:pPr marL="1485900" lvl="3" indent="0">
-              <a:spcBef>
-                <a:spcPts val="0"/>
-              </a:spcBef>
+              <a:rPr lang="en-US" sz="2000" dirty="0" err="1">
+                <a:highlight>
+                  <a:srgbClr val="FFFF00"/>
+                </a:highlight>
+                <a:latin typeface="American Typewriter" panose="02090604020004020304" pitchFamily="18" charset="77"/>
+              </a:rPr>
+              <a:t>int</a:t>
+            </a:r>
+            <a:r>
+              <a:rPr lang="en-US" sz="2000" dirty="0">
+                <a:highlight>
+                  <a:srgbClr val="FFFF00"/>
+                </a:highlight>
+                <a:latin typeface="American Typewriter" panose="02090604020004020304" pitchFamily="18" charset="77"/>
+              </a:rPr>
+              <a:t>) (</a:t>
+            </a:r>
+            <a:r>
+              <a:rPr lang="en-US" sz="2000" dirty="0" err="1">
+                <a:highlight>
+                  <a:srgbClr val="FFFF00"/>
+                </a:highlight>
+                <a:latin typeface="American Typewriter" panose="02090604020004020304" pitchFamily="18" charset="77"/>
+              </a:rPr>
+              <a:t>int</a:t>
+            </a:r>
+            <a:r>
+              <a:rPr lang="en-US" sz="2000" dirty="0">
+                <a:highlight>
+                  <a:srgbClr val="FFFF00"/>
+                </a:highlight>
+                <a:latin typeface="American Typewriter" panose="02090604020004020304" pitchFamily="18" charset="77"/>
+              </a:rPr>
+              <a:t>, error) {</a:t>
+            </a:r>
+          </a:p>
+          <a:p>
+            <a:pPr marL="177800" indent="0">
               <a:buNone/>
             </a:pPr>
-            <a:endParaRPr lang="en-US" dirty="0">
-              <a:solidFill>
-                <a:schemeClr val="tx1"/>
-              </a:solidFill>
-              <a:latin typeface="+mn-lt"/>
-            </a:endParaRPr>
-          </a:p>
-          <a:p>
-            <a:pPr marL="1485900" lvl="3" indent="0">
-              <a:spcBef>
-                <a:spcPts val="0"/>
-              </a:spcBef>
+            <a:r>
+              <a:rPr lang="en-US" sz="2000" dirty="0">
+                <a:highlight>
+                  <a:srgbClr val="FFFF00"/>
+                </a:highlight>
+                <a:latin typeface="American Typewriter" panose="02090604020004020304" pitchFamily="18" charset="77"/>
+              </a:rPr>
+              <a:t>	if </a:t>
+            </a:r>
+            <a:r>
+              <a:rPr lang="en-US" sz="2000" dirty="0" err="1">
+                <a:highlight>
+                  <a:srgbClr val="FFFF00"/>
+                </a:highlight>
+                <a:latin typeface="American Typewriter" panose="02090604020004020304" pitchFamily="18" charset="77"/>
+              </a:rPr>
+              <a:t>arg</a:t>
+            </a:r>
+            <a:r>
+              <a:rPr lang="en-US" sz="2000" dirty="0">
+                <a:highlight>
+                  <a:srgbClr val="FFFF00"/>
+                </a:highlight>
+                <a:latin typeface="American Typewriter" panose="02090604020004020304" pitchFamily="18" charset="77"/>
+              </a:rPr>
+              <a:t> == 42 {</a:t>
+            </a:r>
+          </a:p>
+          <a:p>
+            <a:pPr marL="177800" indent="0">
               <a:buNone/>
             </a:pPr>
-            <a:endParaRPr lang="en-US" dirty="0">
-              <a:solidFill>
-                <a:schemeClr val="tx1"/>
-              </a:solidFill>
-              <a:latin typeface="+mn-lt"/>
-            </a:endParaRPr>
-          </a:p>
-          <a:p>
-            <a:pPr marL="1485900" lvl="3" indent="0">
-              <a:spcBef>
-                <a:spcPts val="0"/>
-              </a:spcBef>
+            <a:r>
+              <a:rPr lang="en-US" sz="2000" dirty="0">
+                <a:highlight>
+                  <a:srgbClr val="FFFF00"/>
+                </a:highlight>
+                <a:latin typeface="American Typewriter" panose="02090604020004020304" pitchFamily="18" charset="77"/>
+              </a:rPr>
+              <a:t>		return -1, </a:t>
+            </a:r>
+            <a:r>
+              <a:rPr lang="en-US" sz="2000" dirty="0" err="1">
+                <a:highlight>
+                  <a:srgbClr val="FFFF00"/>
+                </a:highlight>
+                <a:latin typeface="American Typewriter" panose="02090604020004020304" pitchFamily="18" charset="77"/>
+              </a:rPr>
+              <a:t>errors.New</a:t>
+            </a:r>
+            <a:r>
+              <a:rPr lang="en-US" sz="2000" dirty="0">
+                <a:highlight>
+                  <a:srgbClr val="FFFF00"/>
+                </a:highlight>
+                <a:latin typeface="American Typewriter" panose="02090604020004020304" pitchFamily="18" charset="77"/>
+              </a:rPr>
+              <a:t>("can't work with 42")</a:t>
+            </a:r>
+          </a:p>
+          <a:p>
+            <a:pPr marL="177800" indent="0">
               <a:buNone/>
             </a:pPr>
-            <a:endParaRPr lang="en-US" dirty="0">
-              <a:solidFill>
-                <a:schemeClr val="tx1"/>
-              </a:solidFill>
-              <a:latin typeface="+mn-lt"/>
-            </a:endParaRPr>
-          </a:p>
-          <a:p>
-            <a:pPr marL="1485900" lvl="3" indent="0">
-              <a:spcBef>
-                <a:spcPts val="0"/>
-              </a:spcBef>
+            <a:r>
+              <a:rPr lang="en-US" sz="2000" dirty="0">
+                <a:highlight>
+                  <a:srgbClr val="FFFF00"/>
+                </a:highlight>
+                <a:latin typeface="American Typewriter" panose="02090604020004020304" pitchFamily="18" charset="77"/>
+              </a:rPr>
+              <a:t>}</a:t>
+            </a:r>
+          </a:p>
+          <a:p>
+            <a:pPr marL="177800" indent="0">
               <a:buNone/>
             </a:pPr>
-            <a:endParaRPr lang="en-US" dirty="0">
-              <a:solidFill>
-                <a:schemeClr val="tx1"/>
-              </a:solidFill>
-              <a:latin typeface="+mn-lt"/>
-            </a:endParaRPr>
-          </a:p>
-          <a:p>
-            <a:pPr marL="1485900" lvl="3" indent="0">
-              <a:spcBef>
-                <a:spcPts val="0"/>
-              </a:spcBef>
+            <a:r>
+              <a:rPr lang="en-US" sz="2000" dirty="0">
+                <a:highlight>
+                  <a:srgbClr val="FFFF00"/>
+                </a:highlight>
+                <a:latin typeface="American Typewriter" panose="02090604020004020304" pitchFamily="18" charset="77"/>
+              </a:rPr>
+              <a:t>	return </a:t>
+            </a:r>
+            <a:r>
+              <a:rPr lang="en-US" sz="2000" dirty="0" err="1">
+                <a:highlight>
+                  <a:srgbClr val="FFFF00"/>
+                </a:highlight>
+                <a:latin typeface="American Typewriter" panose="02090604020004020304" pitchFamily="18" charset="77"/>
+              </a:rPr>
+              <a:t>arg</a:t>
+            </a:r>
+            <a:r>
+              <a:rPr lang="en-US" sz="2000" dirty="0">
+                <a:highlight>
+                  <a:srgbClr val="FFFF00"/>
+                </a:highlight>
+                <a:latin typeface="American Typewriter" panose="02090604020004020304" pitchFamily="18" charset="77"/>
+              </a:rPr>
+              <a:t> + 3, nil</a:t>
+            </a:r>
+          </a:p>
+          <a:p>
+            <a:pPr marL="177800" indent="0">
               <a:buNone/>
             </a:pPr>
-            <a:endParaRPr lang="en-US" dirty="0">
-              <a:solidFill>
-                <a:schemeClr val="tx1"/>
-              </a:solidFill>
-              <a:latin typeface="+mn-lt"/>
-            </a:endParaRPr>
+            <a:r>
+              <a:rPr lang="en-US" sz="2000" dirty="0">
+                <a:highlight>
+                  <a:srgbClr val="FFFF00"/>
+                </a:highlight>
+                <a:latin typeface="American Typewriter" panose="02090604020004020304" pitchFamily="18" charset="77"/>
+              </a:rPr>
+              <a:t>}</a:t>
+            </a:r>
+          </a:p>
+          <a:p>
+            <a:pPr marL="177800" indent="0">
+              <a:buNone/>
+            </a:pPr>
+            <a:endParaRPr lang="en-US" dirty="0"/>
           </a:p>
         </p:txBody>
       </p:sp>
-      <p:pic>
-        <p:nvPicPr>
-          <p:cNvPr id="14338" name="Picture 2" descr="Image result for golang gopher, images">
-            <a:extLst>
-              <a:ext uri="{FF2B5EF4-FFF2-40B4-BE49-F238E27FC236}">
-                <a16:creationId xmlns:a16="http://schemas.microsoft.com/office/drawing/2014/main" id="{99F98B07-359E-7D45-BFB0-9CFB89F92F9B}"/>
-              </a:ext>
-            </a:extLst>
-          </p:cNvPr>
-          <p:cNvPicPr>
-            <a:picLocks noChangeAspect="1" noChangeArrowheads="1"/>
-          </p:cNvPicPr>
-          <p:nvPr/>
-        </p:nvPicPr>
-        <p:blipFill>
-          <a:blip r:embed="rId3">
-            <a:extLst>
-              <a:ext uri="{28A0092B-C50C-407E-A947-70E740481C1C}">
-                <a14:useLocalDpi xmlns:a14="http://schemas.microsoft.com/office/drawing/2010/main" val="0"/>
-              </a:ext>
-            </a:extLst>
-          </a:blip>
-          <a:srcRect/>
-          <a:stretch>
-            <a:fillRect/>
-          </a:stretch>
-        </p:blipFill>
-        <p:spPr bwMode="auto">
-          <a:xfrm>
-            <a:off x="3075040" y="3147245"/>
-            <a:ext cx="2603500" cy="3111500"/>
-          </a:xfrm>
-          <a:prstGeom prst="rect">
-            <a:avLst/>
-          </a:prstGeom>
-          <a:noFill/>
-          <a:extLst>
-            <a:ext uri="{909E8E84-426E-40DD-AFC4-6F175D3DCCD1}">
-              <a14:hiddenFill xmlns:a14="http://schemas.microsoft.com/office/drawing/2010/main">
-                <a:solidFill>
-                  <a:srgbClr val="FFFFFF"/>
-                </a:solidFill>
-              </a14:hiddenFill>
-            </a:ext>
-          </a:extLst>
-        </p:spPr>
-      </p:pic>
     </p:spTree>
     <p:extLst>
       <p:ext uri="{BB962C8B-B14F-4D97-AF65-F5344CB8AC3E}">
-        <p14:creationId xmlns:p14="http://schemas.microsoft.com/office/powerpoint/2010/main" val="3120604218"/>
+        <p14:creationId xmlns:p14="http://schemas.microsoft.com/office/powerpoint/2010/main" val="1669729878"/>
       </p:ext>
     </p:extLst>
   </p:cSld>
@@ -15201,6 +15329,706 @@
     <p:extLst>
       <p:ext uri="{BB962C8B-B14F-4D97-AF65-F5344CB8AC3E}">
         <p14:creationId xmlns:p14="http://schemas.microsoft.com/office/powerpoint/2010/main" val="1269160419"/>
+      </p:ext>
+    </p:extLst>
+  </p:cSld>
+  <p:clrMapOvr>
+    <a:masterClrMapping/>
+  </p:clrMapOvr>
+</p:sld>
+</file>
+
+<file path=ppt/slides/slide30.xml><?xml version="1.0" encoding="utf-8"?>
+<p:sld xmlns:a="http://schemas.openxmlformats.org/drawingml/2006/main" xmlns:r="http://schemas.openxmlformats.org/officeDocument/2006/relationships" xmlns:p="http://schemas.openxmlformats.org/presentationml/2006/main">
+  <p:cSld>
+    <p:spTree>
+      <p:nvGrpSpPr>
+        <p:cNvPr id="1" name=""/>
+        <p:cNvGrpSpPr/>
+        <p:nvPr/>
+      </p:nvGrpSpPr>
+      <p:grpSpPr>
+        <a:xfrm>
+          <a:off x="0" y="0"/>
+          <a:ext cx="0" cy="0"/>
+          <a:chOff x="0" y="0"/>
+          <a:chExt cx="0" cy="0"/>
+        </a:xfrm>
+      </p:grpSpPr>
+      <p:sp>
+        <p:nvSpPr>
+          <p:cNvPr id="2" name="Title 1">
+            <a:extLst>
+              <a:ext uri="{FF2B5EF4-FFF2-40B4-BE49-F238E27FC236}">
+                <a16:creationId xmlns:a16="http://schemas.microsoft.com/office/drawing/2014/main" id="{1B9B4C59-B4F6-344B-AB49-53BC6F825265}"/>
+              </a:ext>
+            </a:extLst>
+          </p:cNvPr>
+          <p:cNvSpPr>
+            <a:spLocks noGrp="1"/>
+          </p:cNvSpPr>
+          <p:nvPr>
+            <p:ph type="title"/>
+          </p:nvPr>
+        </p:nvSpPr>
+        <p:spPr/>
+        <p:txBody>
+          <a:bodyPr/>
+          <a:lstStyle/>
+          <a:p>
+            <a:r>
+              <a:rPr lang="en-US" dirty="0"/>
+              <a:t>Golang: Error handling	</a:t>
+            </a:r>
+          </a:p>
+        </p:txBody>
+      </p:sp>
+      <p:sp>
+        <p:nvSpPr>
+          <p:cNvPr id="3" name="Text Placeholder 2">
+            <a:extLst>
+              <a:ext uri="{FF2B5EF4-FFF2-40B4-BE49-F238E27FC236}">
+                <a16:creationId xmlns:a16="http://schemas.microsoft.com/office/drawing/2014/main" id="{0E09EEA8-B933-414C-AEE8-16440A5EAC10}"/>
+              </a:ext>
+            </a:extLst>
+          </p:cNvPr>
+          <p:cNvSpPr>
+            <a:spLocks noGrp="1"/>
+          </p:cNvSpPr>
+          <p:nvPr>
+            <p:ph type="body" idx="1"/>
+          </p:nvPr>
+        </p:nvSpPr>
+        <p:spPr/>
+        <p:txBody>
+          <a:bodyPr/>
+          <a:lstStyle/>
+          <a:p>
+            <a:r>
+              <a:rPr lang="en-US" dirty="0"/>
+              <a:t>So again- in error handling in Golang the error is passed FIRST. In a function where there is no default return value (a </a:t>
+            </a:r>
+            <a:r>
+              <a:rPr lang="en-US" i="1" dirty="0"/>
+              <a:t>void</a:t>
+            </a:r>
+            <a:r>
+              <a:rPr lang="en-US" dirty="0"/>
+              <a:t> in Java) you pass </a:t>
+            </a:r>
+            <a:r>
+              <a:rPr lang="en-US" b="1" dirty="0"/>
+              <a:t>just</a:t>
+            </a:r>
+            <a:r>
+              <a:rPr lang="en-US" dirty="0"/>
+              <a:t> the error, </a:t>
+            </a:r>
+            <a:r>
+              <a:rPr lang="en-US" dirty="0" err="1"/>
+              <a:t>i.e</a:t>
+            </a:r>
+            <a:r>
+              <a:rPr lang="en-US" dirty="0"/>
+              <a:t>: </a:t>
+            </a:r>
+            <a:r>
+              <a:rPr lang="en-US" dirty="0">
+                <a:highlight>
+                  <a:srgbClr val="FFFF00"/>
+                </a:highlight>
+                <a:latin typeface="American Typewriter" panose="02090604020004020304" pitchFamily="18" charset="77"/>
+              </a:rPr>
+              <a:t>err := </a:t>
+            </a:r>
+            <a:r>
+              <a:rPr lang="en-US" dirty="0" err="1">
+                <a:highlight>
+                  <a:srgbClr val="FFFF00"/>
+                </a:highlight>
+                <a:latin typeface="American Typewriter" panose="02090604020004020304" pitchFamily="18" charset="77"/>
+              </a:rPr>
+              <a:t>json.Unmarshal</a:t>
+            </a:r>
+            <a:r>
+              <a:rPr lang="en-US" dirty="0">
+                <a:highlight>
+                  <a:srgbClr val="FFFF00"/>
+                </a:highlight>
+                <a:latin typeface="American Typewriter" panose="02090604020004020304" pitchFamily="18" charset="77"/>
+              </a:rPr>
+              <a:t>(</a:t>
+            </a:r>
+            <a:r>
+              <a:rPr lang="en-US" dirty="0" err="1">
+                <a:highlight>
+                  <a:srgbClr val="FFFF00"/>
+                </a:highlight>
+                <a:latin typeface="American Typewriter" panose="02090604020004020304" pitchFamily="18" charset="77"/>
+              </a:rPr>
+              <a:t>jsonData</a:t>
+            </a:r>
+            <a:r>
+              <a:rPr lang="en-US" dirty="0">
+                <a:highlight>
+                  <a:srgbClr val="FFFF00"/>
+                </a:highlight>
+                <a:latin typeface="American Typewriter" panose="02090604020004020304" pitchFamily="18" charset="77"/>
+              </a:rPr>
+              <a:t>, &amp;basket)</a:t>
+            </a:r>
+          </a:p>
+          <a:p>
+            <a:pPr marL="177800" indent="0">
+              <a:buNone/>
+            </a:pPr>
+            <a:endParaRPr lang="en-US" dirty="0">
+              <a:latin typeface="+mn-lt"/>
+            </a:endParaRPr>
+          </a:p>
+          <a:p>
+            <a:r>
+              <a:rPr lang="en-US" dirty="0">
+                <a:latin typeface="+mn-lt"/>
+              </a:rPr>
+              <a:t>(if you are curious- that </a:t>
+            </a:r>
+            <a:r>
+              <a:rPr lang="en-US" dirty="0" err="1">
+                <a:latin typeface="+mn-lt"/>
+              </a:rPr>
+              <a:t>json</a:t>
+            </a:r>
+            <a:r>
+              <a:rPr lang="en-US" dirty="0">
+                <a:latin typeface="+mn-lt"/>
+              </a:rPr>
+              <a:t> function </a:t>
+            </a:r>
+            <a:r>
+              <a:rPr lang="en-US" dirty="0" err="1">
+                <a:latin typeface="+mn-lt"/>
+              </a:rPr>
+              <a:t>unmarshal’s</a:t>
+            </a:r>
+            <a:r>
+              <a:rPr lang="en-US" dirty="0">
+                <a:latin typeface="+mn-lt"/>
+              </a:rPr>
+              <a:t> data into a basket type via pointer)</a:t>
+            </a:r>
+          </a:p>
+          <a:p>
+            <a:pPr marL="177800" indent="0">
+              <a:buNone/>
+            </a:pPr>
+            <a:endParaRPr lang="en-US" dirty="0"/>
+          </a:p>
+        </p:txBody>
+      </p:sp>
+      <p:pic>
+        <p:nvPicPr>
+          <p:cNvPr id="2050" name="Picture 2" descr="Image result for golang gopher">
+            <a:extLst>
+              <a:ext uri="{FF2B5EF4-FFF2-40B4-BE49-F238E27FC236}">
+                <a16:creationId xmlns:a16="http://schemas.microsoft.com/office/drawing/2014/main" id="{8D667465-4E25-4B4D-B1E6-1B655A594B17}"/>
+              </a:ext>
+            </a:extLst>
+          </p:cNvPr>
+          <p:cNvPicPr>
+            <a:picLocks noChangeAspect="1" noChangeArrowheads="1"/>
+          </p:cNvPicPr>
+          <p:nvPr/>
+        </p:nvPicPr>
+        <p:blipFill>
+          <a:blip r:embed="rId2">
+            <a:extLst>
+              <a:ext uri="{28A0092B-C50C-407E-A947-70E740481C1C}">
+                <a14:useLocalDpi xmlns:a14="http://schemas.microsoft.com/office/drawing/2010/main" val="0"/>
+              </a:ext>
+            </a:extLst>
+          </a:blip>
+          <a:srcRect/>
+          <a:stretch>
+            <a:fillRect/>
+          </a:stretch>
+        </p:blipFill>
+        <p:spPr bwMode="auto">
+          <a:xfrm>
+            <a:off x="3654949" y="4805315"/>
+            <a:ext cx="1834102" cy="1834102"/>
+          </a:xfrm>
+          <a:prstGeom prst="rect">
+            <a:avLst/>
+          </a:prstGeom>
+          <a:noFill/>
+          <a:extLst>
+            <a:ext uri="{909E8E84-426E-40DD-AFC4-6F175D3DCCD1}">
+              <a14:hiddenFill xmlns:a14="http://schemas.microsoft.com/office/drawing/2010/main">
+                <a:solidFill>
+                  <a:srgbClr val="FFFFFF"/>
+                </a:solidFill>
+              </a14:hiddenFill>
+            </a:ext>
+          </a:extLst>
+        </p:spPr>
+      </p:pic>
+    </p:spTree>
+    <p:extLst>
+      <p:ext uri="{BB962C8B-B14F-4D97-AF65-F5344CB8AC3E}">
+        <p14:creationId xmlns:p14="http://schemas.microsoft.com/office/powerpoint/2010/main" val="3989438459"/>
+      </p:ext>
+    </p:extLst>
+  </p:cSld>
+  <p:clrMapOvr>
+    <a:masterClrMapping/>
+  </p:clrMapOvr>
+</p:sld>
+</file>
+
+<file path=ppt/slides/slide31.xml><?xml version="1.0" encoding="utf-8"?>
+<p:sld xmlns:a="http://schemas.openxmlformats.org/drawingml/2006/main" xmlns:r="http://schemas.openxmlformats.org/officeDocument/2006/relationships" xmlns:p="http://schemas.openxmlformats.org/presentationml/2006/main">
+  <p:cSld>
+    <p:spTree>
+      <p:nvGrpSpPr>
+        <p:cNvPr id="1" name=""/>
+        <p:cNvGrpSpPr/>
+        <p:nvPr/>
+      </p:nvGrpSpPr>
+      <p:grpSpPr>
+        <a:xfrm>
+          <a:off x="0" y="0"/>
+          <a:ext cx="0" cy="0"/>
+          <a:chOff x="0" y="0"/>
+          <a:chExt cx="0" cy="0"/>
+        </a:xfrm>
+      </p:grpSpPr>
+      <p:sp>
+        <p:nvSpPr>
+          <p:cNvPr id="2" name="Title 1">
+            <a:extLst>
+              <a:ext uri="{FF2B5EF4-FFF2-40B4-BE49-F238E27FC236}">
+                <a16:creationId xmlns:a16="http://schemas.microsoft.com/office/drawing/2014/main" id="{E98821EA-9D86-EA43-88ED-25584EF47EE5}"/>
+              </a:ext>
+            </a:extLst>
+          </p:cNvPr>
+          <p:cNvSpPr>
+            <a:spLocks noGrp="1"/>
+          </p:cNvSpPr>
+          <p:nvPr>
+            <p:ph type="title"/>
+          </p:nvPr>
+        </p:nvSpPr>
+        <p:spPr/>
+        <p:txBody>
+          <a:bodyPr/>
+          <a:lstStyle/>
+          <a:p>
+            <a:r>
+              <a:rPr lang="en-US" dirty="0"/>
+              <a:t>Calling Golang Functions</a:t>
+            </a:r>
+          </a:p>
+        </p:txBody>
+      </p:sp>
+      <p:sp>
+        <p:nvSpPr>
+          <p:cNvPr id="3" name="Text Placeholder 2">
+            <a:extLst>
+              <a:ext uri="{FF2B5EF4-FFF2-40B4-BE49-F238E27FC236}">
+                <a16:creationId xmlns:a16="http://schemas.microsoft.com/office/drawing/2014/main" id="{C5761A22-37AE-8F4A-8E8D-1A2FD2658423}"/>
+              </a:ext>
+            </a:extLst>
+          </p:cNvPr>
+          <p:cNvSpPr>
+            <a:spLocks noGrp="1"/>
+          </p:cNvSpPr>
+          <p:nvPr>
+            <p:ph type="body" idx="1"/>
+          </p:nvPr>
+        </p:nvSpPr>
+        <p:spPr/>
+        <p:txBody>
+          <a:bodyPr/>
+          <a:lstStyle/>
+          <a:p>
+            <a:r>
+              <a:rPr lang="en-US" dirty="0"/>
+              <a:t> Remember that Golang doesn’t have type hierarchy. Just as we can declare </a:t>
+            </a:r>
+            <a:r>
+              <a:rPr lang="en-US" b="1" dirty="0" err="1"/>
+              <a:t>var</a:t>
+            </a:r>
+            <a:r>
+              <a:rPr lang="en-US" dirty="0"/>
+              <a:t> in the outer scope of a go package (outside a function) we can also declare functions with the </a:t>
+            </a:r>
+            <a:r>
+              <a:rPr lang="en-US" b="1" dirty="0"/>
+              <a:t>type</a:t>
+            </a:r>
+            <a:r>
+              <a:rPr lang="en-US" dirty="0"/>
+              <a:t> keyword. </a:t>
+            </a:r>
+          </a:p>
+          <a:p>
+            <a:endParaRPr lang="en-US" dirty="0"/>
+          </a:p>
+          <a:p>
+            <a:r>
+              <a:rPr lang="en-US" dirty="0"/>
+              <a:t> In the lab please note how the type is being called. You can pass functions around just like anything else!</a:t>
+            </a:r>
+          </a:p>
+        </p:txBody>
+      </p:sp>
+      <p:pic>
+        <p:nvPicPr>
+          <p:cNvPr id="6146" name="Picture 2" descr="Image result for golang gopher">
+            <a:extLst>
+              <a:ext uri="{FF2B5EF4-FFF2-40B4-BE49-F238E27FC236}">
+                <a16:creationId xmlns:a16="http://schemas.microsoft.com/office/drawing/2014/main" id="{C8E44AAC-381E-BB46-B451-C0011A18E29F}"/>
+              </a:ext>
+            </a:extLst>
+          </p:cNvPr>
+          <p:cNvPicPr>
+            <a:picLocks noChangeAspect="1" noChangeArrowheads="1"/>
+          </p:cNvPicPr>
+          <p:nvPr/>
+        </p:nvPicPr>
+        <p:blipFill>
+          <a:blip r:embed="rId2">
+            <a:extLst>
+              <a:ext uri="{28A0092B-C50C-407E-A947-70E740481C1C}">
+                <a14:useLocalDpi xmlns:a14="http://schemas.microsoft.com/office/drawing/2010/main" val="0"/>
+              </a:ext>
+            </a:extLst>
+          </a:blip>
+          <a:srcRect/>
+          <a:stretch>
+            <a:fillRect/>
+          </a:stretch>
+        </p:blipFill>
+        <p:spPr bwMode="auto">
+          <a:xfrm>
+            <a:off x="3885414" y="4788816"/>
+            <a:ext cx="1373171" cy="1611983"/>
+          </a:xfrm>
+          <a:prstGeom prst="rect">
+            <a:avLst/>
+          </a:prstGeom>
+          <a:noFill/>
+          <a:extLst>
+            <a:ext uri="{909E8E84-426E-40DD-AFC4-6F175D3DCCD1}">
+              <a14:hiddenFill xmlns:a14="http://schemas.microsoft.com/office/drawing/2010/main">
+                <a:solidFill>
+                  <a:srgbClr val="FFFFFF"/>
+                </a:solidFill>
+              </a14:hiddenFill>
+            </a:ext>
+          </a:extLst>
+        </p:spPr>
+      </p:pic>
+    </p:spTree>
+    <p:extLst>
+      <p:ext uri="{BB962C8B-B14F-4D97-AF65-F5344CB8AC3E}">
+        <p14:creationId xmlns:p14="http://schemas.microsoft.com/office/powerpoint/2010/main" val="2904634814"/>
+      </p:ext>
+    </p:extLst>
+  </p:cSld>
+  <p:clrMapOvr>
+    <a:masterClrMapping/>
+  </p:clrMapOvr>
+</p:sld>
+</file>
+
+<file path=ppt/slides/slide32.xml><?xml version="1.0" encoding="utf-8"?>
+<p:sld xmlns:a="http://schemas.openxmlformats.org/drawingml/2006/main" xmlns:r="http://schemas.openxmlformats.org/officeDocument/2006/relationships" xmlns:p="http://schemas.openxmlformats.org/presentationml/2006/main">
+  <p:cSld>
+    <p:spTree>
+      <p:nvGrpSpPr>
+        <p:cNvPr id="1" name="Shape 113"/>
+        <p:cNvGrpSpPr/>
+        <p:nvPr/>
+      </p:nvGrpSpPr>
+      <p:grpSpPr>
+        <a:xfrm>
+          <a:off x="0" y="0"/>
+          <a:ext cx="0" cy="0"/>
+          <a:chOff x="0" y="0"/>
+          <a:chExt cx="0" cy="0"/>
+        </a:xfrm>
+      </p:grpSpPr>
+      <p:sp>
+        <p:nvSpPr>
+          <p:cNvPr id="114" name="Shape 114"/>
+          <p:cNvSpPr txBox="1">
+            <a:spLocks noGrp="1"/>
+          </p:cNvSpPr>
+          <p:nvPr>
+            <p:ph type="title"/>
+          </p:nvPr>
+        </p:nvSpPr>
+        <p:spPr>
+          <a:xfrm>
+            <a:off x="76200" y="152400"/>
+            <a:ext cx="8991600" cy="671400"/>
+          </a:xfrm>
+          <a:prstGeom prst="rect">
+            <a:avLst/>
+          </a:prstGeom>
+        </p:spPr>
+        <p:txBody>
+          <a:bodyPr lIns="91425" tIns="91425" rIns="91425" bIns="91425" anchor="ctr" anchorCtr="0">
+            <a:noAutofit/>
+          </a:bodyPr>
+          <a:lstStyle/>
+          <a:p>
+            <a:pPr lvl="0">
+              <a:spcBef>
+                <a:spcPts val="0"/>
+              </a:spcBef>
+              <a:buNone/>
+            </a:pPr>
+            <a:r>
+              <a:rPr lang="en-US" dirty="0"/>
+              <a:t>Golang Playground</a:t>
+            </a:r>
+            <a:endParaRPr dirty="0"/>
+          </a:p>
+        </p:txBody>
+      </p:sp>
+      <p:sp>
+        <p:nvSpPr>
+          <p:cNvPr id="115" name="Shape 115"/>
+          <p:cNvSpPr txBox="1">
+            <a:spLocks noGrp="1"/>
+          </p:cNvSpPr>
+          <p:nvPr>
+            <p:ph type="body" idx="1"/>
+          </p:nvPr>
+        </p:nvSpPr>
+        <p:spPr>
+          <a:xfrm>
+            <a:off x="76200" y="1240810"/>
+            <a:ext cx="8991600" cy="4070929"/>
+          </a:xfrm>
+          <a:prstGeom prst="rect">
+            <a:avLst/>
+          </a:prstGeom>
+        </p:spPr>
+        <p:txBody>
+          <a:bodyPr lIns="91425" tIns="91425" rIns="91425" bIns="91425" anchor="t" anchorCtr="0">
+            <a:noAutofit/>
+          </a:bodyPr>
+          <a:lstStyle/>
+          <a:p>
+            <a:pPr lvl="2">
+              <a:spcBef>
+                <a:spcPts val="0"/>
+              </a:spcBef>
+            </a:pPr>
+            <a:r>
+              <a:rPr lang="en-US" dirty="0">
+                <a:solidFill>
+                  <a:schemeClr val="tx1"/>
+                </a:solidFill>
+                <a:latin typeface="+mn-lt"/>
+              </a:rPr>
+              <a:t>All of this being said- this is what we’re going to use going forward for most of our intro coding!</a:t>
+            </a:r>
+          </a:p>
+          <a:p>
+            <a:pPr lvl="2">
+              <a:spcBef>
+                <a:spcPts val="0"/>
+              </a:spcBef>
+            </a:pPr>
+            <a:r>
+              <a:rPr lang="en-US" dirty="0">
+                <a:solidFill>
+                  <a:schemeClr val="tx1"/>
+                </a:solidFill>
+                <a:latin typeface="+mn-lt"/>
+              </a:rPr>
+              <a:t>We are now set up and ready to ”go!”</a:t>
+            </a:r>
+          </a:p>
+          <a:p>
+            <a:pPr lvl="2">
+              <a:spcBef>
+                <a:spcPts val="0"/>
+              </a:spcBef>
+            </a:pPr>
+            <a:r>
+              <a:rPr lang="en-US" dirty="0">
+                <a:solidFill>
+                  <a:schemeClr val="tx1"/>
+                </a:solidFill>
+                <a:latin typeface="+mn-lt"/>
+              </a:rPr>
+              <a:t> </a:t>
+            </a:r>
+            <a:r>
+              <a:rPr lang="en-US" sz="3200" dirty="0">
+                <a:solidFill>
+                  <a:schemeClr val="tx1"/>
+                </a:solidFill>
+                <a:latin typeface="+mn-lt"/>
+              </a:rPr>
+              <a:t>ANY QUESTIONS?!?</a:t>
+            </a:r>
+          </a:p>
+          <a:p>
+            <a:pPr lvl="3">
+              <a:spcBef>
+                <a:spcPts val="0"/>
+              </a:spcBef>
+            </a:pPr>
+            <a:endParaRPr lang="en-US" dirty="0">
+              <a:solidFill>
+                <a:schemeClr val="tx1"/>
+              </a:solidFill>
+              <a:latin typeface="+mn-lt"/>
+            </a:endParaRPr>
+          </a:p>
+          <a:p>
+            <a:pPr lvl="2">
+              <a:spcBef>
+                <a:spcPts val="0"/>
+              </a:spcBef>
+            </a:pPr>
+            <a:endParaRPr lang="en-US" dirty="0">
+              <a:solidFill>
+                <a:schemeClr val="tx1"/>
+              </a:solidFill>
+            </a:endParaRPr>
+          </a:p>
+          <a:p>
+            <a:pPr marL="1485900" lvl="3" indent="0">
+              <a:spcBef>
+                <a:spcPts val="0"/>
+              </a:spcBef>
+              <a:buNone/>
+            </a:pPr>
+            <a:endParaRPr lang="en-US" dirty="0">
+              <a:solidFill>
+                <a:schemeClr val="tx1"/>
+              </a:solidFill>
+              <a:latin typeface="+mn-lt"/>
+            </a:endParaRPr>
+          </a:p>
+          <a:p>
+            <a:pPr marL="1485900" lvl="3" indent="0">
+              <a:spcBef>
+                <a:spcPts val="0"/>
+              </a:spcBef>
+              <a:buNone/>
+            </a:pPr>
+            <a:endParaRPr lang="en-US" dirty="0">
+              <a:solidFill>
+                <a:schemeClr val="tx1"/>
+              </a:solidFill>
+              <a:latin typeface="+mn-lt"/>
+            </a:endParaRPr>
+          </a:p>
+          <a:p>
+            <a:pPr marL="1485900" lvl="3" indent="0">
+              <a:spcBef>
+                <a:spcPts val="0"/>
+              </a:spcBef>
+              <a:buNone/>
+            </a:pPr>
+            <a:endParaRPr lang="en-US" dirty="0">
+              <a:solidFill>
+                <a:schemeClr val="tx1"/>
+              </a:solidFill>
+              <a:latin typeface="+mn-lt"/>
+            </a:endParaRPr>
+          </a:p>
+          <a:p>
+            <a:pPr marL="1485900" lvl="3" indent="0">
+              <a:spcBef>
+                <a:spcPts val="0"/>
+              </a:spcBef>
+              <a:buNone/>
+            </a:pPr>
+            <a:endParaRPr lang="en-US" dirty="0">
+              <a:solidFill>
+                <a:schemeClr val="tx1"/>
+              </a:solidFill>
+              <a:latin typeface="+mn-lt"/>
+            </a:endParaRPr>
+          </a:p>
+          <a:p>
+            <a:pPr marL="1485900" lvl="3" indent="0">
+              <a:spcBef>
+                <a:spcPts val="0"/>
+              </a:spcBef>
+              <a:buNone/>
+            </a:pPr>
+            <a:endParaRPr lang="en-US" dirty="0">
+              <a:solidFill>
+                <a:schemeClr val="tx1"/>
+              </a:solidFill>
+              <a:latin typeface="+mn-lt"/>
+            </a:endParaRPr>
+          </a:p>
+        </p:txBody>
+      </p:sp>
+      <p:pic>
+        <p:nvPicPr>
+          <p:cNvPr id="14338" name="Picture 2" descr="Image result for golang gopher, images">
+            <a:extLst>
+              <a:ext uri="{FF2B5EF4-FFF2-40B4-BE49-F238E27FC236}">
+                <a16:creationId xmlns:a16="http://schemas.microsoft.com/office/drawing/2014/main" id="{99F98B07-359E-7D45-BFB0-9CFB89F92F9B}"/>
+              </a:ext>
+            </a:extLst>
+          </p:cNvPr>
+          <p:cNvPicPr>
+            <a:picLocks noChangeAspect="1" noChangeArrowheads="1"/>
+          </p:cNvPicPr>
+          <p:nvPr/>
+        </p:nvPicPr>
+        <p:blipFill>
+          <a:blip r:embed="rId3">
+            <a:extLst>
+              <a:ext uri="{28A0092B-C50C-407E-A947-70E740481C1C}">
+                <a14:useLocalDpi xmlns:a14="http://schemas.microsoft.com/office/drawing/2010/main" val="0"/>
+              </a:ext>
+            </a:extLst>
+          </a:blip>
+          <a:srcRect/>
+          <a:stretch>
+            <a:fillRect/>
+          </a:stretch>
+        </p:blipFill>
+        <p:spPr bwMode="auto">
+          <a:xfrm>
+            <a:off x="3075040" y="3147245"/>
+            <a:ext cx="2603500" cy="3111500"/>
+          </a:xfrm>
+          <a:prstGeom prst="rect">
+            <a:avLst/>
+          </a:prstGeom>
+          <a:noFill/>
+          <a:extLst>
+            <a:ext uri="{909E8E84-426E-40DD-AFC4-6F175D3DCCD1}">
+              <a14:hiddenFill xmlns:a14="http://schemas.microsoft.com/office/drawing/2010/main">
+                <a:solidFill>
+                  <a:srgbClr val="FFFFFF"/>
+                </a:solidFill>
+              </a14:hiddenFill>
+            </a:ext>
+          </a:extLst>
+        </p:spPr>
+      </p:pic>
+    </p:spTree>
+    <p:extLst>
+      <p:ext uri="{BB962C8B-B14F-4D97-AF65-F5344CB8AC3E}">
+        <p14:creationId xmlns:p14="http://schemas.microsoft.com/office/powerpoint/2010/main" val="3120604218"/>
       </p:ext>
     </p:extLst>
   </p:cSld>

--- a/Module_Two/presentations/module_2_presentation.pptx
+++ b/Module_Two/presentations/module_2_presentation.pptx
@@ -5,7 +5,7 @@
     <p:sldMasterId id="2147483655" r:id="rId1"/>
   </p:sldMasterIdLst>
   <p:notesMasterIdLst>
-    <p:notesMasterId r:id="rId34"/>
+    <p:notesMasterId r:id="rId43"/>
   </p:notesMasterIdLst>
   <p:sldIdLst>
     <p:sldId id="256" r:id="rId2"/>
@@ -38,8 +38,17 @@
     <p:sldId id="509" r:id="rId29"/>
     <p:sldId id="510" r:id="rId30"/>
     <p:sldId id="511" r:id="rId31"/>
-    <p:sldId id="508" r:id="rId32"/>
-    <p:sldId id="489" r:id="rId33"/>
+    <p:sldId id="515" r:id="rId32"/>
+    <p:sldId id="508" r:id="rId33"/>
+    <p:sldId id="513" r:id="rId34"/>
+    <p:sldId id="512" r:id="rId35"/>
+    <p:sldId id="514" r:id="rId36"/>
+    <p:sldId id="516" r:id="rId37"/>
+    <p:sldId id="517" r:id="rId38"/>
+    <p:sldId id="518" r:id="rId39"/>
+    <p:sldId id="519" r:id="rId40"/>
+    <p:sldId id="520" r:id="rId41"/>
+    <p:sldId id="489" r:id="rId42"/>
   </p:sldIdLst>
   <p:sldSz cx="9144000" cy="6858000" type="screen4x3"/>
   <p:notesSz cx="6858000" cy="9144000"/>
@@ -3776,7 +3785,7 @@
             </a:pPr>
             <a:fld id="{00000000-1234-1234-1234-123412341234}" type="slidenum">
               <a:rPr lang="en-US"/>
-              <a:t>32</a:t>
+              <a:t>41</a:t>
             </a:fld>
             <a:endParaRPr lang="en-US"/>
           </a:p>
@@ -15608,6 +15617,240 @@
           <p:cNvPr id="2" name="Title 1">
             <a:extLst>
               <a:ext uri="{FF2B5EF4-FFF2-40B4-BE49-F238E27FC236}">
+                <a16:creationId xmlns:a16="http://schemas.microsoft.com/office/drawing/2014/main" id="{8A4DA5BB-04D0-AC47-8CC4-5628421D17C1}"/>
+              </a:ext>
+            </a:extLst>
+          </p:cNvPr>
+          <p:cNvSpPr>
+            <a:spLocks noGrp="1"/>
+          </p:cNvSpPr>
+          <p:nvPr>
+            <p:ph type="title"/>
+          </p:nvPr>
+        </p:nvSpPr>
+        <p:spPr/>
+        <p:txBody>
+          <a:bodyPr/>
+          <a:lstStyle/>
+          <a:p>
+            <a:r>
+              <a:rPr lang="en-US" dirty="0"/>
+              <a:t>Go Error Handling</a:t>
+            </a:r>
+          </a:p>
+        </p:txBody>
+      </p:sp>
+      <p:sp>
+        <p:nvSpPr>
+          <p:cNvPr id="3" name="Text Placeholder 2">
+            <a:extLst>
+              <a:ext uri="{FF2B5EF4-FFF2-40B4-BE49-F238E27FC236}">
+                <a16:creationId xmlns:a16="http://schemas.microsoft.com/office/drawing/2014/main" id="{19FCB9C5-B6AF-3C42-9F96-21915D9F74B3}"/>
+              </a:ext>
+            </a:extLst>
+          </p:cNvPr>
+          <p:cNvSpPr>
+            <a:spLocks noGrp="1"/>
+          </p:cNvSpPr>
+          <p:nvPr>
+            <p:ph type="body" idx="1"/>
+          </p:nvPr>
+        </p:nvSpPr>
+        <p:spPr/>
+        <p:txBody>
+          <a:bodyPr/>
+          <a:lstStyle/>
+          <a:p>
+            <a:r>
+              <a:rPr lang="en-US" dirty="0"/>
+              <a:t> </a:t>
+            </a:r>
+            <a:r>
+              <a:rPr lang="en-US" sz="2400" dirty="0"/>
+              <a:t>Finally- there is a standard way to </a:t>
+            </a:r>
+            <a:r>
+              <a:rPr lang="en-US" sz="2400" b="1" i="1" dirty="0"/>
+              <a:t>ignore</a:t>
+            </a:r>
+            <a:r>
+              <a:rPr lang="en-US" sz="2400" dirty="0"/>
+              <a:t> errors- though I would strongly recommend against using it (or using it sparingly)</a:t>
+            </a:r>
+          </a:p>
+          <a:p>
+            <a:endParaRPr lang="en-US" sz="2400" dirty="0"/>
+          </a:p>
+          <a:p>
+            <a:r>
+              <a:rPr lang="en-US" sz="2400" dirty="0"/>
+              <a:t>In GO the “_” variable is basically the equivalent of sending the output from a function to </a:t>
+            </a:r>
+            <a:r>
+              <a:rPr lang="en-US" sz="2400" b="1" dirty="0"/>
+              <a:t>dev/null</a:t>
+            </a:r>
+            <a:r>
+              <a:rPr lang="en-US" sz="2400" dirty="0"/>
+              <a:t>… into the ether. SO, to ignore an error:</a:t>
+            </a:r>
+            <a:br>
+              <a:rPr lang="en-US" sz="2400" dirty="0"/>
+            </a:br>
+            <a:endParaRPr lang="en-US" sz="2400" dirty="0"/>
+          </a:p>
+          <a:p>
+            <a:pPr marL="177800" indent="0">
+              <a:buNone/>
+            </a:pPr>
+            <a:r>
+              <a:rPr lang="en-US" sz="2400" dirty="0" err="1">
+                <a:highlight>
+                  <a:srgbClr val="FFFF00"/>
+                </a:highlight>
+                <a:latin typeface="American Typewriter" panose="02090604020004020304" pitchFamily="18" charset="77"/>
+              </a:rPr>
+              <a:t>var</a:t>
+            </a:r>
+            <a:r>
+              <a:rPr lang="en-US" sz="2400" dirty="0">
+                <a:highlight>
+                  <a:srgbClr val="FFFF00"/>
+                </a:highlight>
+                <a:latin typeface="American Typewriter" panose="02090604020004020304" pitchFamily="18" charset="77"/>
+              </a:rPr>
+              <a:t> </a:t>
+            </a:r>
+            <a:r>
+              <a:rPr lang="en-US" sz="2400" dirty="0" err="1">
+                <a:highlight>
+                  <a:srgbClr val="FFFF00"/>
+                </a:highlight>
+                <a:latin typeface="American Typewriter" panose="02090604020004020304" pitchFamily="18" charset="77"/>
+              </a:rPr>
+              <a:t>whatIwant</a:t>
+            </a:r>
+            <a:r>
+              <a:rPr lang="en-US" sz="2400" dirty="0">
+                <a:highlight>
+                  <a:srgbClr val="FFFF00"/>
+                </a:highlight>
+                <a:latin typeface="American Typewriter" panose="02090604020004020304" pitchFamily="18" charset="77"/>
+              </a:rPr>
+              <a:t>, _ := </a:t>
+            </a:r>
+            <a:r>
+              <a:rPr lang="en-US" sz="2400" dirty="0" err="1">
+                <a:highlight>
+                  <a:srgbClr val="FFFF00"/>
+                </a:highlight>
+                <a:latin typeface="American Typewriter" panose="02090604020004020304" pitchFamily="18" charset="77"/>
+              </a:rPr>
+              <a:t>fnthatreturnsa</a:t>
+            </a:r>
+            <a:r>
+              <a:rPr lang="en-US" dirty="0" err="1">
+                <a:highlight>
+                  <a:srgbClr val="FFFF00"/>
+                </a:highlight>
+                <a:latin typeface="American Typewriter" panose="02090604020004020304" pitchFamily="18" charset="77"/>
+              </a:rPr>
+              <a:t>thing</a:t>
+            </a:r>
+            <a:r>
+              <a:rPr lang="en-US" dirty="0">
+                <a:highlight>
+                  <a:srgbClr val="FFFF00"/>
+                </a:highlight>
+                <a:latin typeface="American Typewriter" panose="02090604020004020304" pitchFamily="18" charset="77"/>
+              </a:rPr>
+              <a:t>()</a:t>
+            </a:r>
+          </a:p>
+        </p:txBody>
+      </p:sp>
+      <p:pic>
+        <p:nvPicPr>
+          <p:cNvPr id="6146" name="Picture 2" descr="Image result for golang gopher">
+            <a:extLst>
+              <a:ext uri="{FF2B5EF4-FFF2-40B4-BE49-F238E27FC236}">
+                <a16:creationId xmlns:a16="http://schemas.microsoft.com/office/drawing/2014/main" id="{24CF344A-FD08-3F4C-ABA1-65518319659B}"/>
+              </a:ext>
+            </a:extLst>
+          </p:cNvPr>
+          <p:cNvPicPr>
+            <a:picLocks noChangeAspect="1" noChangeArrowheads="1"/>
+          </p:cNvPicPr>
+          <p:nvPr/>
+        </p:nvPicPr>
+        <p:blipFill>
+          <a:blip r:embed="rId2">
+            <a:extLst>
+              <a:ext uri="{28A0092B-C50C-407E-A947-70E740481C1C}">
+                <a14:useLocalDpi xmlns:a14="http://schemas.microsoft.com/office/drawing/2010/main" val="0"/>
+              </a:ext>
+            </a:extLst>
+          </a:blip>
+          <a:srcRect/>
+          <a:stretch>
+            <a:fillRect/>
+          </a:stretch>
+        </p:blipFill>
+        <p:spPr bwMode="auto">
+          <a:xfrm>
+            <a:off x="6693031" y="4473219"/>
+            <a:ext cx="2234152" cy="1328207"/>
+          </a:xfrm>
+          <a:prstGeom prst="rect">
+            <a:avLst/>
+          </a:prstGeom>
+          <a:noFill/>
+          <a:extLst>
+            <a:ext uri="{909E8E84-426E-40DD-AFC4-6F175D3DCCD1}">
+              <a14:hiddenFill xmlns:a14="http://schemas.microsoft.com/office/drawing/2010/main">
+                <a:solidFill>
+                  <a:srgbClr val="FFFFFF"/>
+                </a:solidFill>
+              </a14:hiddenFill>
+            </a:ext>
+          </a:extLst>
+        </p:spPr>
+      </p:pic>
+    </p:spTree>
+    <p:extLst>
+      <p:ext uri="{BB962C8B-B14F-4D97-AF65-F5344CB8AC3E}">
+        <p14:creationId xmlns:p14="http://schemas.microsoft.com/office/powerpoint/2010/main" val="1831280407"/>
+      </p:ext>
+    </p:extLst>
+  </p:cSld>
+  <p:clrMapOvr>
+    <a:masterClrMapping/>
+  </p:clrMapOvr>
+</p:sld>
+</file>
+
+<file path=ppt/slides/slide32.xml><?xml version="1.0" encoding="utf-8"?>
+<p:sld xmlns:a="http://schemas.openxmlformats.org/drawingml/2006/main" xmlns:r="http://schemas.openxmlformats.org/officeDocument/2006/relationships" xmlns:p="http://schemas.openxmlformats.org/presentationml/2006/main">
+  <p:cSld>
+    <p:spTree>
+      <p:nvGrpSpPr>
+        <p:cNvPr id="1" name=""/>
+        <p:cNvGrpSpPr/>
+        <p:nvPr/>
+      </p:nvGrpSpPr>
+      <p:grpSpPr>
+        <a:xfrm>
+          <a:off x="0" y="0"/>
+          <a:ext cx="0" cy="0"/>
+          <a:chOff x="0" y="0"/>
+          <a:chExt cx="0" cy="0"/>
+        </a:xfrm>
+      </p:grpSpPr>
+      <p:sp>
+        <p:nvSpPr>
+          <p:cNvPr id="2" name="Title 1">
+            <a:extLst>
+              <a:ext uri="{FF2B5EF4-FFF2-40B4-BE49-F238E27FC236}">
                 <a16:creationId xmlns:a16="http://schemas.microsoft.com/office/drawing/2014/main" id="{E98821EA-9D86-EA43-88ED-25584EF47EE5}"/>
               </a:ext>
             </a:extLst>
@@ -15744,12 +15987,12 @@
 </p:sld>
 </file>
 
-<file path=ppt/slides/slide32.xml><?xml version="1.0" encoding="utf-8"?>
+<file path=ppt/slides/slide33.xml><?xml version="1.0" encoding="utf-8"?>
 <p:sld xmlns:a="http://schemas.openxmlformats.org/drawingml/2006/main" xmlns:r="http://schemas.openxmlformats.org/officeDocument/2006/relationships" xmlns:p="http://schemas.openxmlformats.org/presentationml/2006/main">
   <p:cSld>
     <p:spTree>
       <p:nvGrpSpPr>
-        <p:cNvPr id="1" name="Shape 113"/>
+        <p:cNvPr id="1" name=""/>
         <p:cNvGrpSpPr/>
         <p:nvPr/>
       </p:nvGrpSpPr>
@@ -15763,227 +16006,66 @@
       </p:grpSpPr>
       <p:sp>
         <p:nvSpPr>
-          <p:cNvPr id="114" name="Shape 114"/>
-          <p:cNvSpPr txBox="1">
+          <p:cNvPr id="2" name="Title 1">
+            <a:extLst>
+              <a:ext uri="{FF2B5EF4-FFF2-40B4-BE49-F238E27FC236}">
+                <a16:creationId xmlns:a16="http://schemas.microsoft.com/office/drawing/2014/main" id="{3C13F15D-7026-3F44-BD1F-3027ACEFA12D}"/>
+              </a:ext>
+            </a:extLst>
+          </p:cNvPr>
+          <p:cNvSpPr>
             <a:spLocks noGrp="1"/>
           </p:cNvSpPr>
           <p:nvPr>
             <p:ph type="title"/>
           </p:nvPr>
         </p:nvSpPr>
-        <p:spPr>
-          <a:xfrm>
-            <a:off x="76200" y="152400"/>
-            <a:ext cx="8991600" cy="671400"/>
-          </a:xfrm>
-          <a:prstGeom prst="rect">
-            <a:avLst/>
-          </a:prstGeom>
-        </p:spPr>
+        <p:spPr/>
         <p:txBody>
-          <a:bodyPr lIns="91425" tIns="91425" rIns="91425" bIns="91425" anchor="ctr" anchorCtr="0">
-            <a:noAutofit/>
-          </a:bodyPr>
+          <a:bodyPr/>
           <a:lstStyle/>
           <a:p>
-            <a:pPr lvl="0">
-              <a:spcBef>
-                <a:spcPts val="0"/>
-              </a:spcBef>
-              <a:buNone/>
-            </a:pPr>
             <a:r>
               <a:rPr lang="en-US" dirty="0"/>
-              <a:t>Golang Playground</a:t>
-            </a:r>
-            <a:endParaRPr dirty="0"/>
+              <a:t>BREAK TIME!!</a:t>
+            </a:r>
           </a:p>
         </p:txBody>
       </p:sp>
       <p:sp>
         <p:nvSpPr>
-          <p:cNvPr id="115" name="Shape 115"/>
-          <p:cNvSpPr txBox="1">
+          <p:cNvPr id="3" name="Text Placeholder 2">
+            <a:extLst>
+              <a:ext uri="{FF2B5EF4-FFF2-40B4-BE49-F238E27FC236}">
+                <a16:creationId xmlns:a16="http://schemas.microsoft.com/office/drawing/2014/main" id="{73917057-D0FC-3D46-995C-24EEC024BDA1}"/>
+              </a:ext>
+            </a:extLst>
+          </p:cNvPr>
+          <p:cNvSpPr>
             <a:spLocks noGrp="1"/>
           </p:cNvSpPr>
           <p:nvPr>
             <p:ph type="body" idx="1"/>
           </p:nvPr>
         </p:nvSpPr>
-        <p:spPr>
-          <a:xfrm>
-            <a:off x="76200" y="1240810"/>
-            <a:ext cx="8991600" cy="4070929"/>
-          </a:xfrm>
-          <a:prstGeom prst="rect">
-            <a:avLst/>
-          </a:prstGeom>
-        </p:spPr>
+        <p:spPr/>
         <p:txBody>
-          <a:bodyPr lIns="91425" tIns="91425" rIns="91425" bIns="91425" anchor="t" anchorCtr="0">
-            <a:noAutofit/>
-          </a:bodyPr>
+          <a:bodyPr/>
           <a:lstStyle/>
           <a:p>
-            <a:pPr lvl="2">
-              <a:spcBef>
-                <a:spcPts val="0"/>
-              </a:spcBef>
-            </a:pPr>
-            <a:r>
-              <a:rPr lang="en-US" dirty="0">
-                <a:solidFill>
-                  <a:schemeClr val="tx1"/>
-                </a:solidFill>
-                <a:latin typeface="+mn-lt"/>
-              </a:rPr>
-              <a:t>All of this being said- this is what we’re going to use going forward for most of our intro coding!</a:t>
-            </a:r>
-          </a:p>
-          <a:p>
-            <a:pPr lvl="2">
-              <a:spcBef>
-                <a:spcPts val="0"/>
-              </a:spcBef>
-            </a:pPr>
-            <a:r>
-              <a:rPr lang="en-US" dirty="0">
-                <a:solidFill>
-                  <a:schemeClr val="tx1"/>
-                </a:solidFill>
-                <a:latin typeface="+mn-lt"/>
-              </a:rPr>
-              <a:t>We are now set up and ready to ”go!”</a:t>
-            </a:r>
-          </a:p>
-          <a:p>
-            <a:pPr lvl="2">
-              <a:spcBef>
-                <a:spcPts val="0"/>
-              </a:spcBef>
-            </a:pPr>
-            <a:r>
-              <a:rPr lang="en-US" dirty="0">
-                <a:solidFill>
-                  <a:schemeClr val="tx1"/>
-                </a:solidFill>
-                <a:latin typeface="+mn-lt"/>
-              </a:rPr>
-              <a:t> </a:t>
-            </a:r>
-            <a:r>
-              <a:rPr lang="en-US" sz="3200" dirty="0">
-                <a:solidFill>
-                  <a:schemeClr val="tx1"/>
-                </a:solidFill>
-                <a:latin typeface="+mn-lt"/>
-              </a:rPr>
-              <a:t>ANY QUESTIONS?!?</a:t>
-            </a:r>
-          </a:p>
-          <a:p>
-            <a:pPr lvl="3">
-              <a:spcBef>
-                <a:spcPts val="0"/>
-              </a:spcBef>
-            </a:pPr>
-            <a:endParaRPr lang="en-US" dirty="0">
-              <a:solidFill>
-                <a:schemeClr val="tx1"/>
-              </a:solidFill>
-              <a:latin typeface="+mn-lt"/>
-            </a:endParaRPr>
-          </a:p>
-          <a:p>
-            <a:pPr lvl="2">
-              <a:spcBef>
-                <a:spcPts val="0"/>
-              </a:spcBef>
-            </a:pPr>
-            <a:endParaRPr lang="en-US" dirty="0">
-              <a:solidFill>
-                <a:schemeClr val="tx1"/>
-              </a:solidFill>
-            </a:endParaRPr>
-          </a:p>
-          <a:p>
-            <a:pPr marL="1485900" lvl="3" indent="0">
-              <a:spcBef>
-                <a:spcPts val="0"/>
-              </a:spcBef>
-              <a:buNone/>
-            </a:pPr>
-            <a:endParaRPr lang="en-US" dirty="0">
-              <a:solidFill>
-                <a:schemeClr val="tx1"/>
-              </a:solidFill>
-              <a:latin typeface="+mn-lt"/>
-            </a:endParaRPr>
-          </a:p>
-          <a:p>
-            <a:pPr marL="1485900" lvl="3" indent="0">
-              <a:spcBef>
-                <a:spcPts val="0"/>
-              </a:spcBef>
-              <a:buNone/>
-            </a:pPr>
-            <a:endParaRPr lang="en-US" dirty="0">
-              <a:solidFill>
-                <a:schemeClr val="tx1"/>
-              </a:solidFill>
-              <a:latin typeface="+mn-lt"/>
-            </a:endParaRPr>
-          </a:p>
-          <a:p>
-            <a:pPr marL="1485900" lvl="3" indent="0">
-              <a:spcBef>
-                <a:spcPts val="0"/>
-              </a:spcBef>
-              <a:buNone/>
-            </a:pPr>
-            <a:endParaRPr lang="en-US" dirty="0">
-              <a:solidFill>
-                <a:schemeClr val="tx1"/>
-              </a:solidFill>
-              <a:latin typeface="+mn-lt"/>
-            </a:endParaRPr>
-          </a:p>
-          <a:p>
-            <a:pPr marL="1485900" lvl="3" indent="0">
-              <a:spcBef>
-                <a:spcPts val="0"/>
-              </a:spcBef>
-              <a:buNone/>
-            </a:pPr>
-            <a:endParaRPr lang="en-US" dirty="0">
-              <a:solidFill>
-                <a:schemeClr val="tx1"/>
-              </a:solidFill>
-              <a:latin typeface="+mn-lt"/>
-            </a:endParaRPr>
-          </a:p>
-          <a:p>
-            <a:pPr marL="1485900" lvl="3" indent="0">
-              <a:spcBef>
-                <a:spcPts val="0"/>
-              </a:spcBef>
-              <a:buNone/>
-            </a:pPr>
-            <a:endParaRPr lang="en-US" dirty="0">
-              <a:solidFill>
-                <a:schemeClr val="tx1"/>
-              </a:solidFill>
-              <a:latin typeface="+mn-lt"/>
-            </a:endParaRPr>
+            <a:r>
+              <a:rPr lang="en-US" dirty="0"/>
+              <a:t>Take fifteen! We have completed a sub-section!</a:t>
+            </a:r>
           </a:p>
         </p:txBody>
       </p:sp>
       <p:pic>
         <p:nvPicPr>
-          <p:cNvPr id="14338" name="Picture 2" descr="Image result for golang gopher, images">
+          <p:cNvPr id="3074" name="Picture 2" descr="Image result for golang gopher">
             <a:extLst>
               <a:ext uri="{FF2B5EF4-FFF2-40B4-BE49-F238E27FC236}">
-                <a16:creationId xmlns:a16="http://schemas.microsoft.com/office/drawing/2014/main" id="{99F98B07-359E-7D45-BFB0-9CFB89F92F9B}"/>
+                <a16:creationId xmlns:a16="http://schemas.microsoft.com/office/drawing/2014/main" id="{C5E8D47F-3250-1949-9CBB-7B0A921C48C4}"/>
               </a:ext>
             </a:extLst>
           </p:cNvPr>
@@ -15993,7 +16075,7 @@
           <p:nvPr/>
         </p:nvPicPr>
         <p:blipFill>
-          <a:blip r:embed="rId3">
+          <a:blip r:embed="rId2">
             <a:extLst>
               <a:ext uri="{28A0092B-C50C-407E-A947-70E740481C1C}">
                 <a14:useLocalDpi xmlns:a14="http://schemas.microsoft.com/office/drawing/2010/main" val="0"/>
@@ -16007,8 +16089,8 @@
         </p:blipFill>
         <p:spPr bwMode="auto">
           <a:xfrm>
-            <a:off x="3075040" y="3147245"/>
-            <a:ext cx="2603500" cy="3111500"/>
+            <a:off x="2038938" y="2193238"/>
+            <a:ext cx="4550397" cy="3791998"/>
           </a:xfrm>
           <a:prstGeom prst="rect">
             <a:avLst/>
@@ -16028,7 +16110,1159 @@
     </p:spTree>
     <p:extLst>
       <p:ext uri="{BB962C8B-B14F-4D97-AF65-F5344CB8AC3E}">
-        <p14:creationId xmlns:p14="http://schemas.microsoft.com/office/powerpoint/2010/main" val="3120604218"/>
+        <p14:creationId xmlns:p14="http://schemas.microsoft.com/office/powerpoint/2010/main" val="3234251088"/>
+      </p:ext>
+    </p:extLst>
+  </p:cSld>
+  <p:clrMapOvr>
+    <a:masterClrMapping/>
+  </p:clrMapOvr>
+</p:sld>
+</file>
+
+<file path=ppt/slides/slide34.xml><?xml version="1.0" encoding="utf-8"?>
+<p:sld xmlns:a="http://schemas.openxmlformats.org/drawingml/2006/main" xmlns:r="http://schemas.openxmlformats.org/officeDocument/2006/relationships" xmlns:p="http://schemas.openxmlformats.org/presentationml/2006/main">
+  <p:cSld>
+    <p:spTree>
+      <p:nvGrpSpPr>
+        <p:cNvPr id="1" name=""/>
+        <p:cNvGrpSpPr/>
+        <p:nvPr/>
+      </p:nvGrpSpPr>
+      <p:grpSpPr>
+        <a:xfrm>
+          <a:off x="0" y="0"/>
+          <a:ext cx="0" cy="0"/>
+          <a:chOff x="0" y="0"/>
+          <a:chExt cx="0" cy="0"/>
+        </a:xfrm>
+      </p:grpSpPr>
+      <p:sp>
+        <p:nvSpPr>
+          <p:cNvPr id="2" name="Title 1">
+            <a:extLst>
+              <a:ext uri="{FF2B5EF4-FFF2-40B4-BE49-F238E27FC236}">
+                <a16:creationId xmlns:a16="http://schemas.microsoft.com/office/drawing/2014/main" id="{B61D74D3-627F-4C49-8E54-A137134E29B4}"/>
+              </a:ext>
+            </a:extLst>
+          </p:cNvPr>
+          <p:cNvSpPr>
+            <a:spLocks noGrp="1"/>
+          </p:cNvSpPr>
+          <p:nvPr>
+            <p:ph type="title"/>
+          </p:nvPr>
+        </p:nvSpPr>
+        <p:spPr/>
+        <p:txBody>
+          <a:bodyPr/>
+          <a:lstStyle/>
+          <a:p>
+            <a:r>
+              <a:rPr lang="en-US" dirty="0"/>
+              <a:t>GO Data Structures</a:t>
+            </a:r>
+          </a:p>
+        </p:txBody>
+      </p:sp>
+      <p:sp>
+        <p:nvSpPr>
+          <p:cNvPr id="3" name="Text Placeholder 2">
+            <a:extLst>
+              <a:ext uri="{FF2B5EF4-FFF2-40B4-BE49-F238E27FC236}">
+                <a16:creationId xmlns:a16="http://schemas.microsoft.com/office/drawing/2014/main" id="{9EFEEA8A-EB41-0746-A770-E16756E0B7A4}"/>
+              </a:ext>
+            </a:extLst>
+          </p:cNvPr>
+          <p:cNvSpPr>
+            <a:spLocks noGrp="1"/>
+          </p:cNvSpPr>
+          <p:nvPr>
+            <p:ph type="body" idx="1"/>
+          </p:nvPr>
+        </p:nvSpPr>
+        <p:spPr/>
+        <p:txBody>
+          <a:bodyPr/>
+          <a:lstStyle/>
+          <a:p>
+            <a:r>
+              <a:rPr lang="en-US" dirty="0"/>
+              <a:t> There are Five basic data structures that every Go developer needs:</a:t>
+            </a:r>
+          </a:p>
+          <a:p>
+            <a:pPr lvl="1"/>
+            <a:r>
+              <a:rPr lang="en-US" dirty="0"/>
+              <a:t>Array</a:t>
+            </a:r>
+          </a:p>
+          <a:p>
+            <a:pPr lvl="1"/>
+            <a:r>
+              <a:rPr lang="en-US" dirty="0"/>
+              <a:t>Slice</a:t>
+            </a:r>
+          </a:p>
+          <a:p>
+            <a:pPr lvl="1"/>
+            <a:r>
+              <a:rPr lang="en-US" dirty="0"/>
+              <a:t>Map</a:t>
+            </a:r>
+          </a:p>
+          <a:p>
+            <a:pPr lvl="1"/>
+            <a:r>
+              <a:rPr lang="en-US" dirty="0"/>
+              <a:t>Struct</a:t>
+            </a:r>
+          </a:p>
+          <a:p>
+            <a:pPr lvl="1"/>
+            <a:r>
+              <a:rPr lang="en-US" dirty="0"/>
+              <a:t>Interface</a:t>
+            </a:r>
+          </a:p>
+        </p:txBody>
+      </p:sp>
+      <p:pic>
+        <p:nvPicPr>
+          <p:cNvPr id="4098" name="Picture 2" descr="Image result for golang gopher">
+            <a:extLst>
+              <a:ext uri="{FF2B5EF4-FFF2-40B4-BE49-F238E27FC236}">
+                <a16:creationId xmlns:a16="http://schemas.microsoft.com/office/drawing/2014/main" id="{12979F90-AF4B-A242-B5C6-5C3B59141497}"/>
+              </a:ext>
+            </a:extLst>
+          </p:cNvPr>
+          <p:cNvPicPr>
+            <a:picLocks noChangeAspect="1" noChangeArrowheads="1"/>
+          </p:cNvPicPr>
+          <p:nvPr/>
+        </p:nvPicPr>
+        <p:blipFill>
+          <a:blip r:embed="rId2">
+            <a:extLst>
+              <a:ext uri="{28A0092B-C50C-407E-A947-70E740481C1C}">
+                <a14:useLocalDpi xmlns:a14="http://schemas.microsoft.com/office/drawing/2010/main" val="0"/>
+              </a:ext>
+            </a:extLst>
+          </a:blip>
+          <a:srcRect/>
+          <a:stretch>
+            <a:fillRect/>
+          </a:stretch>
+        </p:blipFill>
+        <p:spPr bwMode="auto">
+          <a:xfrm>
+            <a:off x="4371877" y="2156578"/>
+            <a:ext cx="2247900" cy="3619500"/>
+          </a:xfrm>
+          <a:prstGeom prst="rect">
+            <a:avLst/>
+          </a:prstGeom>
+          <a:noFill/>
+          <a:extLst>
+            <a:ext uri="{909E8E84-426E-40DD-AFC4-6F175D3DCCD1}">
+              <a14:hiddenFill xmlns:a14="http://schemas.microsoft.com/office/drawing/2010/main">
+                <a:solidFill>
+                  <a:srgbClr val="FFFFFF"/>
+                </a:solidFill>
+              </a14:hiddenFill>
+            </a:ext>
+          </a:extLst>
+        </p:spPr>
+      </p:pic>
+    </p:spTree>
+    <p:extLst>
+      <p:ext uri="{BB962C8B-B14F-4D97-AF65-F5344CB8AC3E}">
+        <p14:creationId xmlns:p14="http://schemas.microsoft.com/office/powerpoint/2010/main" val="4261563231"/>
+      </p:ext>
+    </p:extLst>
+  </p:cSld>
+  <p:clrMapOvr>
+    <a:masterClrMapping/>
+  </p:clrMapOvr>
+</p:sld>
+</file>
+
+<file path=ppt/slides/slide35.xml><?xml version="1.0" encoding="utf-8"?>
+<p:sld xmlns:a="http://schemas.openxmlformats.org/drawingml/2006/main" xmlns:r="http://schemas.openxmlformats.org/officeDocument/2006/relationships" xmlns:p="http://schemas.openxmlformats.org/presentationml/2006/main">
+  <p:cSld>
+    <p:spTree>
+      <p:nvGrpSpPr>
+        <p:cNvPr id="1" name=""/>
+        <p:cNvGrpSpPr/>
+        <p:nvPr/>
+      </p:nvGrpSpPr>
+      <p:grpSpPr>
+        <a:xfrm>
+          <a:off x="0" y="0"/>
+          <a:ext cx="0" cy="0"/>
+          <a:chOff x="0" y="0"/>
+          <a:chExt cx="0" cy="0"/>
+        </a:xfrm>
+      </p:grpSpPr>
+      <p:sp>
+        <p:nvSpPr>
+          <p:cNvPr id="2" name="Title 1">
+            <a:extLst>
+              <a:ext uri="{FF2B5EF4-FFF2-40B4-BE49-F238E27FC236}">
+                <a16:creationId xmlns:a16="http://schemas.microsoft.com/office/drawing/2014/main" id="{89C5B05C-D683-3940-9C4F-03D877A15D48}"/>
+              </a:ext>
+            </a:extLst>
+          </p:cNvPr>
+          <p:cNvSpPr>
+            <a:spLocks noGrp="1"/>
+          </p:cNvSpPr>
+          <p:nvPr>
+            <p:ph type="title"/>
+          </p:nvPr>
+        </p:nvSpPr>
+        <p:spPr/>
+        <p:txBody>
+          <a:bodyPr/>
+          <a:lstStyle/>
+          <a:p>
+            <a:r>
+              <a:rPr lang="en-US" dirty="0"/>
+              <a:t>Arrays in GO</a:t>
+            </a:r>
+          </a:p>
+        </p:txBody>
+      </p:sp>
+      <p:sp>
+        <p:nvSpPr>
+          <p:cNvPr id="3" name="Text Placeholder 2">
+            <a:extLst>
+              <a:ext uri="{FF2B5EF4-FFF2-40B4-BE49-F238E27FC236}">
+                <a16:creationId xmlns:a16="http://schemas.microsoft.com/office/drawing/2014/main" id="{401E6FBF-79D7-C04C-9CF4-1F73D4ED2C07}"/>
+              </a:ext>
+            </a:extLst>
+          </p:cNvPr>
+          <p:cNvSpPr>
+            <a:spLocks noGrp="1"/>
+          </p:cNvSpPr>
+          <p:nvPr>
+            <p:ph type="body" idx="1"/>
+          </p:nvPr>
+        </p:nvSpPr>
+        <p:spPr/>
+        <p:txBody>
+          <a:bodyPr/>
+          <a:lstStyle/>
+          <a:p>
+            <a:r>
+              <a:rPr lang="en-US" dirty="0"/>
+              <a:t> Generally the *right* way to do arrays is to declare the number of indexes that you’ll need:</a:t>
+            </a:r>
+          </a:p>
+          <a:p>
+            <a:pPr marL="177800" indent="0">
+              <a:buNone/>
+            </a:pPr>
+            <a:endParaRPr lang="en-US" dirty="0"/>
+          </a:p>
+          <a:p>
+            <a:r>
+              <a:rPr lang="en-US" dirty="0">
+                <a:highlight>
+                  <a:srgbClr val="FFFF00"/>
+                </a:highlight>
+                <a:latin typeface="American Typewriter" panose="02090604020004020304" pitchFamily="18" charset="77"/>
+              </a:rPr>
+              <a:t> </a:t>
+            </a:r>
+            <a:r>
+              <a:rPr lang="en-US" dirty="0" err="1">
+                <a:highlight>
+                  <a:srgbClr val="FFFF00"/>
+                </a:highlight>
+                <a:latin typeface="American Typewriter" panose="02090604020004020304" pitchFamily="18" charset="77"/>
+              </a:rPr>
+              <a:t>var</a:t>
+            </a:r>
+            <a:r>
+              <a:rPr lang="en-US" dirty="0">
+                <a:highlight>
+                  <a:srgbClr val="FFFF00"/>
+                </a:highlight>
+                <a:latin typeface="American Typewriter" panose="02090604020004020304" pitchFamily="18" charset="77"/>
+              </a:rPr>
+              <a:t> </a:t>
+            </a:r>
+            <a:r>
+              <a:rPr lang="en-US" dirty="0" err="1">
+                <a:highlight>
+                  <a:srgbClr val="FFFF00"/>
+                </a:highlight>
+                <a:latin typeface="American Typewriter" panose="02090604020004020304" pitchFamily="18" charset="77"/>
+              </a:rPr>
+              <a:t>newArr</a:t>
+            </a:r>
+            <a:r>
+              <a:rPr lang="en-US" dirty="0">
+                <a:highlight>
+                  <a:srgbClr val="FFFF00"/>
+                </a:highlight>
+                <a:latin typeface="American Typewriter" panose="02090604020004020304" pitchFamily="18" charset="77"/>
+              </a:rPr>
+              <a:t> [4]</a:t>
+            </a:r>
+            <a:r>
+              <a:rPr lang="en-US" dirty="0" err="1">
+                <a:highlight>
+                  <a:srgbClr val="FFFF00"/>
+                </a:highlight>
+                <a:latin typeface="American Typewriter" panose="02090604020004020304" pitchFamily="18" charset="77"/>
+              </a:rPr>
+              <a:t>int</a:t>
+            </a:r>
+            <a:r>
+              <a:rPr lang="en-US" dirty="0">
+                <a:highlight>
+                  <a:srgbClr val="FFFF00"/>
+                </a:highlight>
+                <a:latin typeface="American Typewriter" panose="02090604020004020304" pitchFamily="18" charset="77"/>
+              </a:rPr>
+              <a:t> </a:t>
+            </a:r>
+            <a:r>
+              <a:rPr lang="en-US" dirty="0">
+                <a:latin typeface="+mn-lt"/>
+              </a:rPr>
+              <a:t>will make a 4 index empty array</a:t>
+            </a:r>
+          </a:p>
+          <a:p>
+            <a:endParaRPr lang="en-US" dirty="0">
+              <a:latin typeface="+mn-lt"/>
+            </a:endParaRPr>
+          </a:p>
+          <a:p>
+            <a:r>
+              <a:rPr lang="en-US" dirty="0">
+                <a:latin typeface="+mn-lt"/>
+              </a:rPr>
+              <a:t> </a:t>
+            </a:r>
+            <a:r>
+              <a:rPr lang="en-US" dirty="0" err="1">
+                <a:highlight>
+                  <a:srgbClr val="FFFF00"/>
+                </a:highlight>
+                <a:latin typeface="American Typewriter" panose="02090604020004020304" pitchFamily="18" charset="77"/>
+              </a:rPr>
+              <a:t>newArr</a:t>
+            </a:r>
+            <a:r>
+              <a:rPr lang="en-US" dirty="0">
+                <a:highlight>
+                  <a:srgbClr val="FFFF00"/>
+                </a:highlight>
+                <a:latin typeface="American Typewriter" panose="02090604020004020304" pitchFamily="18" charset="77"/>
+              </a:rPr>
+              <a:t>[0] = 2 </a:t>
+            </a:r>
+            <a:r>
+              <a:rPr lang="en-US" dirty="0">
+                <a:latin typeface="+mn-lt"/>
+              </a:rPr>
+              <a:t>will assign the number “2” to the front of the array</a:t>
+            </a:r>
+          </a:p>
+        </p:txBody>
+      </p:sp>
+      <p:pic>
+        <p:nvPicPr>
+          <p:cNvPr id="5122" name="Picture 2" descr="Image result for golang gopher">
+            <a:extLst>
+              <a:ext uri="{FF2B5EF4-FFF2-40B4-BE49-F238E27FC236}">
+                <a16:creationId xmlns:a16="http://schemas.microsoft.com/office/drawing/2014/main" id="{FE201770-DC59-6F44-8EA9-49C63615A80B}"/>
+              </a:ext>
+            </a:extLst>
+          </p:cNvPr>
+          <p:cNvPicPr>
+            <a:picLocks noChangeAspect="1" noChangeArrowheads="1"/>
+          </p:cNvPicPr>
+          <p:nvPr/>
+        </p:nvPicPr>
+        <p:blipFill>
+          <a:blip r:embed="rId2">
+            <a:extLst>
+              <a:ext uri="{28A0092B-C50C-407E-A947-70E740481C1C}">
+                <a14:useLocalDpi xmlns:a14="http://schemas.microsoft.com/office/drawing/2010/main" val="0"/>
+              </a:ext>
+            </a:extLst>
+          </a:blip>
+          <a:srcRect/>
+          <a:stretch>
+            <a:fillRect/>
+          </a:stretch>
+        </p:blipFill>
+        <p:spPr bwMode="auto">
+          <a:xfrm>
+            <a:off x="4020125" y="4534292"/>
+            <a:ext cx="1103749" cy="2045615"/>
+          </a:xfrm>
+          <a:prstGeom prst="rect">
+            <a:avLst/>
+          </a:prstGeom>
+          <a:noFill/>
+          <a:extLst>
+            <a:ext uri="{909E8E84-426E-40DD-AFC4-6F175D3DCCD1}">
+              <a14:hiddenFill xmlns:a14="http://schemas.microsoft.com/office/drawing/2010/main">
+                <a:solidFill>
+                  <a:srgbClr val="FFFFFF"/>
+                </a:solidFill>
+              </a14:hiddenFill>
+            </a:ext>
+          </a:extLst>
+        </p:spPr>
+      </p:pic>
+    </p:spTree>
+    <p:extLst>
+      <p:ext uri="{BB962C8B-B14F-4D97-AF65-F5344CB8AC3E}">
+        <p14:creationId xmlns:p14="http://schemas.microsoft.com/office/powerpoint/2010/main" val="2397198459"/>
+      </p:ext>
+    </p:extLst>
+  </p:cSld>
+  <p:clrMapOvr>
+    <a:masterClrMapping/>
+  </p:clrMapOvr>
+</p:sld>
+</file>
+
+<file path=ppt/slides/slide36.xml><?xml version="1.0" encoding="utf-8"?>
+<p:sld xmlns:a="http://schemas.openxmlformats.org/drawingml/2006/main" xmlns:r="http://schemas.openxmlformats.org/officeDocument/2006/relationships" xmlns:p="http://schemas.openxmlformats.org/presentationml/2006/main">
+  <p:cSld>
+    <p:spTree>
+      <p:nvGrpSpPr>
+        <p:cNvPr id="1" name=""/>
+        <p:cNvGrpSpPr/>
+        <p:nvPr/>
+      </p:nvGrpSpPr>
+      <p:grpSpPr>
+        <a:xfrm>
+          <a:off x="0" y="0"/>
+          <a:ext cx="0" cy="0"/>
+          <a:chOff x="0" y="0"/>
+          <a:chExt cx="0" cy="0"/>
+        </a:xfrm>
+      </p:grpSpPr>
+      <p:sp>
+        <p:nvSpPr>
+          <p:cNvPr id="2" name="Title 1">
+            <a:extLst>
+              <a:ext uri="{FF2B5EF4-FFF2-40B4-BE49-F238E27FC236}">
+                <a16:creationId xmlns:a16="http://schemas.microsoft.com/office/drawing/2014/main" id="{07CDB408-A131-A24B-A3C5-ACC6BDF8D0FF}"/>
+              </a:ext>
+            </a:extLst>
+          </p:cNvPr>
+          <p:cNvSpPr>
+            <a:spLocks noGrp="1"/>
+          </p:cNvSpPr>
+          <p:nvPr>
+            <p:ph type="title"/>
+          </p:nvPr>
+        </p:nvSpPr>
+        <p:spPr/>
+        <p:txBody>
+          <a:bodyPr/>
+          <a:lstStyle/>
+          <a:p>
+            <a:r>
+              <a:rPr lang="en-US" dirty="0"/>
+              <a:t>Arrays in GO (continued)</a:t>
+            </a:r>
+          </a:p>
+        </p:txBody>
+      </p:sp>
+      <p:sp>
+        <p:nvSpPr>
+          <p:cNvPr id="3" name="Text Placeholder 2">
+            <a:extLst>
+              <a:ext uri="{FF2B5EF4-FFF2-40B4-BE49-F238E27FC236}">
+                <a16:creationId xmlns:a16="http://schemas.microsoft.com/office/drawing/2014/main" id="{F376D462-C7E4-3343-880E-14303E51A022}"/>
+              </a:ext>
+            </a:extLst>
+          </p:cNvPr>
+          <p:cNvSpPr>
+            <a:spLocks noGrp="1"/>
+          </p:cNvSpPr>
+          <p:nvPr>
+            <p:ph type="body" idx="1"/>
+          </p:nvPr>
+        </p:nvSpPr>
+        <p:spPr/>
+        <p:txBody>
+          <a:bodyPr/>
+          <a:lstStyle/>
+          <a:p>
+            <a:r>
+              <a:rPr lang="en-US" dirty="0"/>
+              <a:t> First off- yes- you need to declare the length of arrays</a:t>
+            </a:r>
+          </a:p>
+          <a:p>
+            <a:r>
+              <a:rPr lang="en-US" dirty="0"/>
+              <a:t>That being said- they can be of ANY data type- so:</a:t>
+            </a:r>
+          </a:p>
+          <a:p>
+            <a:endParaRPr lang="en-US" sz="2400" dirty="0"/>
+          </a:p>
+          <a:p>
+            <a:pPr marL="177800" indent="0">
+              <a:buNone/>
+            </a:pPr>
+            <a:r>
+              <a:rPr lang="en-US" sz="2400" dirty="0">
+                <a:highlight>
+                  <a:srgbClr val="FFFF00"/>
+                </a:highlight>
+              </a:rPr>
+              <a:t> </a:t>
+            </a:r>
+            <a:r>
+              <a:rPr lang="en-US" sz="2400" dirty="0" err="1">
+                <a:highlight>
+                  <a:srgbClr val="FFFF00"/>
+                </a:highlight>
+              </a:rPr>
+              <a:t>var</a:t>
+            </a:r>
+            <a:r>
+              <a:rPr lang="en-US" sz="2400" dirty="0">
+                <a:highlight>
+                  <a:srgbClr val="FFFF00"/>
+                </a:highlight>
+              </a:rPr>
+              <a:t> </a:t>
+            </a:r>
+            <a:r>
+              <a:rPr lang="en-US" sz="2400" dirty="0" err="1">
+                <a:highlight>
+                  <a:srgbClr val="FFFF00"/>
+                </a:highlight>
+              </a:rPr>
+              <a:t>BestMoviesEver</a:t>
+            </a:r>
+            <a:r>
+              <a:rPr lang="en-US" sz="2400" dirty="0">
+                <a:highlight>
+                  <a:srgbClr val="FFFF00"/>
+                </a:highlight>
+              </a:rPr>
+              <a:t> = []string{“Troll 2”, “Samurai Cop”, “Manos: Hands of Fate”, “Ballistic: </a:t>
+            </a:r>
+            <a:r>
+              <a:rPr lang="en-US" sz="2400" dirty="0" err="1">
+                <a:highlight>
+                  <a:srgbClr val="FFFF00"/>
+                </a:highlight>
+              </a:rPr>
+              <a:t>Ecks</a:t>
+            </a:r>
+            <a:r>
+              <a:rPr lang="en-US" sz="2400" dirty="0">
+                <a:highlight>
+                  <a:srgbClr val="FFFF00"/>
+                </a:highlight>
+              </a:rPr>
+              <a:t> vs Sever”}</a:t>
+            </a:r>
+          </a:p>
+        </p:txBody>
+      </p:sp>
+      <p:pic>
+        <p:nvPicPr>
+          <p:cNvPr id="7170" name="Picture 2" descr="Image result for golang gopher">
+            <a:extLst>
+              <a:ext uri="{FF2B5EF4-FFF2-40B4-BE49-F238E27FC236}">
+                <a16:creationId xmlns:a16="http://schemas.microsoft.com/office/drawing/2014/main" id="{574141D9-0897-8048-92F1-34AC28D943D1}"/>
+              </a:ext>
+            </a:extLst>
+          </p:cNvPr>
+          <p:cNvPicPr>
+            <a:picLocks noChangeAspect="1" noChangeArrowheads="1"/>
+          </p:cNvPicPr>
+          <p:nvPr/>
+        </p:nvPicPr>
+        <p:blipFill>
+          <a:blip r:embed="rId2">
+            <a:extLst>
+              <a:ext uri="{28A0092B-C50C-407E-A947-70E740481C1C}">
+                <a14:useLocalDpi xmlns:a14="http://schemas.microsoft.com/office/drawing/2010/main" val="0"/>
+              </a:ext>
+            </a:extLst>
+          </a:blip>
+          <a:srcRect/>
+          <a:stretch>
+            <a:fillRect/>
+          </a:stretch>
+        </p:blipFill>
+        <p:spPr bwMode="auto">
+          <a:xfrm>
+            <a:off x="3712698" y="4260914"/>
+            <a:ext cx="2288052" cy="2277883"/>
+          </a:xfrm>
+          <a:prstGeom prst="rect">
+            <a:avLst/>
+          </a:prstGeom>
+          <a:noFill/>
+          <a:extLst>
+            <a:ext uri="{909E8E84-426E-40DD-AFC4-6F175D3DCCD1}">
+              <a14:hiddenFill xmlns:a14="http://schemas.microsoft.com/office/drawing/2010/main">
+                <a:solidFill>
+                  <a:srgbClr val="FFFFFF"/>
+                </a:solidFill>
+              </a14:hiddenFill>
+            </a:ext>
+          </a:extLst>
+        </p:spPr>
+      </p:pic>
+    </p:spTree>
+    <p:extLst>
+      <p:ext uri="{BB962C8B-B14F-4D97-AF65-F5344CB8AC3E}">
+        <p14:creationId xmlns:p14="http://schemas.microsoft.com/office/powerpoint/2010/main" val="2495054478"/>
+      </p:ext>
+    </p:extLst>
+  </p:cSld>
+  <p:clrMapOvr>
+    <a:masterClrMapping/>
+  </p:clrMapOvr>
+</p:sld>
+</file>
+
+<file path=ppt/slides/slide37.xml><?xml version="1.0" encoding="utf-8"?>
+<p:sld xmlns:a="http://schemas.openxmlformats.org/drawingml/2006/main" xmlns:r="http://schemas.openxmlformats.org/officeDocument/2006/relationships" xmlns:p="http://schemas.openxmlformats.org/presentationml/2006/main">
+  <p:cSld>
+    <p:spTree>
+      <p:nvGrpSpPr>
+        <p:cNvPr id="1" name=""/>
+        <p:cNvGrpSpPr/>
+        <p:nvPr/>
+      </p:nvGrpSpPr>
+      <p:grpSpPr>
+        <a:xfrm>
+          <a:off x="0" y="0"/>
+          <a:ext cx="0" cy="0"/>
+          <a:chOff x="0" y="0"/>
+          <a:chExt cx="0" cy="0"/>
+        </a:xfrm>
+      </p:grpSpPr>
+      <p:sp>
+        <p:nvSpPr>
+          <p:cNvPr id="2" name="Title 1">
+            <a:extLst>
+              <a:ext uri="{FF2B5EF4-FFF2-40B4-BE49-F238E27FC236}">
+                <a16:creationId xmlns:a16="http://schemas.microsoft.com/office/drawing/2014/main" id="{578E118C-0265-064E-A309-82AF609F0A4F}"/>
+              </a:ext>
+            </a:extLst>
+          </p:cNvPr>
+          <p:cNvSpPr>
+            <a:spLocks noGrp="1"/>
+          </p:cNvSpPr>
+          <p:nvPr>
+            <p:ph type="title"/>
+          </p:nvPr>
+        </p:nvSpPr>
+        <p:spPr/>
+        <p:txBody>
+          <a:bodyPr/>
+          <a:lstStyle/>
+          <a:p>
+            <a:r>
+              <a:rPr lang="en-US" dirty="0"/>
+              <a:t>Arrays in GO: A couple more things…</a:t>
+            </a:r>
+          </a:p>
+        </p:txBody>
+      </p:sp>
+      <p:sp>
+        <p:nvSpPr>
+          <p:cNvPr id="3" name="Text Placeholder 2">
+            <a:extLst>
+              <a:ext uri="{FF2B5EF4-FFF2-40B4-BE49-F238E27FC236}">
+                <a16:creationId xmlns:a16="http://schemas.microsoft.com/office/drawing/2014/main" id="{85055C3C-BC4B-0D4B-8628-E5068BB0B893}"/>
+              </a:ext>
+            </a:extLst>
+          </p:cNvPr>
+          <p:cNvSpPr>
+            <a:spLocks noGrp="1"/>
+          </p:cNvSpPr>
+          <p:nvPr>
+            <p:ph type="body" idx="1"/>
+          </p:nvPr>
+        </p:nvSpPr>
+        <p:spPr/>
+        <p:txBody>
+          <a:bodyPr/>
+          <a:lstStyle/>
+          <a:p>
+            <a:r>
+              <a:rPr lang="en-US" dirty="0"/>
+              <a:t> Arrays can only be of a single data type</a:t>
+            </a:r>
+          </a:p>
+          <a:p>
+            <a:r>
+              <a:rPr lang="en-US" dirty="0"/>
+              <a:t> Yes- Arrays have to have an index range declared when they are initialized. </a:t>
+            </a:r>
+            <a:r>
+              <a:rPr lang="en-US" i="1" dirty="0"/>
+              <a:t>You can’t have a dynamically sized </a:t>
+            </a:r>
+            <a:r>
+              <a:rPr lang="en-US" b="1" i="1" dirty="0"/>
+              <a:t>array</a:t>
+            </a:r>
+            <a:r>
+              <a:rPr lang="en-US" i="1" dirty="0"/>
+              <a:t>. </a:t>
+            </a:r>
+          </a:p>
+          <a:p>
+            <a:r>
+              <a:rPr lang="en-US" dirty="0"/>
+              <a:t>You </a:t>
+            </a:r>
+            <a:r>
+              <a:rPr lang="en-US" b="1" dirty="0"/>
+              <a:t>can</a:t>
+            </a:r>
+            <a:r>
+              <a:rPr lang="en-US" dirty="0"/>
+              <a:t> have a dynamically sized </a:t>
+            </a:r>
+            <a:r>
+              <a:rPr lang="en-US" b="1" dirty="0"/>
+              <a:t>slice- </a:t>
+            </a:r>
+            <a:r>
+              <a:rPr lang="en-US" dirty="0"/>
+              <a:t>which we’ll get to in a minute.</a:t>
+            </a:r>
+          </a:p>
+        </p:txBody>
+      </p:sp>
+      <p:pic>
+        <p:nvPicPr>
+          <p:cNvPr id="8194" name="Picture 2" descr="Image result for golang gopher">
+            <a:extLst>
+              <a:ext uri="{FF2B5EF4-FFF2-40B4-BE49-F238E27FC236}">
+                <a16:creationId xmlns:a16="http://schemas.microsoft.com/office/drawing/2014/main" id="{34B8797E-3CA4-0C4E-AF4B-BC22A4C521C1}"/>
+              </a:ext>
+            </a:extLst>
+          </p:cNvPr>
+          <p:cNvPicPr>
+            <a:picLocks noChangeAspect="1" noChangeArrowheads="1"/>
+          </p:cNvPicPr>
+          <p:nvPr/>
+        </p:nvPicPr>
+        <p:blipFill>
+          <a:blip r:embed="rId2">
+            <a:extLst>
+              <a:ext uri="{28A0092B-C50C-407E-A947-70E740481C1C}">
+                <a14:useLocalDpi xmlns:a14="http://schemas.microsoft.com/office/drawing/2010/main" val="0"/>
+              </a:ext>
+            </a:extLst>
+          </a:blip>
+          <a:srcRect/>
+          <a:stretch>
+            <a:fillRect/>
+          </a:stretch>
+        </p:blipFill>
+        <p:spPr bwMode="auto">
+          <a:xfrm>
+            <a:off x="3700348" y="4063608"/>
+            <a:ext cx="3289300" cy="2463800"/>
+          </a:xfrm>
+          <a:prstGeom prst="rect">
+            <a:avLst/>
+          </a:prstGeom>
+          <a:noFill/>
+          <a:extLst>
+            <a:ext uri="{909E8E84-426E-40DD-AFC4-6F175D3DCCD1}">
+              <a14:hiddenFill xmlns:a14="http://schemas.microsoft.com/office/drawing/2010/main">
+                <a:solidFill>
+                  <a:srgbClr val="FFFFFF"/>
+                </a:solidFill>
+              </a14:hiddenFill>
+            </a:ext>
+          </a:extLst>
+        </p:spPr>
+      </p:pic>
+    </p:spTree>
+    <p:extLst>
+      <p:ext uri="{BB962C8B-B14F-4D97-AF65-F5344CB8AC3E}">
+        <p14:creationId xmlns:p14="http://schemas.microsoft.com/office/powerpoint/2010/main" val="960623849"/>
+      </p:ext>
+    </p:extLst>
+  </p:cSld>
+  <p:clrMapOvr>
+    <a:masterClrMapping/>
+  </p:clrMapOvr>
+</p:sld>
+</file>
+
+<file path=ppt/slides/slide38.xml><?xml version="1.0" encoding="utf-8"?>
+<p:sld xmlns:a="http://schemas.openxmlformats.org/drawingml/2006/main" xmlns:r="http://schemas.openxmlformats.org/officeDocument/2006/relationships" xmlns:p="http://schemas.openxmlformats.org/presentationml/2006/main">
+  <p:cSld>
+    <p:spTree>
+      <p:nvGrpSpPr>
+        <p:cNvPr id="1" name=""/>
+        <p:cNvGrpSpPr/>
+        <p:nvPr/>
+      </p:nvGrpSpPr>
+      <p:grpSpPr>
+        <a:xfrm>
+          <a:off x="0" y="0"/>
+          <a:ext cx="0" cy="0"/>
+          <a:chOff x="0" y="0"/>
+          <a:chExt cx="0" cy="0"/>
+        </a:xfrm>
+      </p:grpSpPr>
+      <p:sp>
+        <p:nvSpPr>
+          <p:cNvPr id="2" name="Title 1">
+            <a:extLst>
+              <a:ext uri="{FF2B5EF4-FFF2-40B4-BE49-F238E27FC236}">
+                <a16:creationId xmlns:a16="http://schemas.microsoft.com/office/drawing/2014/main" id="{C269B661-D496-FE40-9D9D-0ADFDEE87B5F}"/>
+              </a:ext>
+            </a:extLst>
+          </p:cNvPr>
+          <p:cNvSpPr>
+            <a:spLocks noGrp="1"/>
+          </p:cNvSpPr>
+          <p:nvPr>
+            <p:ph type="title"/>
+          </p:nvPr>
+        </p:nvSpPr>
+        <p:spPr/>
+        <p:txBody>
+          <a:bodyPr/>
+          <a:lstStyle/>
+          <a:p>
+            <a:r>
+              <a:rPr lang="en-US" dirty="0"/>
+              <a:t>Slices In GO</a:t>
+            </a:r>
+          </a:p>
+        </p:txBody>
+      </p:sp>
+      <p:sp>
+        <p:nvSpPr>
+          <p:cNvPr id="3" name="Text Placeholder 2">
+            <a:extLst>
+              <a:ext uri="{FF2B5EF4-FFF2-40B4-BE49-F238E27FC236}">
+                <a16:creationId xmlns:a16="http://schemas.microsoft.com/office/drawing/2014/main" id="{038D6BB0-459D-6844-A630-FA8ACC8EB9BA}"/>
+              </a:ext>
+            </a:extLst>
+          </p:cNvPr>
+          <p:cNvSpPr>
+            <a:spLocks noGrp="1"/>
+          </p:cNvSpPr>
+          <p:nvPr>
+            <p:ph type="body" idx="1"/>
+          </p:nvPr>
+        </p:nvSpPr>
+        <p:spPr/>
+        <p:txBody>
+          <a:bodyPr/>
+          <a:lstStyle/>
+          <a:p>
+            <a:r>
+              <a:rPr lang="en-US" dirty="0"/>
+              <a:t> At a first look- SLICES look the same as they do in most languages (Java, </a:t>
+            </a:r>
+            <a:r>
+              <a:rPr lang="en-US" dirty="0" err="1"/>
+              <a:t>javascript</a:t>
+            </a:r>
+            <a:r>
+              <a:rPr lang="en-US" dirty="0"/>
+              <a:t>, python)- you can pull a range from an array:</a:t>
+            </a:r>
+          </a:p>
+          <a:p>
+            <a:endParaRPr lang="en-US" dirty="0"/>
+          </a:p>
+          <a:p>
+            <a:pPr marL="177800" indent="0">
+              <a:buNone/>
+            </a:pPr>
+            <a:r>
+              <a:rPr lang="en-US" sz="2400" dirty="0">
+                <a:highlight>
+                  <a:srgbClr val="FFFF00"/>
+                </a:highlight>
+                <a:latin typeface="American Typewriter" panose="02090604020004020304" pitchFamily="18" charset="77"/>
+              </a:rPr>
+              <a:t> chars := []string{ “</a:t>
+            </a:r>
+            <a:r>
+              <a:rPr lang="en-US" sz="2400" dirty="0" err="1">
+                <a:highlight>
+                  <a:srgbClr val="FFFF00"/>
+                </a:highlight>
+                <a:latin typeface="American Typewriter" panose="02090604020004020304" pitchFamily="18" charset="77"/>
+              </a:rPr>
+              <a:t>Torgo</a:t>
+            </a:r>
+            <a:r>
+              <a:rPr lang="en-US" sz="2400" dirty="0">
+                <a:highlight>
+                  <a:srgbClr val="FFFF00"/>
+                </a:highlight>
+                <a:latin typeface="American Typewriter" panose="02090604020004020304" pitchFamily="18" charset="77"/>
+              </a:rPr>
+              <a:t>”, “Master”, “Debbie”, “Michael”, “Margaret”}</a:t>
+            </a:r>
+          </a:p>
+          <a:p>
+            <a:pPr marL="177800" indent="0">
+              <a:buNone/>
+            </a:pPr>
+            <a:endParaRPr lang="en-US" sz="2400" dirty="0">
+              <a:highlight>
+                <a:srgbClr val="FFFF00"/>
+              </a:highlight>
+              <a:latin typeface="American Typewriter" panose="02090604020004020304" pitchFamily="18" charset="77"/>
+            </a:endParaRPr>
+          </a:p>
+          <a:p>
+            <a:pPr marL="177800" indent="0">
+              <a:buNone/>
+            </a:pPr>
+            <a:r>
+              <a:rPr lang="en-US" sz="2400" dirty="0">
+                <a:highlight>
+                  <a:srgbClr val="FFFF00"/>
+                </a:highlight>
+                <a:latin typeface="American Typewriter" panose="02090604020004020304" pitchFamily="18" charset="77"/>
+              </a:rPr>
+              <a:t>family := chars[2:5]</a:t>
+            </a:r>
+          </a:p>
+        </p:txBody>
+      </p:sp>
+      <p:pic>
+        <p:nvPicPr>
+          <p:cNvPr id="9218" name="Picture 2" descr="Image result for golang gopher">
+            <a:extLst>
+              <a:ext uri="{FF2B5EF4-FFF2-40B4-BE49-F238E27FC236}">
+                <a16:creationId xmlns:a16="http://schemas.microsoft.com/office/drawing/2014/main" id="{3618DAD1-A0B8-BC4E-B7CB-902158876389}"/>
+              </a:ext>
+            </a:extLst>
+          </p:cNvPr>
+          <p:cNvPicPr>
+            <a:picLocks noChangeAspect="1" noChangeArrowheads="1"/>
+          </p:cNvPicPr>
+          <p:nvPr/>
+        </p:nvPicPr>
+        <p:blipFill>
+          <a:blip r:embed="rId2">
+            <a:extLst>
+              <a:ext uri="{28A0092B-C50C-407E-A947-70E740481C1C}">
+                <a14:useLocalDpi xmlns:a14="http://schemas.microsoft.com/office/drawing/2010/main" val="0"/>
+              </a:ext>
+            </a:extLst>
+          </a:blip>
+          <a:srcRect/>
+          <a:stretch>
+            <a:fillRect/>
+          </a:stretch>
+        </p:blipFill>
+        <p:spPr bwMode="auto">
+          <a:xfrm>
+            <a:off x="5580668" y="3797907"/>
+            <a:ext cx="2591324" cy="2602892"/>
+          </a:xfrm>
+          <a:prstGeom prst="rect">
+            <a:avLst/>
+          </a:prstGeom>
+          <a:noFill/>
+          <a:extLst>
+            <a:ext uri="{909E8E84-426E-40DD-AFC4-6F175D3DCCD1}">
+              <a14:hiddenFill xmlns:a14="http://schemas.microsoft.com/office/drawing/2010/main">
+                <a:solidFill>
+                  <a:srgbClr val="FFFFFF"/>
+                </a:solidFill>
+              </a14:hiddenFill>
+            </a:ext>
+          </a:extLst>
+        </p:spPr>
+      </p:pic>
+    </p:spTree>
+    <p:extLst>
+      <p:ext uri="{BB962C8B-B14F-4D97-AF65-F5344CB8AC3E}">
+        <p14:creationId xmlns:p14="http://schemas.microsoft.com/office/powerpoint/2010/main" val="4266426935"/>
+      </p:ext>
+    </p:extLst>
+  </p:cSld>
+  <p:clrMapOvr>
+    <a:masterClrMapping/>
+  </p:clrMapOvr>
+</p:sld>
+</file>
+
+<file path=ppt/slides/slide39.xml><?xml version="1.0" encoding="utf-8"?>
+<p:sld xmlns:a="http://schemas.openxmlformats.org/drawingml/2006/main" xmlns:r="http://schemas.openxmlformats.org/officeDocument/2006/relationships" xmlns:p="http://schemas.openxmlformats.org/presentationml/2006/main">
+  <p:cSld>
+    <p:spTree>
+      <p:nvGrpSpPr>
+        <p:cNvPr id="1" name=""/>
+        <p:cNvGrpSpPr/>
+        <p:nvPr/>
+      </p:nvGrpSpPr>
+      <p:grpSpPr>
+        <a:xfrm>
+          <a:off x="0" y="0"/>
+          <a:ext cx="0" cy="0"/>
+          <a:chOff x="0" y="0"/>
+          <a:chExt cx="0" cy="0"/>
+        </a:xfrm>
+      </p:grpSpPr>
+      <p:sp>
+        <p:nvSpPr>
+          <p:cNvPr id="2" name="Title 1">
+            <a:extLst>
+              <a:ext uri="{FF2B5EF4-FFF2-40B4-BE49-F238E27FC236}">
+                <a16:creationId xmlns:a16="http://schemas.microsoft.com/office/drawing/2014/main" id="{0B8504C0-4B48-5D41-B600-A4A6C3C19EAB}"/>
+              </a:ext>
+            </a:extLst>
+          </p:cNvPr>
+          <p:cNvSpPr>
+            <a:spLocks noGrp="1"/>
+          </p:cNvSpPr>
+          <p:nvPr>
+            <p:ph type="title"/>
+          </p:nvPr>
+        </p:nvSpPr>
+        <p:spPr/>
+        <p:txBody>
+          <a:bodyPr/>
+          <a:lstStyle/>
+          <a:p>
+            <a:r>
+              <a:rPr lang="en-US" dirty="0"/>
+              <a:t>Slices- a couple more notes</a:t>
+            </a:r>
+          </a:p>
+        </p:txBody>
+      </p:sp>
+      <p:sp>
+        <p:nvSpPr>
+          <p:cNvPr id="3" name="Text Placeholder 2">
+            <a:extLst>
+              <a:ext uri="{FF2B5EF4-FFF2-40B4-BE49-F238E27FC236}">
+                <a16:creationId xmlns:a16="http://schemas.microsoft.com/office/drawing/2014/main" id="{BE7F13DC-0CE4-5F43-9FBF-FA8F5FDF5697}"/>
+              </a:ext>
+            </a:extLst>
+          </p:cNvPr>
+          <p:cNvSpPr>
+            <a:spLocks noGrp="1"/>
+          </p:cNvSpPr>
+          <p:nvPr>
+            <p:ph type="body" idx="1"/>
+          </p:nvPr>
+        </p:nvSpPr>
+        <p:spPr/>
+        <p:txBody>
+          <a:bodyPr/>
+          <a:lstStyle/>
+          <a:p>
+            <a:r>
+              <a:rPr lang="en-US" dirty="0"/>
+              <a:t> So- something else to know about slices:</a:t>
+            </a:r>
+          </a:p>
+          <a:p>
+            <a:pPr lvl="1"/>
+            <a:r>
+              <a:rPr lang="en-US" dirty="0"/>
+              <a:t>When they come from Pre- created arrays you cannot extend the length of the array. They are reference types- they refer to an underlying array so modifying the elements of a slice will modify the corresponding elements in the referenced array.</a:t>
+            </a:r>
+          </a:p>
+          <a:p>
+            <a:pPr lvl="1"/>
+            <a:r>
+              <a:rPr lang="en-US" dirty="0"/>
+              <a:t>IF you modify in a slice then other slices that refer to that same array </a:t>
+            </a:r>
+            <a:r>
+              <a:rPr lang="en-US" b="1" i="1" dirty="0"/>
+              <a:t>will see those changes</a:t>
+            </a:r>
+            <a:r>
+              <a:rPr lang="en-US" i="1" dirty="0"/>
+              <a:t>.</a:t>
+            </a:r>
+            <a:endParaRPr lang="en-US" dirty="0"/>
+          </a:p>
+          <a:p>
+            <a:pPr lvl="1"/>
+            <a:endParaRPr lang="en-US" dirty="0"/>
+          </a:p>
+        </p:txBody>
+      </p:sp>
+      <p:pic>
+        <p:nvPicPr>
+          <p:cNvPr id="10242" name="Picture 2" descr="Image result for golang gopher">
+            <a:extLst>
+              <a:ext uri="{FF2B5EF4-FFF2-40B4-BE49-F238E27FC236}">
+                <a16:creationId xmlns:a16="http://schemas.microsoft.com/office/drawing/2014/main" id="{E05E0972-8C92-1144-824D-6E8B3D598AE2}"/>
+              </a:ext>
+            </a:extLst>
+          </p:cNvPr>
+          <p:cNvPicPr>
+            <a:picLocks noChangeAspect="1" noChangeArrowheads="1"/>
+          </p:cNvPicPr>
+          <p:nvPr/>
+        </p:nvPicPr>
+        <p:blipFill>
+          <a:blip r:embed="rId2">
+            <a:extLst>
+              <a:ext uri="{28A0092B-C50C-407E-A947-70E740481C1C}">
+                <a14:useLocalDpi xmlns:a14="http://schemas.microsoft.com/office/drawing/2010/main" val="0"/>
+              </a:ext>
+            </a:extLst>
+          </a:blip>
+          <a:srcRect/>
+          <a:stretch>
+            <a:fillRect/>
+          </a:stretch>
+        </p:blipFill>
+        <p:spPr bwMode="auto">
+          <a:xfrm>
+            <a:off x="2832100" y="4318000"/>
+            <a:ext cx="3479800" cy="2336800"/>
+          </a:xfrm>
+          <a:prstGeom prst="rect">
+            <a:avLst/>
+          </a:prstGeom>
+          <a:noFill/>
+          <a:extLst>
+            <a:ext uri="{909E8E84-426E-40DD-AFC4-6F175D3DCCD1}">
+              <a14:hiddenFill xmlns:a14="http://schemas.microsoft.com/office/drawing/2010/main">
+                <a:solidFill>
+                  <a:srgbClr val="FFFFFF"/>
+                </a:solidFill>
+              </a14:hiddenFill>
+            </a:ext>
+          </a:extLst>
+        </p:spPr>
+      </p:pic>
+    </p:spTree>
+    <p:extLst>
+      <p:ext uri="{BB962C8B-B14F-4D97-AF65-F5344CB8AC3E}">
+        <p14:creationId xmlns:p14="http://schemas.microsoft.com/office/powerpoint/2010/main" val="157044444"/>
       </p:ext>
     </p:extLst>
   </p:cSld>
@@ -16433,6 +17667,562 @@
     <p:extLst>
       <p:ext uri="{BB962C8B-B14F-4D97-AF65-F5344CB8AC3E}">
         <p14:creationId xmlns:p14="http://schemas.microsoft.com/office/powerpoint/2010/main" val="320878273"/>
+      </p:ext>
+    </p:extLst>
+  </p:cSld>
+  <p:clrMapOvr>
+    <a:masterClrMapping/>
+  </p:clrMapOvr>
+</p:sld>
+</file>
+
+<file path=ppt/slides/slide40.xml><?xml version="1.0" encoding="utf-8"?>
+<p:sld xmlns:a="http://schemas.openxmlformats.org/drawingml/2006/main" xmlns:r="http://schemas.openxmlformats.org/officeDocument/2006/relationships" xmlns:p="http://schemas.openxmlformats.org/presentationml/2006/main">
+  <p:cSld>
+    <p:spTree>
+      <p:nvGrpSpPr>
+        <p:cNvPr id="1" name=""/>
+        <p:cNvGrpSpPr/>
+        <p:nvPr/>
+      </p:nvGrpSpPr>
+      <p:grpSpPr>
+        <a:xfrm>
+          <a:off x="0" y="0"/>
+          <a:ext cx="0" cy="0"/>
+          <a:chOff x="0" y="0"/>
+          <a:chExt cx="0" cy="0"/>
+        </a:xfrm>
+      </p:grpSpPr>
+      <p:sp>
+        <p:nvSpPr>
+          <p:cNvPr id="2" name="Title 1">
+            <a:extLst>
+              <a:ext uri="{FF2B5EF4-FFF2-40B4-BE49-F238E27FC236}">
+                <a16:creationId xmlns:a16="http://schemas.microsoft.com/office/drawing/2014/main" id="{54C125FF-6012-CA44-AAA4-A1EA6C70E304}"/>
+              </a:ext>
+            </a:extLst>
+          </p:cNvPr>
+          <p:cNvSpPr>
+            <a:spLocks noGrp="1"/>
+          </p:cNvSpPr>
+          <p:nvPr>
+            <p:ph type="title"/>
+          </p:nvPr>
+        </p:nvSpPr>
+        <p:spPr/>
+        <p:txBody>
+          <a:bodyPr/>
+          <a:lstStyle/>
+          <a:p>
+            <a:r>
+              <a:rPr lang="en-US" dirty="0"/>
+              <a:t>Slices as Dynamic Arrays</a:t>
+            </a:r>
+          </a:p>
+        </p:txBody>
+      </p:sp>
+      <p:sp>
+        <p:nvSpPr>
+          <p:cNvPr id="3" name="Text Placeholder 2">
+            <a:extLst>
+              <a:ext uri="{FF2B5EF4-FFF2-40B4-BE49-F238E27FC236}">
+                <a16:creationId xmlns:a16="http://schemas.microsoft.com/office/drawing/2014/main" id="{ED4093EE-A940-8C4B-BD5C-CF6BC6B1913B}"/>
+              </a:ext>
+            </a:extLst>
+          </p:cNvPr>
+          <p:cNvSpPr>
+            <a:spLocks noGrp="1"/>
+          </p:cNvSpPr>
+          <p:nvPr>
+            <p:ph type="body" idx="1"/>
+          </p:nvPr>
+        </p:nvSpPr>
+        <p:spPr/>
+        <p:txBody>
+          <a:bodyPr/>
+          <a:lstStyle/>
+          <a:p>
+            <a:r>
+              <a:rPr lang="en-US" dirty="0"/>
+              <a:t> You can use the </a:t>
+            </a:r>
+            <a:r>
+              <a:rPr lang="en-US" b="1" dirty="0"/>
+              <a:t>make</a:t>
+            </a:r>
+            <a:r>
+              <a:rPr lang="en-US" dirty="0"/>
+              <a:t> built-in function to create a slice that will generate whatever length you like-– so, for example, if you have an </a:t>
+            </a:r>
+            <a:r>
+              <a:rPr lang="en-US" dirty="0" err="1"/>
+              <a:t>api</a:t>
+            </a:r>
+            <a:r>
+              <a:rPr lang="en-US" dirty="0"/>
+              <a:t> hit that returns a various length JSON list you can use the MAKE to create the proper size GO array:</a:t>
+            </a:r>
+          </a:p>
+          <a:p>
+            <a:endParaRPr lang="en-US" dirty="0"/>
+          </a:p>
+          <a:p>
+            <a:pPr marL="177800" indent="0">
+              <a:buNone/>
+            </a:pPr>
+            <a:r>
+              <a:rPr lang="en-US" sz="2400" dirty="0">
+                <a:highlight>
+                  <a:srgbClr val="FFFF00"/>
+                </a:highlight>
+                <a:latin typeface="American Typewriter" panose="02090604020004020304" pitchFamily="18" charset="77"/>
+              </a:rPr>
+              <a:t>a := </a:t>
+            </a:r>
+            <a:r>
+              <a:rPr lang="en-US" sz="2400" dirty="0" err="1">
+                <a:highlight>
+                  <a:srgbClr val="FFFF00"/>
+                </a:highlight>
+                <a:latin typeface="American Typewriter" panose="02090604020004020304" pitchFamily="18" charset="77"/>
+              </a:rPr>
+              <a:t>len</a:t>
+            </a:r>
+            <a:r>
+              <a:rPr lang="en-US" sz="2400" dirty="0">
+                <a:highlight>
+                  <a:srgbClr val="FFFF00"/>
+                </a:highlight>
+                <a:latin typeface="American Typewriter" panose="02090604020004020304" pitchFamily="18" charset="77"/>
+              </a:rPr>
+              <a:t>(</a:t>
+            </a:r>
+            <a:r>
+              <a:rPr lang="en-US" sz="2400" dirty="0" err="1">
+                <a:highlight>
+                  <a:srgbClr val="FFFF00"/>
+                </a:highlight>
+                <a:latin typeface="American Typewriter" panose="02090604020004020304" pitchFamily="18" charset="77"/>
+              </a:rPr>
+              <a:t>someJSONlist</a:t>
+            </a:r>
+            <a:r>
+              <a:rPr lang="en-US" sz="2400" dirty="0">
+                <a:highlight>
+                  <a:srgbClr val="FFFF00"/>
+                </a:highlight>
+                <a:latin typeface="American Typewriter" panose="02090604020004020304" pitchFamily="18" charset="77"/>
+              </a:rPr>
+              <a:t>)</a:t>
+            </a:r>
+          </a:p>
+          <a:p>
+            <a:pPr marL="177800" indent="0">
+              <a:buNone/>
+            </a:pPr>
+            <a:r>
+              <a:rPr lang="en-US" sz="2400" dirty="0">
+                <a:highlight>
+                  <a:srgbClr val="FFFF00"/>
+                </a:highlight>
+                <a:latin typeface="American Typewriter" panose="02090604020004020304" pitchFamily="18" charset="77"/>
+              </a:rPr>
+              <a:t>b := make([]string, a) </a:t>
+            </a:r>
+          </a:p>
+          <a:p>
+            <a:pPr marL="177800" indent="0">
+              <a:buNone/>
+            </a:pPr>
+            <a:r>
+              <a:rPr lang="en-US" sz="2400" dirty="0">
+                <a:highlight>
+                  <a:srgbClr val="FFFF00"/>
+                </a:highlight>
+                <a:latin typeface="American Typewriter" panose="02090604020004020304" pitchFamily="18" charset="77"/>
+              </a:rPr>
+              <a:t>// THIS creates an array of “a” size…so the last element will be b[a]</a:t>
+            </a:r>
+          </a:p>
+        </p:txBody>
+      </p:sp>
+      <p:sp>
+        <p:nvSpPr>
+          <p:cNvPr id="4" name="TextBox 3">
+            <a:extLst>
+              <a:ext uri="{FF2B5EF4-FFF2-40B4-BE49-F238E27FC236}">
+                <a16:creationId xmlns:a16="http://schemas.microsoft.com/office/drawing/2014/main" id="{382069BE-B542-C24F-ADE6-7D568E4062B1}"/>
+              </a:ext>
+            </a:extLst>
+          </p:cNvPr>
+          <p:cNvSpPr txBox="1"/>
+          <p:nvPr/>
+        </p:nvSpPr>
+        <p:spPr>
+          <a:xfrm>
+            <a:off x="-575035" y="5476973"/>
+            <a:ext cx="184731" cy="307777"/>
+          </a:xfrm>
+          <a:prstGeom prst="rect">
+            <a:avLst/>
+          </a:prstGeom>
+          <a:noFill/>
+        </p:spPr>
+        <p:txBody>
+          <a:bodyPr wrap="none" rtlCol="0">
+            <a:spAutoFit/>
+          </a:bodyPr>
+          <a:lstStyle/>
+          <a:p>
+            <a:endParaRPr lang="en-US" dirty="0"/>
+          </a:p>
+        </p:txBody>
+      </p:sp>
+      <p:pic>
+        <p:nvPicPr>
+          <p:cNvPr id="11266" name="Picture 2" descr="Image result for golang gopher">
+            <a:extLst>
+              <a:ext uri="{FF2B5EF4-FFF2-40B4-BE49-F238E27FC236}">
+                <a16:creationId xmlns:a16="http://schemas.microsoft.com/office/drawing/2014/main" id="{E0F22052-A85B-F747-A4B2-58AC34F9DB3B}"/>
+              </a:ext>
+            </a:extLst>
+          </p:cNvPr>
+          <p:cNvPicPr>
+            <a:picLocks noChangeAspect="1" noChangeArrowheads="1"/>
+          </p:cNvPicPr>
+          <p:nvPr/>
+        </p:nvPicPr>
+        <p:blipFill>
+          <a:blip r:embed="rId2">
+            <a:extLst>
+              <a:ext uri="{28A0092B-C50C-407E-A947-70E740481C1C}">
+                <a14:useLocalDpi xmlns:a14="http://schemas.microsoft.com/office/drawing/2010/main" val="0"/>
+              </a:ext>
+            </a:extLst>
+          </a:blip>
+          <a:srcRect/>
+          <a:stretch>
+            <a:fillRect/>
+          </a:stretch>
+        </p:blipFill>
+        <p:spPr bwMode="auto">
+          <a:xfrm>
+            <a:off x="5854045" y="3416265"/>
+            <a:ext cx="2303020" cy="1435333"/>
+          </a:xfrm>
+          <a:prstGeom prst="rect">
+            <a:avLst/>
+          </a:prstGeom>
+          <a:noFill/>
+          <a:extLst>
+            <a:ext uri="{909E8E84-426E-40DD-AFC4-6F175D3DCCD1}">
+              <a14:hiddenFill xmlns:a14="http://schemas.microsoft.com/office/drawing/2010/main">
+                <a:solidFill>
+                  <a:srgbClr val="FFFFFF"/>
+                </a:solidFill>
+              </a14:hiddenFill>
+            </a:ext>
+          </a:extLst>
+        </p:spPr>
+      </p:pic>
+    </p:spTree>
+    <p:extLst>
+      <p:ext uri="{BB962C8B-B14F-4D97-AF65-F5344CB8AC3E}">
+        <p14:creationId xmlns:p14="http://schemas.microsoft.com/office/powerpoint/2010/main" val="2302267282"/>
+      </p:ext>
+    </p:extLst>
+  </p:cSld>
+  <p:clrMapOvr>
+    <a:masterClrMapping/>
+  </p:clrMapOvr>
+</p:sld>
+</file>
+
+<file path=ppt/slides/slide41.xml><?xml version="1.0" encoding="utf-8"?>
+<p:sld xmlns:a="http://schemas.openxmlformats.org/drawingml/2006/main" xmlns:r="http://schemas.openxmlformats.org/officeDocument/2006/relationships" xmlns:p="http://schemas.openxmlformats.org/presentationml/2006/main">
+  <p:cSld>
+    <p:spTree>
+      <p:nvGrpSpPr>
+        <p:cNvPr id="1" name="Shape 113"/>
+        <p:cNvGrpSpPr/>
+        <p:nvPr/>
+      </p:nvGrpSpPr>
+      <p:grpSpPr>
+        <a:xfrm>
+          <a:off x="0" y="0"/>
+          <a:ext cx="0" cy="0"/>
+          <a:chOff x="0" y="0"/>
+          <a:chExt cx="0" cy="0"/>
+        </a:xfrm>
+      </p:grpSpPr>
+      <p:sp>
+        <p:nvSpPr>
+          <p:cNvPr id="114" name="Shape 114"/>
+          <p:cNvSpPr txBox="1">
+            <a:spLocks noGrp="1"/>
+          </p:cNvSpPr>
+          <p:nvPr>
+            <p:ph type="title"/>
+          </p:nvPr>
+        </p:nvSpPr>
+        <p:spPr>
+          <a:xfrm>
+            <a:off x="76200" y="152400"/>
+            <a:ext cx="8991600" cy="671400"/>
+          </a:xfrm>
+          <a:prstGeom prst="rect">
+            <a:avLst/>
+          </a:prstGeom>
+        </p:spPr>
+        <p:txBody>
+          <a:bodyPr lIns="91425" tIns="91425" rIns="91425" bIns="91425" anchor="ctr" anchorCtr="0">
+            <a:noAutofit/>
+          </a:bodyPr>
+          <a:lstStyle/>
+          <a:p>
+            <a:pPr lvl="0">
+              <a:spcBef>
+                <a:spcPts val="0"/>
+              </a:spcBef>
+              <a:buNone/>
+            </a:pPr>
+            <a:r>
+              <a:rPr lang="en-US" dirty="0"/>
+              <a:t>Golang Playground</a:t>
+            </a:r>
+            <a:endParaRPr dirty="0"/>
+          </a:p>
+        </p:txBody>
+      </p:sp>
+      <p:sp>
+        <p:nvSpPr>
+          <p:cNvPr id="115" name="Shape 115"/>
+          <p:cNvSpPr txBox="1">
+            <a:spLocks noGrp="1"/>
+          </p:cNvSpPr>
+          <p:nvPr>
+            <p:ph type="body" idx="1"/>
+          </p:nvPr>
+        </p:nvSpPr>
+        <p:spPr>
+          <a:xfrm>
+            <a:off x="76200" y="1240810"/>
+            <a:ext cx="8991600" cy="4070929"/>
+          </a:xfrm>
+          <a:prstGeom prst="rect">
+            <a:avLst/>
+          </a:prstGeom>
+        </p:spPr>
+        <p:txBody>
+          <a:bodyPr lIns="91425" tIns="91425" rIns="91425" bIns="91425" anchor="t" anchorCtr="0">
+            <a:noAutofit/>
+          </a:bodyPr>
+          <a:lstStyle/>
+          <a:p>
+            <a:pPr lvl="2">
+              <a:spcBef>
+                <a:spcPts val="0"/>
+              </a:spcBef>
+            </a:pPr>
+            <a:r>
+              <a:rPr lang="en-US" dirty="0">
+                <a:solidFill>
+                  <a:schemeClr val="tx1"/>
+                </a:solidFill>
+                <a:latin typeface="+mn-lt"/>
+              </a:rPr>
+              <a:t>All of this being said- this is what we’re going to use going forward for most of our intro coding!</a:t>
+            </a:r>
+          </a:p>
+          <a:p>
+            <a:pPr lvl="2">
+              <a:spcBef>
+                <a:spcPts val="0"/>
+              </a:spcBef>
+            </a:pPr>
+            <a:r>
+              <a:rPr lang="en-US" dirty="0">
+                <a:solidFill>
+                  <a:schemeClr val="tx1"/>
+                </a:solidFill>
+                <a:latin typeface="+mn-lt"/>
+              </a:rPr>
+              <a:t>We are now set up and ready to ”go!”</a:t>
+            </a:r>
+          </a:p>
+          <a:p>
+            <a:pPr lvl="2">
+              <a:spcBef>
+                <a:spcPts val="0"/>
+              </a:spcBef>
+            </a:pPr>
+            <a:r>
+              <a:rPr lang="en-US" dirty="0">
+                <a:solidFill>
+                  <a:schemeClr val="tx1"/>
+                </a:solidFill>
+                <a:latin typeface="+mn-lt"/>
+              </a:rPr>
+              <a:t> </a:t>
+            </a:r>
+            <a:r>
+              <a:rPr lang="en-US" sz="3200" dirty="0">
+                <a:solidFill>
+                  <a:schemeClr val="tx1"/>
+                </a:solidFill>
+                <a:latin typeface="+mn-lt"/>
+              </a:rPr>
+              <a:t>ANY QUESTIONS?!?</a:t>
+            </a:r>
+          </a:p>
+          <a:p>
+            <a:pPr lvl="3">
+              <a:spcBef>
+                <a:spcPts val="0"/>
+              </a:spcBef>
+            </a:pPr>
+            <a:endParaRPr lang="en-US" dirty="0">
+              <a:solidFill>
+                <a:schemeClr val="tx1"/>
+              </a:solidFill>
+              <a:latin typeface="+mn-lt"/>
+            </a:endParaRPr>
+          </a:p>
+          <a:p>
+            <a:pPr lvl="2">
+              <a:spcBef>
+                <a:spcPts val="0"/>
+              </a:spcBef>
+            </a:pPr>
+            <a:endParaRPr lang="en-US" dirty="0">
+              <a:solidFill>
+                <a:schemeClr val="tx1"/>
+              </a:solidFill>
+            </a:endParaRPr>
+          </a:p>
+          <a:p>
+            <a:pPr marL="1485900" lvl="3" indent="0">
+              <a:spcBef>
+                <a:spcPts val="0"/>
+              </a:spcBef>
+              <a:buNone/>
+            </a:pPr>
+            <a:endParaRPr lang="en-US" dirty="0">
+              <a:solidFill>
+                <a:schemeClr val="tx1"/>
+              </a:solidFill>
+              <a:latin typeface="+mn-lt"/>
+            </a:endParaRPr>
+          </a:p>
+          <a:p>
+            <a:pPr marL="1485900" lvl="3" indent="0">
+              <a:spcBef>
+                <a:spcPts val="0"/>
+              </a:spcBef>
+              <a:buNone/>
+            </a:pPr>
+            <a:endParaRPr lang="en-US" dirty="0">
+              <a:solidFill>
+                <a:schemeClr val="tx1"/>
+              </a:solidFill>
+              <a:latin typeface="+mn-lt"/>
+            </a:endParaRPr>
+          </a:p>
+          <a:p>
+            <a:pPr marL="1485900" lvl="3" indent="0">
+              <a:spcBef>
+                <a:spcPts val="0"/>
+              </a:spcBef>
+              <a:buNone/>
+            </a:pPr>
+            <a:endParaRPr lang="en-US" dirty="0">
+              <a:solidFill>
+                <a:schemeClr val="tx1"/>
+              </a:solidFill>
+              <a:latin typeface="+mn-lt"/>
+            </a:endParaRPr>
+          </a:p>
+          <a:p>
+            <a:pPr marL="1485900" lvl="3" indent="0">
+              <a:spcBef>
+                <a:spcPts val="0"/>
+              </a:spcBef>
+              <a:buNone/>
+            </a:pPr>
+            <a:endParaRPr lang="en-US" dirty="0">
+              <a:solidFill>
+                <a:schemeClr val="tx1"/>
+              </a:solidFill>
+              <a:latin typeface="+mn-lt"/>
+            </a:endParaRPr>
+          </a:p>
+          <a:p>
+            <a:pPr marL="1485900" lvl="3" indent="0">
+              <a:spcBef>
+                <a:spcPts val="0"/>
+              </a:spcBef>
+              <a:buNone/>
+            </a:pPr>
+            <a:endParaRPr lang="en-US" dirty="0">
+              <a:solidFill>
+                <a:schemeClr val="tx1"/>
+              </a:solidFill>
+              <a:latin typeface="+mn-lt"/>
+            </a:endParaRPr>
+          </a:p>
+        </p:txBody>
+      </p:sp>
+      <p:pic>
+        <p:nvPicPr>
+          <p:cNvPr id="14338" name="Picture 2" descr="Image result for golang gopher, images">
+            <a:extLst>
+              <a:ext uri="{FF2B5EF4-FFF2-40B4-BE49-F238E27FC236}">
+                <a16:creationId xmlns:a16="http://schemas.microsoft.com/office/drawing/2014/main" id="{99F98B07-359E-7D45-BFB0-9CFB89F92F9B}"/>
+              </a:ext>
+            </a:extLst>
+          </p:cNvPr>
+          <p:cNvPicPr>
+            <a:picLocks noChangeAspect="1" noChangeArrowheads="1"/>
+          </p:cNvPicPr>
+          <p:nvPr/>
+        </p:nvPicPr>
+        <p:blipFill>
+          <a:blip r:embed="rId3">
+            <a:extLst>
+              <a:ext uri="{28A0092B-C50C-407E-A947-70E740481C1C}">
+                <a14:useLocalDpi xmlns:a14="http://schemas.microsoft.com/office/drawing/2010/main" val="0"/>
+              </a:ext>
+            </a:extLst>
+          </a:blip>
+          <a:srcRect/>
+          <a:stretch>
+            <a:fillRect/>
+          </a:stretch>
+        </p:blipFill>
+        <p:spPr bwMode="auto">
+          <a:xfrm>
+            <a:off x="3075040" y="3147245"/>
+            <a:ext cx="2603500" cy="3111500"/>
+          </a:xfrm>
+          <a:prstGeom prst="rect">
+            <a:avLst/>
+          </a:prstGeom>
+          <a:noFill/>
+          <a:extLst>
+            <a:ext uri="{909E8E84-426E-40DD-AFC4-6F175D3DCCD1}">
+              <a14:hiddenFill xmlns:a14="http://schemas.microsoft.com/office/drawing/2010/main">
+                <a:solidFill>
+                  <a:srgbClr val="FFFFFF"/>
+                </a:solidFill>
+              </a14:hiddenFill>
+            </a:ext>
+          </a:extLst>
+        </p:spPr>
+      </p:pic>
+    </p:spTree>
+    <p:extLst>
+      <p:ext uri="{BB962C8B-B14F-4D97-AF65-F5344CB8AC3E}">
+        <p14:creationId xmlns:p14="http://schemas.microsoft.com/office/powerpoint/2010/main" val="3120604218"/>
       </p:ext>
     </p:extLst>
   </p:cSld>

--- a/Module_Two/presentations/module_2_presentation.pptx
+++ b/Module_Two/presentations/module_2_presentation.pptx
@@ -5,7 +5,7 @@
     <p:sldMasterId id="2147483655" r:id="rId1"/>
   </p:sldMasterIdLst>
   <p:notesMasterIdLst>
-    <p:notesMasterId r:id="rId43"/>
+    <p:notesMasterId r:id="rId59"/>
   </p:notesMasterIdLst>
   <p:sldIdLst>
     <p:sldId id="256" r:id="rId2"/>
@@ -48,7 +48,23 @@
     <p:sldId id="518" r:id="rId39"/>
     <p:sldId id="519" r:id="rId40"/>
     <p:sldId id="520" r:id="rId41"/>
-    <p:sldId id="489" r:id="rId42"/>
+    <p:sldId id="521" r:id="rId42"/>
+    <p:sldId id="522" r:id="rId43"/>
+    <p:sldId id="523" r:id="rId44"/>
+    <p:sldId id="524" r:id="rId45"/>
+    <p:sldId id="525" r:id="rId46"/>
+    <p:sldId id="526" r:id="rId47"/>
+    <p:sldId id="528" r:id="rId48"/>
+    <p:sldId id="529" r:id="rId49"/>
+    <p:sldId id="530" r:id="rId50"/>
+    <p:sldId id="531" r:id="rId51"/>
+    <p:sldId id="527" r:id="rId52"/>
+    <p:sldId id="532" r:id="rId53"/>
+    <p:sldId id="533" r:id="rId54"/>
+    <p:sldId id="534" r:id="rId55"/>
+    <p:sldId id="535" r:id="rId56"/>
+    <p:sldId id="536" r:id="rId57"/>
+    <p:sldId id="489" r:id="rId58"/>
   </p:sldIdLst>
   <p:sldSz cx="9144000" cy="6858000" type="screen4x3"/>
   <p:notesSz cx="6858000" cy="9144000"/>
@@ -3785,7 +3801,7 @@
             </a:pPr>
             <a:fld id="{00000000-1234-1234-1234-123412341234}" type="slidenum">
               <a:rPr lang="en-US"/>
-              <a:t>41</a:t>
+              <a:t>57</a:t>
             </a:fld>
             <a:endParaRPr lang="en-US"/>
           </a:p>
@@ -17943,7 +17959,7 @@
   <p:cSld>
     <p:spTree>
       <p:nvGrpSpPr>
-        <p:cNvPr id="1" name="Shape 113"/>
+        <p:cNvPr id="1" name=""/>
         <p:cNvGrpSpPr/>
         <p:nvPr/>
       </p:nvGrpSpPr>
@@ -17957,216 +17973,156 @@
       </p:grpSpPr>
       <p:sp>
         <p:nvSpPr>
-          <p:cNvPr id="114" name="Shape 114"/>
-          <p:cNvSpPr txBox="1">
+          <p:cNvPr id="2" name="Title 1">
+            <a:extLst>
+              <a:ext uri="{FF2B5EF4-FFF2-40B4-BE49-F238E27FC236}">
+                <a16:creationId xmlns:a16="http://schemas.microsoft.com/office/drawing/2014/main" id="{AF6E8099-0508-D848-A00A-BD861CFFA347}"/>
+              </a:ext>
+            </a:extLst>
+          </p:cNvPr>
+          <p:cNvSpPr>
             <a:spLocks noGrp="1"/>
           </p:cNvSpPr>
           <p:nvPr>
             <p:ph type="title"/>
           </p:nvPr>
         </p:nvSpPr>
-        <p:spPr>
-          <a:xfrm>
-            <a:off x="76200" y="152400"/>
-            <a:ext cx="8991600" cy="671400"/>
-          </a:xfrm>
-          <a:prstGeom prst="rect">
-            <a:avLst/>
-          </a:prstGeom>
-        </p:spPr>
+        <p:spPr/>
         <p:txBody>
-          <a:bodyPr lIns="91425" tIns="91425" rIns="91425" bIns="91425" anchor="ctr" anchorCtr="0">
-            <a:noAutofit/>
-          </a:bodyPr>
+          <a:bodyPr/>
           <a:lstStyle/>
           <a:p>
-            <a:pPr lvl="0">
-              <a:spcBef>
-                <a:spcPts val="0"/>
-              </a:spcBef>
-              <a:buNone/>
-            </a:pPr>
             <a:r>
               <a:rPr lang="en-US" dirty="0"/>
-              <a:t>Golang Playground</a:t>
-            </a:r>
-            <a:endParaRPr dirty="0"/>
+              <a:t>Maps in GO</a:t>
+            </a:r>
           </a:p>
         </p:txBody>
       </p:sp>
       <p:sp>
         <p:nvSpPr>
-          <p:cNvPr id="115" name="Shape 115"/>
-          <p:cNvSpPr txBox="1">
+          <p:cNvPr id="3" name="Text Placeholder 2">
+            <a:extLst>
+              <a:ext uri="{FF2B5EF4-FFF2-40B4-BE49-F238E27FC236}">
+                <a16:creationId xmlns:a16="http://schemas.microsoft.com/office/drawing/2014/main" id="{94078797-0EC7-4F45-9CD8-4C7D3E1EF536}"/>
+              </a:ext>
+            </a:extLst>
+          </p:cNvPr>
+          <p:cNvSpPr>
             <a:spLocks noGrp="1"/>
           </p:cNvSpPr>
           <p:nvPr>
             <p:ph type="body" idx="1"/>
           </p:nvPr>
         </p:nvSpPr>
-        <p:spPr>
-          <a:xfrm>
-            <a:off x="76200" y="1240810"/>
-            <a:ext cx="8991600" cy="4070929"/>
-          </a:xfrm>
-          <a:prstGeom prst="rect">
-            <a:avLst/>
-          </a:prstGeom>
-        </p:spPr>
+        <p:spPr/>
         <p:txBody>
-          <a:bodyPr lIns="91425" tIns="91425" rIns="91425" bIns="91425" anchor="t" anchorCtr="0">
-            <a:noAutofit/>
-          </a:bodyPr>
+          <a:bodyPr/>
           <a:lstStyle/>
           <a:p>
-            <a:pPr lvl="2">
-              <a:spcBef>
-                <a:spcPts val="0"/>
-              </a:spcBef>
+            <a:r>
+              <a:rPr lang="en-US" dirty="0"/>
+              <a:t> Dictionaries in python. OBJECTS in node. </a:t>
+            </a:r>
+            <a:r>
+              <a:rPr lang="en-US" b="1" dirty="0"/>
+              <a:t>Maps in GO. </a:t>
+            </a:r>
+          </a:p>
+          <a:p>
+            <a:r>
+              <a:rPr lang="en-US" dirty="0"/>
+              <a:t> Maps are hash table implementations </a:t>
+            </a:r>
+          </a:p>
+          <a:p>
+            <a:pPr marL="177800" indent="0">
+              <a:buNone/>
+            </a:pPr>
+            <a:endParaRPr lang="en-US" dirty="0">
+              <a:highlight>
+                <a:srgbClr val="FFFF00"/>
+              </a:highlight>
+              <a:latin typeface="American Typewriter" panose="02090604020004020304" pitchFamily="18" charset="77"/>
+            </a:endParaRPr>
+          </a:p>
+          <a:p>
+            <a:pPr marL="177800" indent="0">
+              <a:buNone/>
             </a:pPr>
             <a:r>
               <a:rPr lang="en-US" dirty="0">
-                <a:solidFill>
-                  <a:schemeClr val="tx1"/>
-                </a:solidFill>
+                <a:highlight>
+                  <a:srgbClr val="FFFF00"/>
+                </a:highlight>
+                <a:latin typeface="American Typewriter" panose="02090604020004020304" pitchFamily="18" charset="77"/>
+              </a:rPr>
+              <a:t>map[</a:t>
+            </a:r>
+            <a:r>
+              <a:rPr lang="en-US" dirty="0" err="1">
+                <a:highlight>
+                  <a:srgbClr val="FFFF00"/>
+                </a:highlight>
+                <a:latin typeface="American Typewriter" panose="02090604020004020304" pitchFamily="18" charset="77"/>
+              </a:rPr>
+              <a:t>KeyType</a:t>
+            </a:r>
+            <a:r>
+              <a:rPr lang="en-US" dirty="0">
+                <a:highlight>
+                  <a:srgbClr val="FFFF00"/>
+                </a:highlight>
+                <a:latin typeface="American Typewriter" panose="02090604020004020304" pitchFamily="18" charset="77"/>
+              </a:rPr>
+              <a:t>]</a:t>
+            </a:r>
+            <a:r>
+              <a:rPr lang="en-US" dirty="0" err="1">
+                <a:highlight>
+                  <a:srgbClr val="FFFF00"/>
+                </a:highlight>
+                <a:latin typeface="American Typewriter" panose="02090604020004020304" pitchFamily="18" charset="77"/>
+              </a:rPr>
+              <a:t>ValueType</a:t>
+            </a:r>
+            <a:endParaRPr lang="en-US" dirty="0">
+              <a:highlight>
+                <a:srgbClr val="FFFF00"/>
+              </a:highlight>
+              <a:latin typeface="American Typewriter" panose="02090604020004020304" pitchFamily="18" charset="77"/>
+            </a:endParaRPr>
+          </a:p>
+          <a:p>
+            <a:pPr marL="177800" indent="0">
+              <a:buNone/>
+            </a:pPr>
+            <a:endParaRPr lang="en-US" dirty="0">
+              <a:highlight>
+                <a:srgbClr val="FFFF00"/>
+              </a:highlight>
+              <a:latin typeface="American Typewriter" panose="02090604020004020304" pitchFamily="18" charset="77"/>
+            </a:endParaRPr>
+          </a:p>
+          <a:p>
+            <a:pPr marL="177800" indent="0">
+              <a:buNone/>
+            </a:pPr>
+            <a:r>
+              <a:rPr lang="en-US" dirty="0">
                 <a:latin typeface="+mn-lt"/>
               </a:rPr>
-              <a:t>All of this being said- this is what we’re going to use going forward for most of our intro coding!</a:t>
-            </a:r>
-          </a:p>
-          <a:p>
-            <a:pPr lvl="2">
-              <a:spcBef>
-                <a:spcPts val="0"/>
-              </a:spcBef>
-            </a:pPr>
-            <a:r>
-              <a:rPr lang="en-US" dirty="0">
-                <a:solidFill>
-                  <a:schemeClr val="tx1"/>
-                </a:solidFill>
-                <a:latin typeface="+mn-lt"/>
-              </a:rPr>
-              <a:t>We are now set up and ready to ”go!”</a:t>
-            </a:r>
-          </a:p>
-          <a:p>
-            <a:pPr lvl="2">
-              <a:spcBef>
-                <a:spcPts val="0"/>
-              </a:spcBef>
-            </a:pPr>
-            <a:r>
-              <a:rPr lang="en-US" dirty="0">
-                <a:solidFill>
-                  <a:schemeClr val="tx1"/>
-                </a:solidFill>
-                <a:latin typeface="+mn-lt"/>
-              </a:rPr>
-              <a:t> </a:t>
-            </a:r>
-            <a:r>
-              <a:rPr lang="en-US" sz="3200" dirty="0">
-                <a:solidFill>
-                  <a:schemeClr val="tx1"/>
-                </a:solidFill>
-                <a:latin typeface="+mn-lt"/>
-              </a:rPr>
-              <a:t>ANY QUESTIONS?!?</a:t>
-            </a:r>
-          </a:p>
-          <a:p>
-            <a:pPr lvl="3">
-              <a:spcBef>
-                <a:spcPts val="0"/>
-              </a:spcBef>
+              <a:t>Use the “make” built in function to create maps. Remember- the original initialization is ”nil”</a:t>
+            </a:r>
+          </a:p>
+          <a:p>
+            <a:pPr marL="177800" indent="0">
+              <a:buNone/>
             </a:pPr>
             <a:endParaRPr lang="en-US" dirty="0">
-              <a:solidFill>
-                <a:schemeClr val="tx1"/>
-              </a:solidFill>
-              <a:latin typeface="+mn-lt"/>
-            </a:endParaRPr>
-          </a:p>
-          <a:p>
-            <a:pPr lvl="2">
-              <a:spcBef>
-                <a:spcPts val="0"/>
-              </a:spcBef>
-            </a:pPr>
-            <a:endParaRPr lang="en-US" dirty="0">
-              <a:solidFill>
-                <a:schemeClr val="tx1"/>
-              </a:solidFill>
-            </a:endParaRPr>
-          </a:p>
-          <a:p>
-            <a:pPr marL="1485900" lvl="3" indent="0">
-              <a:spcBef>
-                <a:spcPts val="0"/>
-              </a:spcBef>
-              <a:buNone/>
-            </a:pPr>
-            <a:endParaRPr lang="en-US" dirty="0">
-              <a:solidFill>
-                <a:schemeClr val="tx1"/>
-              </a:solidFill>
-              <a:latin typeface="+mn-lt"/>
-            </a:endParaRPr>
-          </a:p>
-          <a:p>
-            <a:pPr marL="1485900" lvl="3" indent="0">
-              <a:spcBef>
-                <a:spcPts val="0"/>
-              </a:spcBef>
-              <a:buNone/>
-            </a:pPr>
-            <a:endParaRPr lang="en-US" dirty="0">
-              <a:solidFill>
-                <a:schemeClr val="tx1"/>
-              </a:solidFill>
-              <a:latin typeface="+mn-lt"/>
-            </a:endParaRPr>
-          </a:p>
-          <a:p>
-            <a:pPr marL="1485900" lvl="3" indent="0">
-              <a:spcBef>
-                <a:spcPts val="0"/>
-              </a:spcBef>
-              <a:buNone/>
-            </a:pPr>
-            <a:endParaRPr lang="en-US" dirty="0">
-              <a:solidFill>
-                <a:schemeClr val="tx1"/>
-              </a:solidFill>
-              <a:latin typeface="+mn-lt"/>
-            </a:endParaRPr>
-          </a:p>
-          <a:p>
-            <a:pPr marL="1485900" lvl="3" indent="0">
-              <a:spcBef>
-                <a:spcPts val="0"/>
-              </a:spcBef>
-              <a:buNone/>
-            </a:pPr>
-            <a:endParaRPr lang="en-US" dirty="0">
-              <a:solidFill>
-                <a:schemeClr val="tx1"/>
-              </a:solidFill>
-              <a:latin typeface="+mn-lt"/>
-            </a:endParaRPr>
-          </a:p>
-          <a:p>
-            <a:pPr marL="1485900" lvl="3" indent="0">
-              <a:spcBef>
-                <a:spcPts val="0"/>
-              </a:spcBef>
-              <a:buNone/>
-            </a:pPr>
-            <a:endParaRPr lang="en-US" dirty="0">
-              <a:solidFill>
-                <a:schemeClr val="tx1"/>
-              </a:solidFill>
+              <a:highlight>
+                <a:srgbClr val="FFFF00"/>
+              </a:highlight>
               <a:latin typeface="+mn-lt"/>
             </a:endParaRPr>
           </a:p>
@@ -18174,10 +18130,10 @@
       </p:sp>
       <p:pic>
         <p:nvPicPr>
-          <p:cNvPr id="14338" name="Picture 2" descr="Image result for golang gopher, images">
+          <p:cNvPr id="1026" name="Picture 2" descr="Image result for golang gopher">
             <a:extLst>
               <a:ext uri="{FF2B5EF4-FFF2-40B4-BE49-F238E27FC236}">
-                <a16:creationId xmlns:a16="http://schemas.microsoft.com/office/drawing/2014/main" id="{99F98B07-359E-7D45-BFB0-9CFB89F92F9B}"/>
+                <a16:creationId xmlns:a16="http://schemas.microsoft.com/office/drawing/2014/main" id="{DD0D59AE-A946-AA4C-A9B1-4092E8A80F5E}"/>
               </a:ext>
             </a:extLst>
           </p:cNvPr>
@@ -18187,7 +18143,7 @@
           <p:nvPr/>
         </p:nvPicPr>
         <p:blipFill>
-          <a:blip r:embed="rId3">
+          <a:blip r:embed="rId2">
             <a:extLst>
               <a:ext uri="{28A0092B-C50C-407E-A947-70E740481C1C}">
                 <a14:useLocalDpi xmlns:a14="http://schemas.microsoft.com/office/drawing/2010/main" val="0"/>
@@ -18201,8 +18157,8 @@
         </p:blipFill>
         <p:spPr bwMode="auto">
           <a:xfrm>
-            <a:off x="3075040" y="3147245"/>
-            <a:ext cx="2603500" cy="3111500"/>
+            <a:off x="7027287" y="2366128"/>
+            <a:ext cx="1328004" cy="1812172"/>
           </a:xfrm>
           <a:prstGeom prst="rect">
             <a:avLst/>
@@ -18222,7 +18178,1867 @@
     </p:spTree>
     <p:extLst>
       <p:ext uri="{BB962C8B-B14F-4D97-AF65-F5344CB8AC3E}">
-        <p14:creationId xmlns:p14="http://schemas.microsoft.com/office/powerpoint/2010/main" val="3120604218"/>
+        <p14:creationId xmlns:p14="http://schemas.microsoft.com/office/powerpoint/2010/main" val="1013099082"/>
+      </p:ext>
+    </p:extLst>
+  </p:cSld>
+  <p:clrMapOvr>
+    <a:masterClrMapping/>
+  </p:clrMapOvr>
+</p:sld>
+</file>
+
+<file path=ppt/slides/slide42.xml><?xml version="1.0" encoding="utf-8"?>
+<p:sld xmlns:a="http://schemas.openxmlformats.org/drawingml/2006/main" xmlns:r="http://schemas.openxmlformats.org/officeDocument/2006/relationships" xmlns:p="http://schemas.openxmlformats.org/presentationml/2006/main">
+  <p:cSld>
+    <p:spTree>
+      <p:nvGrpSpPr>
+        <p:cNvPr id="1" name=""/>
+        <p:cNvGrpSpPr/>
+        <p:nvPr/>
+      </p:nvGrpSpPr>
+      <p:grpSpPr>
+        <a:xfrm>
+          <a:off x="0" y="0"/>
+          <a:ext cx="0" cy="0"/>
+          <a:chOff x="0" y="0"/>
+          <a:chExt cx="0" cy="0"/>
+        </a:xfrm>
+      </p:grpSpPr>
+      <p:sp>
+        <p:nvSpPr>
+          <p:cNvPr id="2" name="Title 1">
+            <a:extLst>
+              <a:ext uri="{FF2B5EF4-FFF2-40B4-BE49-F238E27FC236}">
+                <a16:creationId xmlns:a16="http://schemas.microsoft.com/office/drawing/2014/main" id="{DE3FE848-6F7B-B142-9787-789275D7C4DE}"/>
+              </a:ext>
+            </a:extLst>
+          </p:cNvPr>
+          <p:cNvSpPr>
+            <a:spLocks noGrp="1"/>
+          </p:cNvSpPr>
+          <p:nvPr>
+            <p:ph type="title"/>
+          </p:nvPr>
+        </p:nvSpPr>
+        <p:spPr/>
+        <p:txBody>
+          <a:bodyPr/>
+          <a:lstStyle/>
+          <a:p>
+            <a:r>
+              <a:rPr lang="en-US" dirty="0"/>
+              <a:t>Maps in GO (continued)</a:t>
+            </a:r>
+          </a:p>
+        </p:txBody>
+      </p:sp>
+      <p:sp>
+        <p:nvSpPr>
+          <p:cNvPr id="3" name="Text Placeholder 2">
+            <a:extLst>
+              <a:ext uri="{FF2B5EF4-FFF2-40B4-BE49-F238E27FC236}">
+                <a16:creationId xmlns:a16="http://schemas.microsoft.com/office/drawing/2014/main" id="{929679C0-D617-9241-86A4-6851A95F871E}"/>
+              </a:ext>
+            </a:extLst>
+          </p:cNvPr>
+          <p:cNvSpPr>
+            <a:spLocks noGrp="1"/>
+          </p:cNvSpPr>
+          <p:nvPr>
+            <p:ph type="body" idx="1"/>
+          </p:nvPr>
+        </p:nvSpPr>
+        <p:spPr/>
+        <p:txBody>
+          <a:bodyPr/>
+          <a:lstStyle/>
+          <a:p>
+            <a:r>
+              <a:rPr lang="en-US" dirty="0"/>
+              <a:t> As with other data types, maps can be sub maps, sub-sub maps, and maps of lists.</a:t>
+            </a:r>
+          </a:p>
+          <a:p>
+            <a:endParaRPr lang="en-US" dirty="0"/>
+          </a:p>
+          <a:p>
+            <a:r>
+              <a:rPr lang="en-US" dirty="0"/>
+              <a:t>Again- you can *make* maps with the </a:t>
+            </a:r>
+            <a:r>
+              <a:rPr lang="en-US" b="1" dirty="0"/>
+              <a:t>make</a:t>
+            </a:r>
+            <a:r>
+              <a:rPr lang="en-US" dirty="0"/>
+              <a:t> built-in function so: </a:t>
+            </a:r>
+            <a:r>
+              <a:rPr lang="en-US" dirty="0">
+                <a:highlight>
+                  <a:srgbClr val="FFFF00"/>
+                </a:highlight>
+                <a:latin typeface="American Typewriter" panose="02090604020004020304" pitchFamily="18" charset="77"/>
+              </a:rPr>
+              <a:t>make(map[string]map[</a:t>
+            </a:r>
+            <a:r>
+              <a:rPr lang="en-US" dirty="0" err="1">
+                <a:highlight>
+                  <a:srgbClr val="FFFF00"/>
+                </a:highlight>
+                <a:latin typeface="American Typewriter" panose="02090604020004020304" pitchFamily="18" charset="77"/>
+              </a:rPr>
+              <a:t>int</a:t>
+            </a:r>
+            <a:r>
+              <a:rPr lang="en-US" dirty="0">
+                <a:highlight>
+                  <a:srgbClr val="FFFF00"/>
+                </a:highlight>
+                <a:latin typeface="American Typewriter" panose="02090604020004020304" pitchFamily="18" charset="77"/>
+              </a:rPr>
+              <a:t>]bool)</a:t>
+            </a:r>
+          </a:p>
+        </p:txBody>
+      </p:sp>
+      <p:pic>
+        <p:nvPicPr>
+          <p:cNvPr id="2050" name="Picture 2" descr="Image result for golang gopher">
+            <a:extLst>
+              <a:ext uri="{FF2B5EF4-FFF2-40B4-BE49-F238E27FC236}">
+                <a16:creationId xmlns:a16="http://schemas.microsoft.com/office/drawing/2014/main" id="{7FBABA5C-48B0-7D46-A2DD-798BBEFF555A}"/>
+              </a:ext>
+            </a:extLst>
+          </p:cNvPr>
+          <p:cNvPicPr>
+            <a:picLocks noChangeAspect="1" noChangeArrowheads="1"/>
+          </p:cNvPicPr>
+          <p:nvPr/>
+        </p:nvPicPr>
+        <p:blipFill>
+          <a:blip r:embed="rId2">
+            <a:extLst>
+              <a:ext uri="{28A0092B-C50C-407E-A947-70E740481C1C}">
+                <a14:useLocalDpi xmlns:a14="http://schemas.microsoft.com/office/drawing/2010/main" val="0"/>
+              </a:ext>
+            </a:extLst>
+          </a:blip>
+          <a:srcRect/>
+          <a:stretch>
+            <a:fillRect/>
+          </a:stretch>
+        </p:blipFill>
+        <p:spPr bwMode="auto">
+          <a:xfrm>
+            <a:off x="2240045" y="4126387"/>
+            <a:ext cx="4343400" cy="1866900"/>
+          </a:xfrm>
+          <a:prstGeom prst="rect">
+            <a:avLst/>
+          </a:prstGeom>
+          <a:noFill/>
+          <a:extLst>
+            <a:ext uri="{909E8E84-426E-40DD-AFC4-6F175D3DCCD1}">
+              <a14:hiddenFill xmlns:a14="http://schemas.microsoft.com/office/drawing/2010/main">
+                <a:solidFill>
+                  <a:srgbClr val="FFFFFF"/>
+                </a:solidFill>
+              </a14:hiddenFill>
+            </a:ext>
+          </a:extLst>
+        </p:spPr>
+      </p:pic>
+    </p:spTree>
+    <p:extLst>
+      <p:ext uri="{BB962C8B-B14F-4D97-AF65-F5344CB8AC3E}">
+        <p14:creationId xmlns:p14="http://schemas.microsoft.com/office/powerpoint/2010/main" val="3155058461"/>
+      </p:ext>
+    </p:extLst>
+  </p:cSld>
+  <p:clrMapOvr>
+    <a:masterClrMapping/>
+  </p:clrMapOvr>
+</p:sld>
+</file>
+
+<file path=ppt/slides/slide43.xml><?xml version="1.0" encoding="utf-8"?>
+<p:sld xmlns:a="http://schemas.openxmlformats.org/drawingml/2006/main" xmlns:r="http://schemas.openxmlformats.org/officeDocument/2006/relationships" xmlns:p="http://schemas.openxmlformats.org/presentationml/2006/main">
+  <p:cSld>
+    <p:spTree>
+      <p:nvGrpSpPr>
+        <p:cNvPr id="1" name=""/>
+        <p:cNvGrpSpPr/>
+        <p:nvPr/>
+      </p:nvGrpSpPr>
+      <p:grpSpPr>
+        <a:xfrm>
+          <a:off x="0" y="0"/>
+          <a:ext cx="0" cy="0"/>
+          <a:chOff x="0" y="0"/>
+          <a:chExt cx="0" cy="0"/>
+        </a:xfrm>
+      </p:grpSpPr>
+      <p:sp>
+        <p:nvSpPr>
+          <p:cNvPr id="2" name="Title 1">
+            <a:extLst>
+              <a:ext uri="{FF2B5EF4-FFF2-40B4-BE49-F238E27FC236}">
+                <a16:creationId xmlns:a16="http://schemas.microsoft.com/office/drawing/2014/main" id="{F0A71F30-7997-094F-A603-ADC1FA9F63BA}"/>
+              </a:ext>
+            </a:extLst>
+          </p:cNvPr>
+          <p:cNvSpPr>
+            <a:spLocks noGrp="1"/>
+          </p:cNvSpPr>
+          <p:nvPr>
+            <p:ph type="title"/>
+          </p:nvPr>
+        </p:nvSpPr>
+        <p:spPr/>
+        <p:txBody>
+          <a:bodyPr/>
+          <a:lstStyle/>
+          <a:p>
+            <a:r>
+              <a:rPr lang="en-US" dirty="0"/>
+              <a:t>Structs in GO</a:t>
+            </a:r>
+          </a:p>
+        </p:txBody>
+      </p:sp>
+      <p:sp>
+        <p:nvSpPr>
+          <p:cNvPr id="3" name="Text Placeholder 2">
+            <a:extLst>
+              <a:ext uri="{FF2B5EF4-FFF2-40B4-BE49-F238E27FC236}">
+                <a16:creationId xmlns:a16="http://schemas.microsoft.com/office/drawing/2014/main" id="{3C7A5848-5116-624A-B155-0BED7753AD7F}"/>
+              </a:ext>
+            </a:extLst>
+          </p:cNvPr>
+          <p:cNvSpPr>
+            <a:spLocks noGrp="1"/>
+          </p:cNvSpPr>
+          <p:nvPr>
+            <p:ph type="body" idx="1"/>
+          </p:nvPr>
+        </p:nvSpPr>
+        <p:spPr/>
+        <p:txBody>
+          <a:bodyPr/>
+          <a:lstStyle/>
+          <a:p>
+            <a:r>
+              <a:rPr lang="en-US" dirty="0"/>
+              <a:t> </a:t>
+            </a:r>
+            <a:r>
+              <a:rPr lang="en-US" b="1" dirty="0"/>
+              <a:t>There are no OBJECTS in GO…</a:t>
+            </a:r>
+          </a:p>
+          <a:p>
+            <a:r>
+              <a:rPr lang="en-US" dirty="0"/>
+              <a:t> Instead we have STRUCTS (structures)</a:t>
+            </a:r>
+          </a:p>
+          <a:p>
+            <a:r>
+              <a:rPr lang="en-US" dirty="0"/>
+              <a:t>GO are typed collections of fields. They are useful for grouping data together to form records. SO- whereas where you might use an object in python- in GO we do:</a:t>
+            </a:r>
+          </a:p>
+          <a:p>
+            <a:pPr marL="177800" indent="0">
+              <a:buNone/>
+            </a:pPr>
+            <a:r>
+              <a:rPr lang="en-US" dirty="0">
+                <a:highlight>
+                  <a:srgbClr val="FFFF00"/>
+                </a:highlight>
+                <a:latin typeface="American Typewriter" panose="02090604020004020304" pitchFamily="18" charset="77"/>
+              </a:rPr>
+              <a:t>type person struct {</a:t>
+            </a:r>
+          </a:p>
+          <a:p>
+            <a:pPr marL="177800" indent="0">
+              <a:buNone/>
+            </a:pPr>
+            <a:r>
+              <a:rPr lang="en-US" dirty="0">
+                <a:highlight>
+                  <a:srgbClr val="FFFF00"/>
+                </a:highlight>
+                <a:latin typeface="American Typewriter" panose="02090604020004020304" pitchFamily="18" charset="77"/>
+              </a:rPr>
+              <a:t>	name string</a:t>
+            </a:r>
+          </a:p>
+          <a:p>
+            <a:pPr marL="177800" indent="0">
+              <a:buNone/>
+            </a:pPr>
+            <a:r>
+              <a:rPr lang="en-US" dirty="0">
+                <a:highlight>
+                  <a:srgbClr val="FFFF00"/>
+                </a:highlight>
+                <a:latin typeface="American Typewriter" panose="02090604020004020304" pitchFamily="18" charset="77"/>
+              </a:rPr>
+              <a:t>	age </a:t>
+            </a:r>
+            <a:r>
+              <a:rPr lang="en-US" dirty="0" err="1">
+                <a:highlight>
+                  <a:srgbClr val="FFFF00"/>
+                </a:highlight>
+                <a:latin typeface="American Typewriter" panose="02090604020004020304" pitchFamily="18" charset="77"/>
+              </a:rPr>
+              <a:t>int</a:t>
+            </a:r>
+            <a:endParaRPr lang="en-US" dirty="0">
+              <a:highlight>
+                <a:srgbClr val="FFFF00"/>
+              </a:highlight>
+              <a:latin typeface="American Typewriter" panose="02090604020004020304" pitchFamily="18" charset="77"/>
+            </a:endParaRPr>
+          </a:p>
+          <a:p>
+            <a:pPr marL="177800" indent="0">
+              <a:buNone/>
+            </a:pPr>
+            <a:r>
+              <a:rPr lang="en-US" dirty="0">
+                <a:highlight>
+                  <a:srgbClr val="FFFF00"/>
+                </a:highlight>
+                <a:latin typeface="American Typewriter" panose="02090604020004020304" pitchFamily="18" charset="77"/>
+              </a:rPr>
+              <a:t>}</a:t>
+            </a:r>
+          </a:p>
+        </p:txBody>
+      </p:sp>
+      <p:pic>
+        <p:nvPicPr>
+          <p:cNvPr id="3074" name="Picture 2" descr="Image result for golang gopher">
+            <a:extLst>
+              <a:ext uri="{FF2B5EF4-FFF2-40B4-BE49-F238E27FC236}">
+                <a16:creationId xmlns:a16="http://schemas.microsoft.com/office/drawing/2014/main" id="{874B6858-7AAE-AF46-8B41-24BDBDE56C14}"/>
+              </a:ext>
+            </a:extLst>
+          </p:cNvPr>
+          <p:cNvPicPr>
+            <a:picLocks noChangeAspect="1" noChangeArrowheads="1"/>
+          </p:cNvPicPr>
+          <p:nvPr/>
+        </p:nvPicPr>
+        <p:blipFill>
+          <a:blip r:embed="rId2">
+            <a:extLst>
+              <a:ext uri="{28A0092B-C50C-407E-A947-70E740481C1C}">
+                <a14:useLocalDpi xmlns:a14="http://schemas.microsoft.com/office/drawing/2010/main" val="0"/>
+              </a:ext>
+            </a:extLst>
+          </a:blip>
+          <a:srcRect/>
+          <a:stretch>
+            <a:fillRect/>
+          </a:stretch>
+        </p:blipFill>
+        <p:spPr bwMode="auto">
+          <a:xfrm>
+            <a:off x="5203595" y="3806071"/>
+            <a:ext cx="2729649" cy="2729649"/>
+          </a:xfrm>
+          <a:prstGeom prst="rect">
+            <a:avLst/>
+          </a:prstGeom>
+          <a:noFill/>
+          <a:extLst>
+            <a:ext uri="{909E8E84-426E-40DD-AFC4-6F175D3DCCD1}">
+              <a14:hiddenFill xmlns:a14="http://schemas.microsoft.com/office/drawing/2010/main">
+                <a:solidFill>
+                  <a:srgbClr val="FFFFFF"/>
+                </a:solidFill>
+              </a14:hiddenFill>
+            </a:ext>
+          </a:extLst>
+        </p:spPr>
+      </p:pic>
+    </p:spTree>
+    <p:extLst>
+      <p:ext uri="{BB962C8B-B14F-4D97-AF65-F5344CB8AC3E}">
+        <p14:creationId xmlns:p14="http://schemas.microsoft.com/office/powerpoint/2010/main" val="3070442363"/>
+      </p:ext>
+    </p:extLst>
+  </p:cSld>
+  <p:clrMapOvr>
+    <a:masterClrMapping/>
+  </p:clrMapOvr>
+</p:sld>
+</file>
+
+<file path=ppt/slides/slide44.xml><?xml version="1.0" encoding="utf-8"?>
+<p:sld xmlns:a="http://schemas.openxmlformats.org/drawingml/2006/main" xmlns:r="http://schemas.openxmlformats.org/officeDocument/2006/relationships" xmlns:p="http://schemas.openxmlformats.org/presentationml/2006/main">
+  <p:cSld>
+    <p:spTree>
+      <p:nvGrpSpPr>
+        <p:cNvPr id="1" name=""/>
+        <p:cNvGrpSpPr/>
+        <p:nvPr/>
+      </p:nvGrpSpPr>
+      <p:grpSpPr>
+        <a:xfrm>
+          <a:off x="0" y="0"/>
+          <a:ext cx="0" cy="0"/>
+          <a:chOff x="0" y="0"/>
+          <a:chExt cx="0" cy="0"/>
+        </a:xfrm>
+      </p:grpSpPr>
+      <p:sp>
+        <p:nvSpPr>
+          <p:cNvPr id="2" name="Title 1">
+            <a:extLst>
+              <a:ext uri="{FF2B5EF4-FFF2-40B4-BE49-F238E27FC236}">
+                <a16:creationId xmlns:a16="http://schemas.microsoft.com/office/drawing/2014/main" id="{E0CB790C-B006-0C47-81A8-22397CDC3407}"/>
+              </a:ext>
+            </a:extLst>
+          </p:cNvPr>
+          <p:cNvSpPr>
+            <a:spLocks noGrp="1"/>
+          </p:cNvSpPr>
+          <p:nvPr>
+            <p:ph type="title"/>
+          </p:nvPr>
+        </p:nvSpPr>
+        <p:spPr/>
+        <p:txBody>
+          <a:bodyPr/>
+          <a:lstStyle/>
+          <a:p>
+            <a:r>
+              <a:rPr lang="en-US" dirty="0"/>
+              <a:t>Structs in Go</a:t>
+            </a:r>
+          </a:p>
+        </p:txBody>
+      </p:sp>
+      <p:sp>
+        <p:nvSpPr>
+          <p:cNvPr id="3" name="Text Placeholder 2">
+            <a:extLst>
+              <a:ext uri="{FF2B5EF4-FFF2-40B4-BE49-F238E27FC236}">
+                <a16:creationId xmlns:a16="http://schemas.microsoft.com/office/drawing/2014/main" id="{DD0FAD81-74EF-B248-9BAE-8B367BB8BDBE}"/>
+              </a:ext>
+            </a:extLst>
+          </p:cNvPr>
+          <p:cNvSpPr>
+            <a:spLocks noGrp="1"/>
+          </p:cNvSpPr>
+          <p:nvPr>
+            <p:ph type="body" idx="1"/>
+          </p:nvPr>
+        </p:nvSpPr>
+        <p:spPr/>
+        <p:txBody>
+          <a:bodyPr/>
+          <a:lstStyle/>
+          <a:p>
+            <a:r>
+              <a:rPr lang="en-US" dirty="0"/>
+              <a:t> Think of structs are like the abstract object definition</a:t>
+            </a:r>
+          </a:p>
+          <a:p>
+            <a:r>
+              <a:rPr lang="en-US" dirty="0"/>
+              <a:t> To instantiate we just use </a:t>
+            </a:r>
+            <a:r>
+              <a:rPr lang="en-US" i="1" dirty="0" err="1"/>
+              <a:t>struct_name</a:t>
+            </a:r>
+            <a:r>
+              <a:rPr lang="en-US" i="1" dirty="0"/>
+              <a:t>(inputs)…</a:t>
+            </a:r>
+            <a:r>
+              <a:rPr lang="en-US" dirty="0"/>
+              <a:t>so:</a:t>
+            </a:r>
+          </a:p>
+          <a:p>
+            <a:endParaRPr lang="en-US" dirty="0"/>
+          </a:p>
+          <a:p>
+            <a:pPr marL="603250" lvl="1" indent="0">
+              <a:buNone/>
+            </a:pPr>
+            <a:r>
+              <a:rPr lang="en-US" dirty="0">
+                <a:highlight>
+                  <a:srgbClr val="FFFF00"/>
+                </a:highlight>
+              </a:rPr>
+              <a:t>person{ “name”: ”Mark”, ”age”: 20 }</a:t>
+            </a:r>
+          </a:p>
+          <a:p>
+            <a:pPr marL="603250" lvl="1" indent="0">
+              <a:buNone/>
+            </a:pPr>
+            <a:r>
+              <a:rPr lang="en-US" dirty="0">
+                <a:highlight>
+                  <a:srgbClr val="FFFF00"/>
+                </a:highlight>
+              </a:rPr>
+              <a:t>or</a:t>
+            </a:r>
+          </a:p>
+          <a:p>
+            <a:pPr marL="603250" lvl="1" indent="0">
+              <a:buNone/>
+            </a:pPr>
+            <a:r>
+              <a:rPr lang="en-US" dirty="0">
+                <a:highlight>
+                  <a:srgbClr val="FFFF00"/>
+                </a:highlight>
+              </a:rPr>
+              <a:t>person{“name”: “Lisa”, 23 } //Note that we don’t need the index</a:t>
+            </a:r>
+          </a:p>
+          <a:p>
+            <a:pPr marL="603250" lvl="1" indent="0">
+              <a:buNone/>
+            </a:pPr>
+            <a:r>
+              <a:rPr lang="en-US" dirty="0">
+                <a:highlight>
+                  <a:srgbClr val="FFFF00"/>
+                </a:highlight>
+              </a:rPr>
+              <a:t>or </a:t>
+            </a:r>
+          </a:p>
+          <a:p>
+            <a:pPr marL="603250" lvl="1" indent="0">
+              <a:buNone/>
+            </a:pPr>
+            <a:r>
+              <a:rPr lang="en-US" dirty="0">
+                <a:highlight>
+                  <a:srgbClr val="FFFF00"/>
+                </a:highlight>
+              </a:rPr>
+              <a:t>a := person{“name”: “Johnny”, age: “Unknown” }</a:t>
+            </a:r>
+          </a:p>
+          <a:p>
+            <a:pPr marL="603250" lvl="1" indent="0">
+              <a:buNone/>
+            </a:pPr>
+            <a:endParaRPr lang="en-US" dirty="0">
+              <a:highlight>
+                <a:srgbClr val="FFFF00"/>
+              </a:highlight>
+            </a:endParaRPr>
+          </a:p>
+          <a:p>
+            <a:pPr marL="603250" lvl="1" indent="0">
+              <a:buNone/>
+            </a:pPr>
+            <a:r>
+              <a:rPr lang="en-US" dirty="0" err="1">
+                <a:highlight>
+                  <a:srgbClr val="FFFF00"/>
+                </a:highlight>
+              </a:rPr>
+              <a:t>fmt.Println</a:t>
+            </a:r>
+            <a:r>
+              <a:rPr lang="en-US" dirty="0">
+                <a:highlight>
+                  <a:srgbClr val="FFFF00"/>
+                </a:highlight>
+              </a:rPr>
+              <a:t>(”How old is Johnny?”, </a:t>
+            </a:r>
+            <a:r>
+              <a:rPr lang="en-US" dirty="0" err="1">
+                <a:highlight>
+                  <a:srgbClr val="FFFF00"/>
+                </a:highlight>
+              </a:rPr>
+              <a:t>a.age</a:t>
+            </a:r>
+            <a:r>
+              <a:rPr lang="en-US" dirty="0">
+                <a:highlight>
+                  <a:srgbClr val="FFFF00"/>
+                </a:highlight>
+              </a:rPr>
+              <a:t>)</a:t>
+            </a:r>
+          </a:p>
+        </p:txBody>
+      </p:sp>
+      <p:pic>
+        <p:nvPicPr>
+          <p:cNvPr id="4098" name="Picture 2" descr="Image result for golang gopher">
+            <a:extLst>
+              <a:ext uri="{FF2B5EF4-FFF2-40B4-BE49-F238E27FC236}">
+                <a16:creationId xmlns:a16="http://schemas.microsoft.com/office/drawing/2014/main" id="{9252CB0C-F216-1244-BE3C-BD249833A250}"/>
+              </a:ext>
+            </a:extLst>
+          </p:cNvPr>
+          <p:cNvPicPr>
+            <a:picLocks noChangeAspect="1" noChangeArrowheads="1"/>
+          </p:cNvPicPr>
+          <p:nvPr/>
+        </p:nvPicPr>
+        <p:blipFill>
+          <a:blip r:embed="rId2">
+            <a:extLst>
+              <a:ext uri="{28A0092B-C50C-407E-A947-70E740481C1C}">
+                <a14:useLocalDpi xmlns:a14="http://schemas.microsoft.com/office/drawing/2010/main" val="0"/>
+              </a:ext>
+            </a:extLst>
+          </a:blip>
+          <a:srcRect/>
+          <a:stretch>
+            <a:fillRect/>
+          </a:stretch>
+        </p:blipFill>
+        <p:spPr bwMode="auto">
+          <a:xfrm>
+            <a:off x="6989930" y="4901937"/>
+            <a:ext cx="1795590" cy="1498861"/>
+          </a:xfrm>
+          <a:prstGeom prst="rect">
+            <a:avLst/>
+          </a:prstGeom>
+          <a:noFill/>
+          <a:extLst>
+            <a:ext uri="{909E8E84-426E-40DD-AFC4-6F175D3DCCD1}">
+              <a14:hiddenFill xmlns:a14="http://schemas.microsoft.com/office/drawing/2010/main">
+                <a:solidFill>
+                  <a:srgbClr val="FFFFFF"/>
+                </a:solidFill>
+              </a14:hiddenFill>
+            </a:ext>
+          </a:extLst>
+        </p:spPr>
+      </p:pic>
+    </p:spTree>
+    <p:extLst>
+      <p:ext uri="{BB962C8B-B14F-4D97-AF65-F5344CB8AC3E}">
+        <p14:creationId xmlns:p14="http://schemas.microsoft.com/office/powerpoint/2010/main" val="2090657355"/>
+      </p:ext>
+    </p:extLst>
+  </p:cSld>
+  <p:clrMapOvr>
+    <a:masterClrMapping/>
+  </p:clrMapOvr>
+</p:sld>
+</file>
+
+<file path=ppt/slides/slide45.xml><?xml version="1.0" encoding="utf-8"?>
+<p:sld xmlns:a="http://schemas.openxmlformats.org/drawingml/2006/main" xmlns:r="http://schemas.openxmlformats.org/officeDocument/2006/relationships" xmlns:p="http://schemas.openxmlformats.org/presentationml/2006/main">
+  <p:cSld>
+    <p:spTree>
+      <p:nvGrpSpPr>
+        <p:cNvPr id="1" name=""/>
+        <p:cNvGrpSpPr/>
+        <p:nvPr/>
+      </p:nvGrpSpPr>
+      <p:grpSpPr>
+        <a:xfrm>
+          <a:off x="0" y="0"/>
+          <a:ext cx="0" cy="0"/>
+          <a:chOff x="0" y="0"/>
+          <a:chExt cx="0" cy="0"/>
+        </a:xfrm>
+      </p:grpSpPr>
+      <p:sp>
+        <p:nvSpPr>
+          <p:cNvPr id="2" name="Title 1">
+            <a:extLst>
+              <a:ext uri="{FF2B5EF4-FFF2-40B4-BE49-F238E27FC236}">
+                <a16:creationId xmlns:a16="http://schemas.microsoft.com/office/drawing/2014/main" id="{8E6BE4E9-2AFC-8D4C-8B51-8744772248C3}"/>
+              </a:ext>
+            </a:extLst>
+          </p:cNvPr>
+          <p:cNvSpPr>
+            <a:spLocks noGrp="1"/>
+          </p:cNvSpPr>
+          <p:nvPr>
+            <p:ph type="title"/>
+          </p:nvPr>
+        </p:nvSpPr>
+        <p:spPr/>
+        <p:txBody>
+          <a:bodyPr/>
+          <a:lstStyle/>
+          <a:p>
+            <a:r>
+              <a:rPr lang="en-US" dirty="0"/>
+              <a:t>Structs in Go (continued)</a:t>
+            </a:r>
+          </a:p>
+        </p:txBody>
+      </p:sp>
+      <p:sp>
+        <p:nvSpPr>
+          <p:cNvPr id="3" name="Text Placeholder 2">
+            <a:extLst>
+              <a:ext uri="{FF2B5EF4-FFF2-40B4-BE49-F238E27FC236}">
+                <a16:creationId xmlns:a16="http://schemas.microsoft.com/office/drawing/2014/main" id="{2B441710-1323-4240-B057-42AD25B9EDA9}"/>
+              </a:ext>
+            </a:extLst>
+          </p:cNvPr>
+          <p:cNvSpPr>
+            <a:spLocks noGrp="1"/>
+          </p:cNvSpPr>
+          <p:nvPr>
+            <p:ph type="body" idx="1"/>
+          </p:nvPr>
+        </p:nvSpPr>
+        <p:spPr/>
+        <p:txBody>
+          <a:bodyPr/>
+          <a:lstStyle/>
+          <a:p>
+            <a:r>
+              <a:rPr lang="en-US" dirty="0"/>
+              <a:t> As with other items- structs can contain other structs and any data type. They can even contain functions (as you will see in your lab)</a:t>
+            </a:r>
+          </a:p>
+        </p:txBody>
+      </p:sp>
+      <p:pic>
+        <p:nvPicPr>
+          <p:cNvPr id="5122" name="Picture 2" descr="Image result for golang gopher">
+            <a:extLst>
+              <a:ext uri="{FF2B5EF4-FFF2-40B4-BE49-F238E27FC236}">
+                <a16:creationId xmlns:a16="http://schemas.microsoft.com/office/drawing/2014/main" id="{D45817FE-DC33-E446-9181-4E615A1225D0}"/>
+              </a:ext>
+            </a:extLst>
+          </p:cNvPr>
+          <p:cNvPicPr>
+            <a:picLocks noChangeAspect="1" noChangeArrowheads="1"/>
+          </p:cNvPicPr>
+          <p:nvPr/>
+        </p:nvPicPr>
+        <p:blipFill>
+          <a:blip r:embed="rId2">
+            <a:extLst>
+              <a:ext uri="{28A0092B-C50C-407E-A947-70E740481C1C}">
+                <a14:useLocalDpi xmlns:a14="http://schemas.microsoft.com/office/drawing/2010/main" val="0"/>
+              </a:ext>
+            </a:extLst>
+          </a:blip>
+          <a:srcRect/>
+          <a:stretch>
+            <a:fillRect/>
+          </a:stretch>
+        </p:blipFill>
+        <p:spPr bwMode="auto">
+          <a:xfrm>
+            <a:off x="3225800" y="3114904"/>
+            <a:ext cx="2692400" cy="3022600"/>
+          </a:xfrm>
+          <a:prstGeom prst="rect">
+            <a:avLst/>
+          </a:prstGeom>
+          <a:noFill/>
+          <a:extLst>
+            <a:ext uri="{909E8E84-426E-40DD-AFC4-6F175D3DCCD1}">
+              <a14:hiddenFill xmlns:a14="http://schemas.microsoft.com/office/drawing/2010/main">
+                <a:solidFill>
+                  <a:srgbClr val="FFFFFF"/>
+                </a:solidFill>
+              </a14:hiddenFill>
+            </a:ext>
+          </a:extLst>
+        </p:spPr>
+      </p:pic>
+    </p:spTree>
+    <p:extLst>
+      <p:ext uri="{BB962C8B-B14F-4D97-AF65-F5344CB8AC3E}">
+        <p14:creationId xmlns:p14="http://schemas.microsoft.com/office/powerpoint/2010/main" val="3474161179"/>
+      </p:ext>
+    </p:extLst>
+  </p:cSld>
+  <p:clrMapOvr>
+    <a:masterClrMapping/>
+  </p:clrMapOvr>
+</p:sld>
+</file>
+
+<file path=ppt/slides/slide46.xml><?xml version="1.0" encoding="utf-8"?>
+<p:sld xmlns:a="http://schemas.openxmlformats.org/drawingml/2006/main" xmlns:r="http://schemas.openxmlformats.org/officeDocument/2006/relationships" xmlns:p="http://schemas.openxmlformats.org/presentationml/2006/main">
+  <p:cSld>
+    <p:spTree>
+      <p:nvGrpSpPr>
+        <p:cNvPr id="1" name=""/>
+        <p:cNvGrpSpPr/>
+        <p:nvPr/>
+      </p:nvGrpSpPr>
+      <p:grpSpPr>
+        <a:xfrm>
+          <a:off x="0" y="0"/>
+          <a:ext cx="0" cy="0"/>
+          <a:chOff x="0" y="0"/>
+          <a:chExt cx="0" cy="0"/>
+        </a:xfrm>
+      </p:grpSpPr>
+      <p:sp>
+        <p:nvSpPr>
+          <p:cNvPr id="2" name="Title 1">
+            <a:extLst>
+              <a:ext uri="{FF2B5EF4-FFF2-40B4-BE49-F238E27FC236}">
+                <a16:creationId xmlns:a16="http://schemas.microsoft.com/office/drawing/2014/main" id="{9A9C5AAE-FF27-0A4F-BE73-02B3F4FE1C84}"/>
+              </a:ext>
+            </a:extLst>
+          </p:cNvPr>
+          <p:cNvSpPr>
+            <a:spLocks noGrp="1"/>
+          </p:cNvSpPr>
+          <p:nvPr>
+            <p:ph type="title"/>
+          </p:nvPr>
+        </p:nvSpPr>
+        <p:spPr/>
+        <p:txBody>
+          <a:bodyPr/>
+          <a:lstStyle/>
+          <a:p>
+            <a:r>
+              <a:rPr lang="en-US" dirty="0"/>
+              <a:t>Go Structs (continued some more)</a:t>
+            </a:r>
+          </a:p>
+        </p:txBody>
+      </p:sp>
+      <p:sp>
+        <p:nvSpPr>
+          <p:cNvPr id="3" name="Text Placeholder 2">
+            <a:extLst>
+              <a:ext uri="{FF2B5EF4-FFF2-40B4-BE49-F238E27FC236}">
+                <a16:creationId xmlns:a16="http://schemas.microsoft.com/office/drawing/2014/main" id="{B811DF19-814D-2B4B-98DE-8FA8E1974F15}"/>
+              </a:ext>
+            </a:extLst>
+          </p:cNvPr>
+          <p:cNvSpPr>
+            <a:spLocks noGrp="1"/>
+          </p:cNvSpPr>
+          <p:nvPr>
+            <p:ph type="body" idx="1"/>
+          </p:nvPr>
+        </p:nvSpPr>
+        <p:spPr/>
+        <p:txBody>
+          <a:bodyPr/>
+          <a:lstStyle/>
+          <a:p>
+            <a:r>
+              <a:rPr lang="en-US" dirty="0"/>
+              <a:t> So you might be thinking “Yeah- well if structs are basically OBJECTS- how do I run FUNCTIONS against them?!?”</a:t>
+            </a:r>
+          </a:p>
+          <a:p>
+            <a:r>
+              <a:rPr lang="en-US" dirty="0"/>
+              <a:t> Glad you asked! Let’s take a quick look at how to reference a struct!</a:t>
+            </a:r>
+          </a:p>
+        </p:txBody>
+      </p:sp>
+      <p:pic>
+        <p:nvPicPr>
+          <p:cNvPr id="6146" name="Picture 2" descr="Image result for golang gopher">
+            <a:extLst>
+              <a:ext uri="{FF2B5EF4-FFF2-40B4-BE49-F238E27FC236}">
+                <a16:creationId xmlns:a16="http://schemas.microsoft.com/office/drawing/2014/main" id="{5F0288C4-4AB2-FA49-B025-049A86FB8178}"/>
+              </a:ext>
+            </a:extLst>
+          </p:cNvPr>
+          <p:cNvPicPr>
+            <a:picLocks noChangeAspect="1" noChangeArrowheads="1"/>
+          </p:cNvPicPr>
+          <p:nvPr/>
+        </p:nvPicPr>
+        <p:blipFill>
+          <a:blip r:embed="rId2">
+            <a:extLst>
+              <a:ext uri="{28A0092B-C50C-407E-A947-70E740481C1C}">
+                <a14:useLocalDpi xmlns:a14="http://schemas.microsoft.com/office/drawing/2010/main" val="0"/>
+              </a:ext>
+            </a:extLst>
+          </a:blip>
+          <a:srcRect/>
+          <a:stretch>
+            <a:fillRect/>
+          </a:stretch>
+        </p:blipFill>
+        <p:spPr bwMode="auto">
+          <a:xfrm>
+            <a:off x="3469063" y="3865838"/>
+            <a:ext cx="2127839" cy="2681077"/>
+          </a:xfrm>
+          <a:prstGeom prst="rect">
+            <a:avLst/>
+          </a:prstGeom>
+          <a:noFill/>
+          <a:extLst>
+            <a:ext uri="{909E8E84-426E-40DD-AFC4-6F175D3DCCD1}">
+              <a14:hiddenFill xmlns:a14="http://schemas.microsoft.com/office/drawing/2010/main">
+                <a:solidFill>
+                  <a:srgbClr val="FFFFFF"/>
+                </a:solidFill>
+              </a14:hiddenFill>
+            </a:ext>
+          </a:extLst>
+        </p:spPr>
+      </p:pic>
+    </p:spTree>
+    <p:extLst>
+      <p:ext uri="{BB962C8B-B14F-4D97-AF65-F5344CB8AC3E}">
+        <p14:creationId xmlns:p14="http://schemas.microsoft.com/office/powerpoint/2010/main" val="865624864"/>
+      </p:ext>
+    </p:extLst>
+  </p:cSld>
+  <p:clrMapOvr>
+    <a:masterClrMapping/>
+  </p:clrMapOvr>
+</p:sld>
+</file>
+
+<file path=ppt/slides/slide47.xml><?xml version="1.0" encoding="utf-8"?>
+<p:sld xmlns:a="http://schemas.openxmlformats.org/drawingml/2006/main" xmlns:r="http://schemas.openxmlformats.org/officeDocument/2006/relationships" xmlns:p="http://schemas.openxmlformats.org/presentationml/2006/main">
+  <p:cSld>
+    <p:spTree>
+      <p:nvGrpSpPr>
+        <p:cNvPr id="1" name=""/>
+        <p:cNvGrpSpPr/>
+        <p:nvPr/>
+      </p:nvGrpSpPr>
+      <p:grpSpPr>
+        <a:xfrm>
+          <a:off x="0" y="0"/>
+          <a:ext cx="0" cy="0"/>
+          <a:chOff x="0" y="0"/>
+          <a:chExt cx="0" cy="0"/>
+        </a:xfrm>
+      </p:grpSpPr>
+      <p:sp>
+        <p:nvSpPr>
+          <p:cNvPr id="2" name="Title 1">
+            <a:extLst>
+              <a:ext uri="{FF2B5EF4-FFF2-40B4-BE49-F238E27FC236}">
+                <a16:creationId xmlns:a16="http://schemas.microsoft.com/office/drawing/2014/main" id="{9A9C5AAE-FF27-0A4F-BE73-02B3F4FE1C84}"/>
+              </a:ext>
+            </a:extLst>
+          </p:cNvPr>
+          <p:cNvSpPr>
+            <a:spLocks noGrp="1"/>
+          </p:cNvSpPr>
+          <p:nvPr>
+            <p:ph type="title"/>
+          </p:nvPr>
+        </p:nvSpPr>
+        <p:spPr/>
+        <p:txBody>
+          <a:bodyPr/>
+          <a:lstStyle/>
+          <a:p>
+            <a:r>
+              <a:rPr lang="en-US" dirty="0"/>
+              <a:t>Go Structs (continued some more)</a:t>
+            </a:r>
+          </a:p>
+        </p:txBody>
+      </p:sp>
+      <p:sp>
+        <p:nvSpPr>
+          <p:cNvPr id="3" name="Text Placeholder 2">
+            <a:extLst>
+              <a:ext uri="{FF2B5EF4-FFF2-40B4-BE49-F238E27FC236}">
+                <a16:creationId xmlns:a16="http://schemas.microsoft.com/office/drawing/2014/main" id="{B811DF19-814D-2B4B-98DE-8FA8E1974F15}"/>
+              </a:ext>
+            </a:extLst>
+          </p:cNvPr>
+          <p:cNvSpPr>
+            <a:spLocks noGrp="1"/>
+          </p:cNvSpPr>
+          <p:nvPr>
+            <p:ph type="body" idx="1"/>
+          </p:nvPr>
+        </p:nvSpPr>
+        <p:spPr/>
+        <p:txBody>
+          <a:bodyPr/>
+          <a:lstStyle/>
+          <a:p>
+            <a:r>
+              <a:rPr lang="en-US" dirty="0"/>
+              <a:t> So you might be thinking “Yeah- well if structs are basically OBJECTS- how do I run FUNCTIONS against them?!?”</a:t>
+            </a:r>
+          </a:p>
+          <a:p>
+            <a:r>
+              <a:rPr lang="en-US" dirty="0"/>
+              <a:t> Glad you asked! Let’s take a quick look at how to reference a struct!</a:t>
+            </a:r>
+          </a:p>
+        </p:txBody>
+      </p:sp>
+      <p:pic>
+        <p:nvPicPr>
+          <p:cNvPr id="7170" name="Picture 2" descr="Image result for golang gopher">
+            <a:extLst>
+              <a:ext uri="{FF2B5EF4-FFF2-40B4-BE49-F238E27FC236}">
+                <a16:creationId xmlns:a16="http://schemas.microsoft.com/office/drawing/2014/main" id="{3FEC9AD2-E22D-3F41-99EC-240A91B07651}"/>
+              </a:ext>
+            </a:extLst>
+          </p:cNvPr>
+          <p:cNvPicPr>
+            <a:picLocks noChangeAspect="1" noChangeArrowheads="1"/>
+          </p:cNvPicPr>
+          <p:nvPr/>
+        </p:nvPicPr>
+        <p:blipFill>
+          <a:blip r:embed="rId2">
+            <a:extLst>
+              <a:ext uri="{28A0092B-C50C-407E-A947-70E740481C1C}">
+                <a14:useLocalDpi xmlns:a14="http://schemas.microsoft.com/office/drawing/2010/main" val="0"/>
+              </a:ext>
+            </a:extLst>
+          </a:blip>
+          <a:srcRect/>
+          <a:stretch>
+            <a:fillRect/>
+          </a:stretch>
+        </p:blipFill>
+        <p:spPr bwMode="auto">
+          <a:xfrm>
+            <a:off x="2979328" y="3754224"/>
+            <a:ext cx="2959100" cy="2743200"/>
+          </a:xfrm>
+          <a:prstGeom prst="rect">
+            <a:avLst/>
+          </a:prstGeom>
+          <a:noFill/>
+          <a:extLst>
+            <a:ext uri="{909E8E84-426E-40DD-AFC4-6F175D3DCCD1}">
+              <a14:hiddenFill xmlns:a14="http://schemas.microsoft.com/office/drawing/2010/main">
+                <a:solidFill>
+                  <a:srgbClr val="FFFFFF"/>
+                </a:solidFill>
+              </a14:hiddenFill>
+            </a:ext>
+          </a:extLst>
+        </p:spPr>
+      </p:pic>
+    </p:spTree>
+    <p:extLst>
+      <p:ext uri="{BB962C8B-B14F-4D97-AF65-F5344CB8AC3E}">
+        <p14:creationId xmlns:p14="http://schemas.microsoft.com/office/powerpoint/2010/main" val="1138603081"/>
+      </p:ext>
+    </p:extLst>
+  </p:cSld>
+  <p:clrMapOvr>
+    <a:masterClrMapping/>
+  </p:clrMapOvr>
+</p:sld>
+</file>
+
+<file path=ppt/slides/slide48.xml><?xml version="1.0" encoding="utf-8"?>
+<p:sld xmlns:a="http://schemas.openxmlformats.org/drawingml/2006/main" xmlns:r="http://schemas.openxmlformats.org/officeDocument/2006/relationships" xmlns:p="http://schemas.openxmlformats.org/presentationml/2006/main">
+  <p:cSld>
+    <p:spTree>
+      <p:nvGrpSpPr>
+        <p:cNvPr id="1" name=""/>
+        <p:cNvGrpSpPr/>
+        <p:nvPr/>
+      </p:nvGrpSpPr>
+      <p:grpSpPr>
+        <a:xfrm>
+          <a:off x="0" y="0"/>
+          <a:ext cx="0" cy="0"/>
+          <a:chOff x="0" y="0"/>
+          <a:chExt cx="0" cy="0"/>
+        </a:xfrm>
+      </p:grpSpPr>
+      <p:sp>
+        <p:nvSpPr>
+          <p:cNvPr id="2" name="Title 1">
+            <a:extLst>
+              <a:ext uri="{FF2B5EF4-FFF2-40B4-BE49-F238E27FC236}">
+                <a16:creationId xmlns:a16="http://schemas.microsoft.com/office/drawing/2014/main" id="{3D44C771-577D-4E47-9637-6A35C6A119FB}"/>
+              </a:ext>
+            </a:extLst>
+          </p:cNvPr>
+          <p:cNvSpPr>
+            <a:spLocks noGrp="1"/>
+          </p:cNvSpPr>
+          <p:nvPr>
+            <p:ph type="title"/>
+          </p:nvPr>
+        </p:nvSpPr>
+        <p:spPr/>
+        <p:txBody>
+          <a:bodyPr/>
+          <a:lstStyle/>
+          <a:p>
+            <a:r>
+              <a:rPr lang="en-US" dirty="0"/>
+              <a:t>Go Structs some more</a:t>
+            </a:r>
+          </a:p>
+        </p:txBody>
+      </p:sp>
+      <p:sp>
+        <p:nvSpPr>
+          <p:cNvPr id="3" name="Text Placeholder 2">
+            <a:extLst>
+              <a:ext uri="{FF2B5EF4-FFF2-40B4-BE49-F238E27FC236}">
+                <a16:creationId xmlns:a16="http://schemas.microsoft.com/office/drawing/2014/main" id="{DC52AFC4-A676-AB4A-AD15-5B865FDB5958}"/>
+              </a:ext>
+            </a:extLst>
+          </p:cNvPr>
+          <p:cNvSpPr>
+            <a:spLocks noGrp="1"/>
+          </p:cNvSpPr>
+          <p:nvPr>
+            <p:ph type="body" idx="1"/>
+          </p:nvPr>
+        </p:nvSpPr>
+        <p:spPr/>
+        <p:txBody>
+          <a:bodyPr/>
+          <a:lstStyle/>
+          <a:p>
+            <a:r>
+              <a:rPr lang="en-US" dirty="0"/>
+              <a:t> We have functions work on structs using </a:t>
+            </a:r>
+            <a:r>
+              <a:rPr lang="en-US" b="1" dirty="0"/>
+              <a:t>receiver</a:t>
+            </a:r>
+            <a:r>
+              <a:rPr lang="en-US" dirty="0"/>
+              <a:t> functions that point </a:t>
+            </a:r>
+            <a:r>
+              <a:rPr lang="en-US" b="1" dirty="0"/>
+              <a:t>back</a:t>
+            </a:r>
+            <a:r>
+              <a:rPr lang="en-US" dirty="0"/>
+              <a:t> to our structs</a:t>
+            </a:r>
+          </a:p>
+          <a:p>
+            <a:r>
+              <a:rPr lang="en-US" dirty="0"/>
+              <a:t> Consider a “</a:t>
+            </a:r>
+            <a:r>
+              <a:rPr lang="en-US" dirty="0" err="1"/>
+              <a:t>rect</a:t>
+            </a:r>
+            <a:r>
+              <a:rPr lang="en-US" dirty="0"/>
+              <a:t>” struct with a width and height:</a:t>
+            </a:r>
+          </a:p>
+          <a:p>
+            <a:pPr marL="177800" indent="0">
+              <a:buNone/>
+            </a:pPr>
+            <a:r>
+              <a:rPr lang="en-US" sz="2400" dirty="0">
+                <a:highlight>
+                  <a:srgbClr val="FFFF00"/>
+                </a:highlight>
+                <a:latin typeface="American Typewriter" panose="02090604020004020304" pitchFamily="18" charset="77"/>
+              </a:rPr>
+              <a:t>type </a:t>
+            </a:r>
+            <a:r>
+              <a:rPr lang="en-US" sz="2400" dirty="0" err="1">
+                <a:highlight>
+                  <a:srgbClr val="FFFF00"/>
+                </a:highlight>
+                <a:latin typeface="American Typewriter" panose="02090604020004020304" pitchFamily="18" charset="77"/>
+              </a:rPr>
+              <a:t>rect</a:t>
+            </a:r>
+            <a:r>
+              <a:rPr lang="en-US" sz="2400" dirty="0">
+                <a:highlight>
+                  <a:srgbClr val="FFFF00"/>
+                </a:highlight>
+                <a:latin typeface="American Typewriter" panose="02090604020004020304" pitchFamily="18" charset="77"/>
+              </a:rPr>
+              <a:t> struct {</a:t>
+            </a:r>
+          </a:p>
+          <a:p>
+            <a:pPr marL="177800" indent="0">
+              <a:buNone/>
+            </a:pPr>
+            <a:r>
+              <a:rPr lang="en-US" sz="2400" dirty="0">
+                <a:highlight>
+                  <a:srgbClr val="FFFF00"/>
+                </a:highlight>
+                <a:latin typeface="American Typewriter" panose="02090604020004020304" pitchFamily="18" charset="77"/>
+              </a:rPr>
+              <a:t>    width, height </a:t>
+            </a:r>
+            <a:r>
+              <a:rPr lang="en-US" sz="2400" dirty="0" err="1">
+                <a:highlight>
+                  <a:srgbClr val="FFFF00"/>
+                </a:highlight>
+                <a:latin typeface="American Typewriter" panose="02090604020004020304" pitchFamily="18" charset="77"/>
+              </a:rPr>
+              <a:t>int</a:t>
+            </a:r>
+            <a:endParaRPr lang="en-US" sz="2400" dirty="0">
+              <a:highlight>
+                <a:srgbClr val="FFFF00"/>
+              </a:highlight>
+              <a:latin typeface="American Typewriter" panose="02090604020004020304" pitchFamily="18" charset="77"/>
+            </a:endParaRPr>
+          </a:p>
+          <a:p>
+            <a:pPr marL="177800" indent="0">
+              <a:buNone/>
+            </a:pPr>
+            <a:r>
+              <a:rPr lang="en-US" sz="2400" dirty="0">
+                <a:highlight>
+                  <a:srgbClr val="FFFF00"/>
+                </a:highlight>
+                <a:latin typeface="American Typewriter" panose="02090604020004020304" pitchFamily="18" charset="77"/>
+              </a:rPr>
+              <a:t>}</a:t>
+            </a:r>
+          </a:p>
+          <a:p>
+            <a:pPr marL="177800" indent="0">
+              <a:buNone/>
+            </a:pPr>
+            <a:r>
+              <a:rPr lang="en-US" sz="2400" dirty="0"/>
+              <a:t>Now we want to be able to get the area of that rectangle:</a:t>
+            </a:r>
+          </a:p>
+          <a:p>
+            <a:pPr marL="177800" indent="0">
+              <a:buNone/>
+            </a:pPr>
+            <a:r>
+              <a:rPr lang="en-US" sz="2400" dirty="0" err="1">
+                <a:highlight>
+                  <a:srgbClr val="FFFF00"/>
+                </a:highlight>
+                <a:latin typeface="American Typewriter" panose="02090604020004020304" pitchFamily="18" charset="77"/>
+              </a:rPr>
+              <a:t>func</a:t>
+            </a:r>
+            <a:r>
+              <a:rPr lang="en-US" sz="2400" dirty="0">
+                <a:highlight>
+                  <a:srgbClr val="FFFF00"/>
+                </a:highlight>
+                <a:latin typeface="American Typewriter" panose="02090604020004020304" pitchFamily="18" charset="77"/>
+              </a:rPr>
+              <a:t> (r </a:t>
+            </a:r>
+            <a:r>
+              <a:rPr lang="en-US" sz="2400" dirty="0" err="1">
+                <a:highlight>
+                  <a:srgbClr val="FFFF00"/>
+                </a:highlight>
+                <a:latin typeface="American Typewriter" panose="02090604020004020304" pitchFamily="18" charset="77"/>
+              </a:rPr>
+              <a:t>rect</a:t>
+            </a:r>
+            <a:r>
+              <a:rPr lang="en-US" sz="2400" dirty="0">
+                <a:highlight>
+                  <a:srgbClr val="FFFF00"/>
+                </a:highlight>
+                <a:latin typeface="American Typewriter" panose="02090604020004020304" pitchFamily="18" charset="77"/>
+              </a:rPr>
+              <a:t>) </a:t>
+            </a:r>
+            <a:r>
+              <a:rPr lang="en-US" sz="2400" dirty="0" err="1">
+                <a:highlight>
+                  <a:srgbClr val="FFFF00"/>
+                </a:highlight>
+                <a:latin typeface="American Typewriter" panose="02090604020004020304" pitchFamily="18" charset="77"/>
+              </a:rPr>
+              <a:t>perim</a:t>
+            </a:r>
+            <a:r>
+              <a:rPr lang="en-US" sz="2400" dirty="0">
+                <a:highlight>
+                  <a:srgbClr val="FFFF00"/>
+                </a:highlight>
+                <a:latin typeface="American Typewriter" panose="02090604020004020304" pitchFamily="18" charset="77"/>
+              </a:rPr>
+              <a:t>() </a:t>
+            </a:r>
+            <a:r>
+              <a:rPr lang="en-US" sz="2400" dirty="0" err="1">
+                <a:highlight>
+                  <a:srgbClr val="FFFF00"/>
+                </a:highlight>
+                <a:latin typeface="American Typewriter" panose="02090604020004020304" pitchFamily="18" charset="77"/>
+              </a:rPr>
+              <a:t>int</a:t>
+            </a:r>
+            <a:r>
+              <a:rPr lang="en-US" sz="2400" dirty="0">
+                <a:highlight>
+                  <a:srgbClr val="FFFF00"/>
+                </a:highlight>
+                <a:latin typeface="American Typewriter" panose="02090604020004020304" pitchFamily="18" charset="77"/>
+              </a:rPr>
+              <a:t> {</a:t>
+            </a:r>
+          </a:p>
+          <a:p>
+            <a:pPr marL="177800" indent="0">
+              <a:buNone/>
+            </a:pPr>
+            <a:r>
+              <a:rPr lang="en-US" sz="2400" dirty="0">
+                <a:highlight>
+                  <a:srgbClr val="FFFF00"/>
+                </a:highlight>
+                <a:latin typeface="American Typewriter" panose="02090604020004020304" pitchFamily="18" charset="77"/>
+              </a:rPr>
+              <a:t>    return 2*</a:t>
+            </a:r>
+            <a:r>
+              <a:rPr lang="en-US" sz="2400" dirty="0" err="1">
+                <a:highlight>
+                  <a:srgbClr val="FFFF00"/>
+                </a:highlight>
+                <a:latin typeface="American Typewriter" panose="02090604020004020304" pitchFamily="18" charset="77"/>
+              </a:rPr>
+              <a:t>r.width</a:t>
+            </a:r>
+            <a:r>
+              <a:rPr lang="en-US" sz="2400" dirty="0">
+                <a:highlight>
+                  <a:srgbClr val="FFFF00"/>
+                </a:highlight>
+                <a:latin typeface="American Typewriter" panose="02090604020004020304" pitchFamily="18" charset="77"/>
+              </a:rPr>
+              <a:t> + 2*</a:t>
+            </a:r>
+            <a:r>
+              <a:rPr lang="en-US" sz="2400" dirty="0" err="1">
+                <a:highlight>
+                  <a:srgbClr val="FFFF00"/>
+                </a:highlight>
+                <a:latin typeface="American Typewriter" panose="02090604020004020304" pitchFamily="18" charset="77"/>
+              </a:rPr>
+              <a:t>r.height</a:t>
+            </a:r>
+            <a:endParaRPr lang="en-US" sz="2400" dirty="0">
+              <a:highlight>
+                <a:srgbClr val="FFFF00"/>
+              </a:highlight>
+              <a:latin typeface="American Typewriter" panose="02090604020004020304" pitchFamily="18" charset="77"/>
+            </a:endParaRPr>
+          </a:p>
+          <a:p>
+            <a:pPr marL="177800" indent="0">
+              <a:buNone/>
+            </a:pPr>
+            <a:r>
+              <a:rPr lang="en-US" sz="2400" dirty="0">
+                <a:highlight>
+                  <a:srgbClr val="FFFF00"/>
+                </a:highlight>
+                <a:latin typeface="American Typewriter" panose="02090604020004020304" pitchFamily="18" charset="77"/>
+              </a:rPr>
+              <a:t>}</a:t>
+            </a:r>
+          </a:p>
+          <a:p>
+            <a:pPr marL="177800" indent="0">
+              <a:buNone/>
+            </a:pPr>
+            <a:endParaRPr lang="en-US" dirty="0">
+              <a:highlight>
+                <a:srgbClr val="FFFF00"/>
+              </a:highlight>
+            </a:endParaRPr>
+          </a:p>
+        </p:txBody>
+      </p:sp>
+      <p:pic>
+        <p:nvPicPr>
+          <p:cNvPr id="8194" name="Picture 2" descr="Image result for golang gopher">
+            <a:extLst>
+              <a:ext uri="{FF2B5EF4-FFF2-40B4-BE49-F238E27FC236}">
+                <a16:creationId xmlns:a16="http://schemas.microsoft.com/office/drawing/2014/main" id="{11BB026F-0C31-6D43-96A8-8E903F5CDA82}"/>
+              </a:ext>
+            </a:extLst>
+          </p:cNvPr>
+          <p:cNvPicPr>
+            <a:picLocks noChangeAspect="1" noChangeArrowheads="1"/>
+          </p:cNvPicPr>
+          <p:nvPr/>
+        </p:nvPicPr>
+        <p:blipFill>
+          <a:blip r:embed="rId2">
+            <a:extLst>
+              <a:ext uri="{28A0092B-C50C-407E-A947-70E740481C1C}">
+                <a14:useLocalDpi xmlns:a14="http://schemas.microsoft.com/office/drawing/2010/main" val="0"/>
+              </a:ext>
+            </a:extLst>
+          </a:blip>
+          <a:srcRect/>
+          <a:stretch>
+            <a:fillRect/>
+          </a:stretch>
+        </p:blipFill>
+        <p:spPr bwMode="auto">
+          <a:xfrm>
+            <a:off x="5154259" y="5024486"/>
+            <a:ext cx="3401677" cy="1581935"/>
+          </a:xfrm>
+          <a:prstGeom prst="rect">
+            <a:avLst/>
+          </a:prstGeom>
+          <a:noFill/>
+          <a:extLst>
+            <a:ext uri="{909E8E84-426E-40DD-AFC4-6F175D3DCCD1}">
+              <a14:hiddenFill xmlns:a14="http://schemas.microsoft.com/office/drawing/2010/main">
+                <a:solidFill>
+                  <a:srgbClr val="FFFFFF"/>
+                </a:solidFill>
+              </a14:hiddenFill>
+            </a:ext>
+          </a:extLst>
+        </p:spPr>
+      </p:pic>
+    </p:spTree>
+    <p:extLst>
+      <p:ext uri="{BB962C8B-B14F-4D97-AF65-F5344CB8AC3E}">
+        <p14:creationId xmlns:p14="http://schemas.microsoft.com/office/powerpoint/2010/main" val="1252470443"/>
+      </p:ext>
+    </p:extLst>
+  </p:cSld>
+  <p:clrMapOvr>
+    <a:masterClrMapping/>
+  </p:clrMapOvr>
+</p:sld>
+</file>
+
+<file path=ppt/slides/slide49.xml><?xml version="1.0" encoding="utf-8"?>
+<p:sld xmlns:a="http://schemas.openxmlformats.org/drawingml/2006/main" xmlns:r="http://schemas.openxmlformats.org/officeDocument/2006/relationships" xmlns:p="http://schemas.openxmlformats.org/presentationml/2006/main">
+  <p:cSld>
+    <p:spTree>
+      <p:nvGrpSpPr>
+        <p:cNvPr id="1" name=""/>
+        <p:cNvGrpSpPr/>
+        <p:nvPr/>
+      </p:nvGrpSpPr>
+      <p:grpSpPr>
+        <a:xfrm>
+          <a:off x="0" y="0"/>
+          <a:ext cx="0" cy="0"/>
+          <a:chOff x="0" y="0"/>
+          <a:chExt cx="0" cy="0"/>
+        </a:xfrm>
+      </p:grpSpPr>
+      <p:sp>
+        <p:nvSpPr>
+          <p:cNvPr id="2" name="Title 1">
+            <a:extLst>
+              <a:ext uri="{FF2B5EF4-FFF2-40B4-BE49-F238E27FC236}">
+                <a16:creationId xmlns:a16="http://schemas.microsoft.com/office/drawing/2014/main" id="{3D4DAEB5-C77A-3047-AE1A-EC458E3AF5EE}"/>
+              </a:ext>
+            </a:extLst>
+          </p:cNvPr>
+          <p:cNvSpPr>
+            <a:spLocks noGrp="1"/>
+          </p:cNvSpPr>
+          <p:nvPr>
+            <p:ph type="title"/>
+          </p:nvPr>
+        </p:nvSpPr>
+        <p:spPr/>
+        <p:txBody>
+          <a:bodyPr/>
+          <a:lstStyle/>
+          <a:p>
+            <a:r>
+              <a:rPr lang="en-US" dirty="0"/>
+              <a:t>Consider this function:</a:t>
+            </a:r>
+          </a:p>
+        </p:txBody>
+      </p:sp>
+      <p:sp>
+        <p:nvSpPr>
+          <p:cNvPr id="3" name="Text Placeholder 2">
+            <a:extLst>
+              <a:ext uri="{FF2B5EF4-FFF2-40B4-BE49-F238E27FC236}">
+                <a16:creationId xmlns:a16="http://schemas.microsoft.com/office/drawing/2014/main" id="{434028F2-ECED-6F45-82FA-8F43A9533682}"/>
+              </a:ext>
+            </a:extLst>
+          </p:cNvPr>
+          <p:cNvSpPr>
+            <a:spLocks noGrp="1"/>
+          </p:cNvSpPr>
+          <p:nvPr>
+            <p:ph type="body" idx="1"/>
+          </p:nvPr>
+        </p:nvSpPr>
+        <p:spPr/>
+        <p:txBody>
+          <a:bodyPr/>
+          <a:lstStyle/>
+          <a:p>
+            <a:pPr marL="177800" indent="0">
+              <a:buNone/>
+            </a:pPr>
+            <a:r>
+              <a:rPr lang="en-US" dirty="0" err="1">
+                <a:highlight>
+                  <a:srgbClr val="FFFF00"/>
+                </a:highlight>
+                <a:latin typeface="American Typewriter" panose="02090604020004020304" pitchFamily="18" charset="77"/>
+              </a:rPr>
+              <a:t>func</a:t>
+            </a:r>
+            <a:r>
+              <a:rPr lang="en-US" dirty="0">
+                <a:highlight>
+                  <a:srgbClr val="FFFF00"/>
+                </a:highlight>
+                <a:latin typeface="American Typewriter" panose="02090604020004020304" pitchFamily="18" charset="77"/>
+              </a:rPr>
+              <a:t> (r </a:t>
+            </a:r>
+            <a:r>
+              <a:rPr lang="en-US" dirty="0" err="1">
+                <a:highlight>
+                  <a:srgbClr val="FFFF00"/>
+                </a:highlight>
+                <a:latin typeface="American Typewriter" panose="02090604020004020304" pitchFamily="18" charset="77"/>
+              </a:rPr>
+              <a:t>rect</a:t>
+            </a:r>
+            <a:r>
+              <a:rPr lang="en-US" dirty="0">
+                <a:highlight>
+                  <a:srgbClr val="FFFF00"/>
+                </a:highlight>
+                <a:latin typeface="American Typewriter" panose="02090604020004020304" pitchFamily="18" charset="77"/>
+              </a:rPr>
+              <a:t>) </a:t>
+            </a:r>
+            <a:r>
+              <a:rPr lang="en-US" dirty="0" err="1">
+                <a:highlight>
+                  <a:srgbClr val="FFFF00"/>
+                </a:highlight>
+                <a:latin typeface="American Typewriter" panose="02090604020004020304" pitchFamily="18" charset="77"/>
+              </a:rPr>
+              <a:t>perim</a:t>
+            </a:r>
+            <a:r>
+              <a:rPr lang="en-US" dirty="0">
+                <a:highlight>
+                  <a:srgbClr val="FFFF00"/>
+                </a:highlight>
+                <a:latin typeface="American Typewriter" panose="02090604020004020304" pitchFamily="18" charset="77"/>
+              </a:rPr>
+              <a:t>() </a:t>
+            </a:r>
+            <a:r>
+              <a:rPr lang="en-US" dirty="0" err="1">
+                <a:highlight>
+                  <a:srgbClr val="FFFF00"/>
+                </a:highlight>
+                <a:latin typeface="American Typewriter" panose="02090604020004020304" pitchFamily="18" charset="77"/>
+              </a:rPr>
+              <a:t>int</a:t>
+            </a:r>
+            <a:r>
+              <a:rPr lang="en-US" dirty="0">
+                <a:highlight>
+                  <a:srgbClr val="FFFF00"/>
+                </a:highlight>
+                <a:latin typeface="American Typewriter" panose="02090604020004020304" pitchFamily="18" charset="77"/>
+              </a:rPr>
+              <a:t> {</a:t>
+            </a:r>
+          </a:p>
+          <a:p>
+            <a:pPr marL="177800" indent="0">
+              <a:buNone/>
+            </a:pPr>
+            <a:r>
+              <a:rPr lang="en-US" dirty="0">
+                <a:highlight>
+                  <a:srgbClr val="FFFF00"/>
+                </a:highlight>
+                <a:latin typeface="American Typewriter" panose="02090604020004020304" pitchFamily="18" charset="77"/>
+              </a:rPr>
+              <a:t>    return 2*</a:t>
+            </a:r>
+            <a:r>
+              <a:rPr lang="en-US" dirty="0" err="1">
+                <a:highlight>
+                  <a:srgbClr val="FFFF00"/>
+                </a:highlight>
+                <a:latin typeface="American Typewriter" panose="02090604020004020304" pitchFamily="18" charset="77"/>
+              </a:rPr>
+              <a:t>r.width</a:t>
+            </a:r>
+            <a:r>
+              <a:rPr lang="en-US" dirty="0">
+                <a:highlight>
+                  <a:srgbClr val="FFFF00"/>
+                </a:highlight>
+                <a:latin typeface="American Typewriter" panose="02090604020004020304" pitchFamily="18" charset="77"/>
+              </a:rPr>
+              <a:t> + 2*</a:t>
+            </a:r>
+            <a:r>
+              <a:rPr lang="en-US" dirty="0" err="1">
+                <a:highlight>
+                  <a:srgbClr val="FFFF00"/>
+                </a:highlight>
+                <a:latin typeface="American Typewriter" panose="02090604020004020304" pitchFamily="18" charset="77"/>
+              </a:rPr>
+              <a:t>r.height</a:t>
+            </a:r>
+            <a:endParaRPr lang="en-US" dirty="0">
+              <a:highlight>
+                <a:srgbClr val="FFFF00"/>
+              </a:highlight>
+              <a:latin typeface="American Typewriter" panose="02090604020004020304" pitchFamily="18" charset="77"/>
+            </a:endParaRPr>
+          </a:p>
+          <a:p>
+            <a:pPr marL="177800" indent="0">
+              <a:buNone/>
+            </a:pPr>
+            <a:r>
+              <a:rPr lang="en-US" dirty="0">
+                <a:highlight>
+                  <a:srgbClr val="FFFF00"/>
+                </a:highlight>
+                <a:latin typeface="American Typewriter" panose="02090604020004020304" pitchFamily="18" charset="77"/>
+              </a:rPr>
+              <a:t>}</a:t>
+            </a:r>
+          </a:p>
+          <a:p>
+            <a:pPr marL="177800" indent="0">
+              <a:buNone/>
+            </a:pPr>
+            <a:endParaRPr lang="en-US" dirty="0"/>
+          </a:p>
+          <a:p>
+            <a:pPr marL="177800" indent="0">
+              <a:buNone/>
+            </a:pPr>
+            <a:r>
+              <a:rPr lang="en-US" dirty="0"/>
+              <a:t>Then to call it:</a:t>
+            </a:r>
+          </a:p>
+          <a:p>
+            <a:pPr marL="177800" indent="0">
+              <a:buNone/>
+            </a:pPr>
+            <a:endParaRPr lang="en-US" dirty="0">
+              <a:highlight>
+                <a:srgbClr val="FFFF00"/>
+              </a:highlight>
+            </a:endParaRPr>
+          </a:p>
+          <a:p>
+            <a:pPr marL="177800" indent="0">
+              <a:buNone/>
+            </a:pPr>
+            <a:r>
+              <a:rPr lang="en-US" dirty="0">
+                <a:highlight>
+                  <a:srgbClr val="FFFF00"/>
+                </a:highlight>
+                <a:latin typeface="American Typewriter" panose="02090604020004020304" pitchFamily="18" charset="77"/>
+              </a:rPr>
+              <a:t>//first define:</a:t>
+            </a:r>
+          </a:p>
+          <a:p>
+            <a:pPr marL="177800" indent="0">
+              <a:buNone/>
+            </a:pPr>
+            <a:r>
+              <a:rPr lang="en-US" dirty="0">
+                <a:highlight>
+                  <a:srgbClr val="FFFF00"/>
+                </a:highlight>
+                <a:latin typeface="American Typewriter" panose="02090604020004020304" pitchFamily="18" charset="77"/>
+              </a:rPr>
+              <a:t>r := </a:t>
+            </a:r>
+            <a:r>
+              <a:rPr lang="en-US" dirty="0" err="1">
+                <a:highlight>
+                  <a:srgbClr val="FFFF00"/>
+                </a:highlight>
+                <a:latin typeface="American Typewriter" panose="02090604020004020304" pitchFamily="18" charset="77"/>
+              </a:rPr>
+              <a:t>rect</a:t>
+            </a:r>
+            <a:r>
+              <a:rPr lang="en-US" dirty="0">
+                <a:highlight>
+                  <a:srgbClr val="FFFF00"/>
+                </a:highlight>
+                <a:latin typeface="American Typewriter" panose="02090604020004020304" pitchFamily="18" charset="77"/>
+              </a:rPr>
+              <a:t>{width: 10, height: 5}</a:t>
+            </a:r>
+          </a:p>
+          <a:p>
+            <a:pPr marL="177800" indent="0">
+              <a:buNone/>
+            </a:pPr>
+            <a:r>
+              <a:rPr lang="en-US" dirty="0">
+                <a:highlight>
+                  <a:srgbClr val="FFFF00"/>
+                </a:highlight>
+                <a:latin typeface="American Typewriter" panose="02090604020004020304" pitchFamily="18" charset="77"/>
+              </a:rPr>
+              <a:t>//then call</a:t>
+            </a:r>
+          </a:p>
+          <a:p>
+            <a:pPr marL="177800" indent="0">
+              <a:buNone/>
+            </a:pPr>
+            <a:r>
+              <a:rPr lang="en-US" dirty="0" err="1">
+                <a:highlight>
+                  <a:srgbClr val="FFFF00"/>
+                </a:highlight>
+                <a:latin typeface="American Typewriter" panose="02090604020004020304" pitchFamily="18" charset="77"/>
+              </a:rPr>
+              <a:t>fmt.Println</a:t>
+            </a:r>
+            <a:r>
+              <a:rPr lang="en-US" dirty="0">
+                <a:highlight>
+                  <a:srgbClr val="FFFF00"/>
+                </a:highlight>
+                <a:latin typeface="American Typewriter" panose="02090604020004020304" pitchFamily="18" charset="77"/>
+              </a:rPr>
+              <a:t>(</a:t>
+            </a:r>
+            <a:r>
+              <a:rPr lang="en-US" dirty="0" err="1">
+                <a:highlight>
+                  <a:srgbClr val="FFFF00"/>
+                </a:highlight>
+                <a:latin typeface="American Typewriter" panose="02090604020004020304" pitchFamily="18" charset="77"/>
+              </a:rPr>
+              <a:t>r.perim</a:t>
+            </a:r>
+            <a:r>
+              <a:rPr lang="en-US" dirty="0">
+                <a:highlight>
+                  <a:srgbClr val="FFFF00"/>
+                </a:highlight>
+                <a:latin typeface="American Typewriter" panose="02090604020004020304" pitchFamily="18" charset="77"/>
+              </a:rPr>
+              <a:t>())</a:t>
+            </a:r>
+          </a:p>
+        </p:txBody>
+      </p:sp>
+      <p:pic>
+        <p:nvPicPr>
+          <p:cNvPr id="9220" name="Picture 4" descr="Image result for golang gopher">
+            <a:extLst>
+              <a:ext uri="{FF2B5EF4-FFF2-40B4-BE49-F238E27FC236}">
+                <a16:creationId xmlns:a16="http://schemas.microsoft.com/office/drawing/2014/main" id="{C2A27611-662D-B542-87D7-A6A970862128}"/>
+              </a:ext>
+            </a:extLst>
+          </p:cNvPr>
+          <p:cNvPicPr>
+            <a:picLocks noChangeAspect="1" noChangeArrowheads="1"/>
+          </p:cNvPicPr>
+          <p:nvPr/>
+        </p:nvPicPr>
+        <p:blipFill>
+          <a:blip r:embed="rId2">
+            <a:extLst>
+              <a:ext uri="{28A0092B-C50C-407E-A947-70E740481C1C}">
+                <a14:useLocalDpi xmlns:a14="http://schemas.microsoft.com/office/drawing/2010/main" val="0"/>
+              </a:ext>
+            </a:extLst>
+          </a:blip>
+          <a:srcRect/>
+          <a:stretch>
+            <a:fillRect/>
+          </a:stretch>
+        </p:blipFill>
+        <p:spPr bwMode="auto">
+          <a:xfrm>
+            <a:off x="5462243" y="2559738"/>
+            <a:ext cx="2857500" cy="2857500"/>
+          </a:xfrm>
+          <a:prstGeom prst="rect">
+            <a:avLst/>
+          </a:prstGeom>
+          <a:noFill/>
+          <a:extLst>
+            <a:ext uri="{909E8E84-426E-40DD-AFC4-6F175D3DCCD1}">
+              <a14:hiddenFill xmlns:a14="http://schemas.microsoft.com/office/drawing/2010/main">
+                <a:solidFill>
+                  <a:srgbClr val="FFFFFF"/>
+                </a:solidFill>
+              </a14:hiddenFill>
+            </a:ext>
+          </a:extLst>
+        </p:spPr>
+      </p:pic>
+    </p:spTree>
+    <p:extLst>
+      <p:ext uri="{BB962C8B-B14F-4D97-AF65-F5344CB8AC3E}">
+        <p14:creationId xmlns:p14="http://schemas.microsoft.com/office/powerpoint/2010/main" val="4153244075"/>
       </p:ext>
     </p:extLst>
   </p:cSld>
@@ -18563,6 +20379,1481 @@
     <p:extLst>
       <p:ext uri="{BB962C8B-B14F-4D97-AF65-F5344CB8AC3E}">
         <p14:creationId xmlns:p14="http://schemas.microsoft.com/office/powerpoint/2010/main" val="1513115951"/>
+      </p:ext>
+    </p:extLst>
+  </p:cSld>
+  <p:clrMapOvr>
+    <a:masterClrMapping/>
+  </p:clrMapOvr>
+</p:sld>
+</file>
+
+<file path=ppt/slides/slide50.xml><?xml version="1.0" encoding="utf-8"?>
+<p:sld xmlns:a="http://schemas.openxmlformats.org/drawingml/2006/main" xmlns:r="http://schemas.openxmlformats.org/officeDocument/2006/relationships" xmlns:p="http://schemas.openxmlformats.org/presentationml/2006/main">
+  <p:cSld>
+    <p:spTree>
+      <p:nvGrpSpPr>
+        <p:cNvPr id="1" name=""/>
+        <p:cNvGrpSpPr/>
+        <p:nvPr/>
+      </p:nvGrpSpPr>
+      <p:grpSpPr>
+        <a:xfrm>
+          <a:off x="0" y="0"/>
+          <a:ext cx="0" cy="0"/>
+          <a:chOff x="0" y="0"/>
+          <a:chExt cx="0" cy="0"/>
+        </a:xfrm>
+      </p:grpSpPr>
+      <p:sp>
+        <p:nvSpPr>
+          <p:cNvPr id="2" name="Title 1">
+            <a:extLst>
+              <a:ext uri="{FF2B5EF4-FFF2-40B4-BE49-F238E27FC236}">
+                <a16:creationId xmlns:a16="http://schemas.microsoft.com/office/drawing/2014/main" id="{DF383B22-1FBF-1545-9CB1-7A87EEC6DF68}"/>
+              </a:ext>
+            </a:extLst>
+          </p:cNvPr>
+          <p:cNvSpPr>
+            <a:spLocks noGrp="1"/>
+          </p:cNvSpPr>
+          <p:nvPr>
+            <p:ph type="title"/>
+          </p:nvPr>
+        </p:nvSpPr>
+        <p:spPr/>
+        <p:txBody>
+          <a:bodyPr/>
+          <a:lstStyle/>
+          <a:p>
+            <a:r>
+              <a:rPr lang="en-US" dirty="0"/>
+              <a:t>Structs and functions</a:t>
+            </a:r>
+          </a:p>
+        </p:txBody>
+      </p:sp>
+      <p:sp>
+        <p:nvSpPr>
+          <p:cNvPr id="3" name="Text Placeholder 2">
+            <a:extLst>
+              <a:ext uri="{FF2B5EF4-FFF2-40B4-BE49-F238E27FC236}">
+                <a16:creationId xmlns:a16="http://schemas.microsoft.com/office/drawing/2014/main" id="{6726EF7F-6539-C844-A3A1-167916391BB1}"/>
+              </a:ext>
+            </a:extLst>
+          </p:cNvPr>
+          <p:cNvSpPr>
+            <a:spLocks noGrp="1"/>
+          </p:cNvSpPr>
+          <p:nvPr>
+            <p:ph type="body" idx="1"/>
+          </p:nvPr>
+        </p:nvSpPr>
+        <p:spPr/>
+        <p:txBody>
+          <a:bodyPr/>
+          <a:lstStyle/>
+          <a:p>
+            <a:r>
+              <a:rPr lang="en-US" dirty="0"/>
+              <a:t>So as you can see- we altered the function method and we are pointing back at our struct as the </a:t>
+            </a:r>
+            <a:r>
+              <a:rPr lang="en-US" b="1" dirty="0"/>
+              <a:t>receiver</a:t>
+            </a:r>
+            <a:r>
+              <a:rPr lang="en-US" dirty="0"/>
+              <a:t> of the output of the function. </a:t>
+            </a:r>
+          </a:p>
+          <a:p>
+            <a:r>
+              <a:rPr lang="en-US" dirty="0"/>
+              <a:t>You then call the function the same way you would normally (in most languages) call a function within the object- with </a:t>
+            </a:r>
+            <a:r>
+              <a:rPr lang="en-US" b="1" dirty="0" err="1"/>
+              <a:t>structName.functionName</a:t>
+            </a:r>
+            <a:r>
+              <a:rPr lang="en-US" b="1" dirty="0"/>
+              <a:t>()</a:t>
+            </a:r>
+            <a:endParaRPr lang="en-US" dirty="0"/>
+          </a:p>
+        </p:txBody>
+      </p:sp>
+      <p:pic>
+        <p:nvPicPr>
+          <p:cNvPr id="10242" name="Picture 2" descr="Image result for golang gopher">
+            <a:extLst>
+              <a:ext uri="{FF2B5EF4-FFF2-40B4-BE49-F238E27FC236}">
+                <a16:creationId xmlns:a16="http://schemas.microsoft.com/office/drawing/2014/main" id="{C26AFA25-03D2-7644-9D07-F355C0EE7B79}"/>
+              </a:ext>
+            </a:extLst>
+          </p:cNvPr>
+          <p:cNvPicPr>
+            <a:picLocks noChangeAspect="1" noChangeArrowheads="1"/>
+          </p:cNvPicPr>
+          <p:nvPr/>
+        </p:nvPicPr>
+        <p:blipFill>
+          <a:blip r:embed="rId2">
+            <a:extLst>
+              <a:ext uri="{28A0092B-C50C-407E-A947-70E740481C1C}">
+                <a14:useLocalDpi xmlns:a14="http://schemas.microsoft.com/office/drawing/2010/main" val="0"/>
+              </a:ext>
+            </a:extLst>
+          </a:blip>
+          <a:srcRect/>
+          <a:stretch>
+            <a:fillRect/>
+          </a:stretch>
+        </p:blipFill>
+        <p:spPr bwMode="auto">
+          <a:xfrm>
+            <a:off x="2560229" y="4267199"/>
+            <a:ext cx="3797300" cy="2133600"/>
+          </a:xfrm>
+          <a:prstGeom prst="rect">
+            <a:avLst/>
+          </a:prstGeom>
+          <a:noFill/>
+          <a:extLst>
+            <a:ext uri="{909E8E84-426E-40DD-AFC4-6F175D3DCCD1}">
+              <a14:hiddenFill xmlns:a14="http://schemas.microsoft.com/office/drawing/2010/main">
+                <a:solidFill>
+                  <a:srgbClr val="FFFFFF"/>
+                </a:solidFill>
+              </a14:hiddenFill>
+            </a:ext>
+          </a:extLst>
+        </p:spPr>
+      </p:pic>
+    </p:spTree>
+    <p:extLst>
+      <p:ext uri="{BB962C8B-B14F-4D97-AF65-F5344CB8AC3E}">
+        <p14:creationId xmlns:p14="http://schemas.microsoft.com/office/powerpoint/2010/main" val="3190768411"/>
+      </p:ext>
+    </p:extLst>
+  </p:cSld>
+  <p:clrMapOvr>
+    <a:masterClrMapping/>
+  </p:clrMapOvr>
+</p:sld>
+</file>
+
+<file path=ppt/slides/slide51.xml><?xml version="1.0" encoding="utf-8"?>
+<p:sld xmlns:a="http://schemas.openxmlformats.org/drawingml/2006/main" xmlns:r="http://schemas.openxmlformats.org/officeDocument/2006/relationships" xmlns:p="http://schemas.openxmlformats.org/presentationml/2006/main">
+  <p:cSld>
+    <p:spTree>
+      <p:nvGrpSpPr>
+        <p:cNvPr id="1" name=""/>
+        <p:cNvGrpSpPr/>
+        <p:nvPr/>
+      </p:nvGrpSpPr>
+      <p:grpSpPr>
+        <a:xfrm>
+          <a:off x="0" y="0"/>
+          <a:ext cx="0" cy="0"/>
+          <a:chOff x="0" y="0"/>
+          <a:chExt cx="0" cy="0"/>
+        </a:xfrm>
+      </p:grpSpPr>
+      <p:sp>
+        <p:nvSpPr>
+          <p:cNvPr id="2" name="Title 1">
+            <a:extLst>
+              <a:ext uri="{FF2B5EF4-FFF2-40B4-BE49-F238E27FC236}">
+                <a16:creationId xmlns:a16="http://schemas.microsoft.com/office/drawing/2014/main" id="{2F6A0346-CF4A-B843-883D-FFB45B50FD75}"/>
+              </a:ext>
+            </a:extLst>
+          </p:cNvPr>
+          <p:cNvSpPr>
+            <a:spLocks noGrp="1"/>
+          </p:cNvSpPr>
+          <p:nvPr>
+            <p:ph type="title"/>
+          </p:nvPr>
+        </p:nvSpPr>
+        <p:spPr/>
+        <p:txBody>
+          <a:bodyPr/>
+          <a:lstStyle/>
+          <a:p>
+            <a:r>
+              <a:rPr lang="en-US" dirty="0"/>
+              <a:t>Interfaces In GO</a:t>
+            </a:r>
+          </a:p>
+        </p:txBody>
+      </p:sp>
+      <p:sp>
+        <p:nvSpPr>
+          <p:cNvPr id="3" name="Text Placeholder 2">
+            <a:extLst>
+              <a:ext uri="{FF2B5EF4-FFF2-40B4-BE49-F238E27FC236}">
+                <a16:creationId xmlns:a16="http://schemas.microsoft.com/office/drawing/2014/main" id="{C9F8264F-2C28-574A-9294-8BCE2E5484EE}"/>
+              </a:ext>
+            </a:extLst>
+          </p:cNvPr>
+          <p:cNvSpPr>
+            <a:spLocks noGrp="1"/>
+          </p:cNvSpPr>
+          <p:nvPr>
+            <p:ph type="body" idx="1"/>
+          </p:nvPr>
+        </p:nvSpPr>
+        <p:spPr/>
+        <p:txBody>
+          <a:bodyPr/>
+          <a:lstStyle/>
+          <a:p>
+            <a:r>
+              <a:rPr lang="en-US" dirty="0"/>
+              <a:t> In coding the term “interface” comes with a lot of baggage. For GO you can think of it a lot like how we use it in </a:t>
+            </a:r>
+            <a:r>
+              <a:rPr lang="en-US" b="1" dirty="0"/>
+              <a:t>Java</a:t>
+            </a:r>
+            <a:r>
+              <a:rPr lang="en-US" dirty="0"/>
+              <a:t>. </a:t>
+            </a:r>
+          </a:p>
+          <a:p>
+            <a:r>
+              <a:rPr lang="en-US" dirty="0"/>
+              <a:t>An interface is primarily used to achieve </a:t>
+            </a:r>
+            <a:r>
+              <a:rPr lang="en-US" i="1" dirty="0"/>
+              <a:t>polymorphism</a:t>
+            </a:r>
+            <a:r>
+              <a:rPr lang="en-US" dirty="0"/>
+              <a:t> by creating a collection of </a:t>
+            </a:r>
+            <a:r>
+              <a:rPr lang="en-US" i="1" dirty="0"/>
+              <a:t>methods </a:t>
+            </a:r>
+            <a:r>
+              <a:rPr lang="en-US" dirty="0"/>
+              <a:t>that can act on any struct.</a:t>
+            </a:r>
+          </a:p>
+          <a:p>
+            <a:r>
+              <a:rPr lang="en-US" dirty="0"/>
+              <a:t>We are encapsulating </a:t>
+            </a:r>
+            <a:r>
+              <a:rPr lang="en-US" b="1" dirty="0"/>
+              <a:t>behavior</a:t>
+            </a:r>
+            <a:r>
+              <a:rPr lang="en-US" dirty="0"/>
+              <a:t> and not an object.</a:t>
+            </a:r>
+          </a:p>
+        </p:txBody>
+      </p:sp>
+      <p:pic>
+        <p:nvPicPr>
+          <p:cNvPr id="11266" name="Picture 2" descr="Image result for golang gopher">
+            <a:extLst>
+              <a:ext uri="{FF2B5EF4-FFF2-40B4-BE49-F238E27FC236}">
+                <a16:creationId xmlns:a16="http://schemas.microsoft.com/office/drawing/2014/main" id="{DE8B74A5-B5E4-9F4A-9FD3-3A8924BD3530}"/>
+              </a:ext>
+            </a:extLst>
+          </p:cNvPr>
+          <p:cNvPicPr>
+            <a:picLocks noChangeAspect="1" noChangeArrowheads="1"/>
+          </p:cNvPicPr>
+          <p:nvPr/>
+        </p:nvPicPr>
+        <p:blipFill>
+          <a:blip r:embed="rId2">
+            <a:extLst>
+              <a:ext uri="{28A0092B-C50C-407E-A947-70E740481C1C}">
+                <a14:useLocalDpi xmlns:a14="http://schemas.microsoft.com/office/drawing/2010/main" val="0"/>
+              </a:ext>
+            </a:extLst>
+          </a:blip>
+          <a:srcRect/>
+          <a:stretch>
+            <a:fillRect/>
+          </a:stretch>
+        </p:blipFill>
+        <p:spPr bwMode="auto">
+          <a:xfrm>
+            <a:off x="2345311" y="4615796"/>
+            <a:ext cx="4038600" cy="2019300"/>
+          </a:xfrm>
+          <a:prstGeom prst="rect">
+            <a:avLst/>
+          </a:prstGeom>
+          <a:noFill/>
+          <a:extLst>
+            <a:ext uri="{909E8E84-426E-40DD-AFC4-6F175D3DCCD1}">
+              <a14:hiddenFill xmlns:a14="http://schemas.microsoft.com/office/drawing/2010/main">
+                <a:solidFill>
+                  <a:srgbClr val="FFFFFF"/>
+                </a:solidFill>
+              </a14:hiddenFill>
+            </a:ext>
+          </a:extLst>
+        </p:spPr>
+      </p:pic>
+    </p:spTree>
+    <p:extLst>
+      <p:ext uri="{BB962C8B-B14F-4D97-AF65-F5344CB8AC3E}">
+        <p14:creationId xmlns:p14="http://schemas.microsoft.com/office/powerpoint/2010/main" val="55236471"/>
+      </p:ext>
+    </p:extLst>
+  </p:cSld>
+  <p:clrMapOvr>
+    <a:masterClrMapping/>
+  </p:clrMapOvr>
+</p:sld>
+</file>
+
+<file path=ppt/slides/slide52.xml><?xml version="1.0" encoding="utf-8"?>
+<p:sld xmlns:a="http://schemas.openxmlformats.org/drawingml/2006/main" xmlns:r="http://schemas.openxmlformats.org/officeDocument/2006/relationships" xmlns:p="http://schemas.openxmlformats.org/presentationml/2006/main">
+  <p:cSld>
+    <p:spTree>
+      <p:nvGrpSpPr>
+        <p:cNvPr id="1" name=""/>
+        <p:cNvGrpSpPr/>
+        <p:nvPr/>
+      </p:nvGrpSpPr>
+      <p:grpSpPr>
+        <a:xfrm>
+          <a:off x="0" y="0"/>
+          <a:ext cx="0" cy="0"/>
+          <a:chOff x="0" y="0"/>
+          <a:chExt cx="0" cy="0"/>
+        </a:xfrm>
+      </p:grpSpPr>
+      <p:sp>
+        <p:nvSpPr>
+          <p:cNvPr id="2" name="Title 1">
+            <a:extLst>
+              <a:ext uri="{FF2B5EF4-FFF2-40B4-BE49-F238E27FC236}">
+                <a16:creationId xmlns:a16="http://schemas.microsoft.com/office/drawing/2014/main" id="{606E263E-582B-A840-8461-E68019F03329}"/>
+              </a:ext>
+            </a:extLst>
+          </p:cNvPr>
+          <p:cNvSpPr>
+            <a:spLocks noGrp="1"/>
+          </p:cNvSpPr>
+          <p:nvPr>
+            <p:ph type="title"/>
+          </p:nvPr>
+        </p:nvSpPr>
+        <p:spPr/>
+        <p:txBody>
+          <a:bodyPr/>
+          <a:lstStyle/>
+          <a:p>
+            <a:r>
+              <a:rPr lang="en-US" dirty="0"/>
+              <a:t>How to create Interfaces</a:t>
+            </a:r>
+          </a:p>
+        </p:txBody>
+      </p:sp>
+      <p:sp>
+        <p:nvSpPr>
+          <p:cNvPr id="3" name="Text Placeholder 2">
+            <a:extLst>
+              <a:ext uri="{FF2B5EF4-FFF2-40B4-BE49-F238E27FC236}">
+                <a16:creationId xmlns:a16="http://schemas.microsoft.com/office/drawing/2014/main" id="{2CEDF6C2-F543-5E42-985D-7CF7C108F74C}"/>
+              </a:ext>
+            </a:extLst>
+          </p:cNvPr>
+          <p:cNvSpPr>
+            <a:spLocks noGrp="1"/>
+          </p:cNvSpPr>
+          <p:nvPr>
+            <p:ph type="body" idx="1"/>
+          </p:nvPr>
+        </p:nvSpPr>
+        <p:spPr/>
+        <p:txBody>
+          <a:bodyPr/>
+          <a:lstStyle/>
+          <a:p>
+            <a:r>
+              <a:rPr lang="en-US" dirty="0"/>
+              <a:t> Instantiating interfaces looks a </a:t>
+            </a:r>
+            <a:r>
+              <a:rPr lang="en-US" b="1" dirty="0"/>
+              <a:t>lot</a:t>
+            </a:r>
+            <a:r>
+              <a:rPr lang="en-US" dirty="0"/>
+              <a:t> like structs. </a:t>
+            </a:r>
+          </a:p>
+          <a:p>
+            <a:r>
+              <a:rPr lang="en-US" dirty="0"/>
+              <a:t>They have the function call as the name and the return type as the value:</a:t>
+            </a:r>
+          </a:p>
+          <a:p>
+            <a:pPr marL="177800" indent="0">
+              <a:buNone/>
+            </a:pPr>
+            <a:endParaRPr lang="en-US" dirty="0"/>
+          </a:p>
+          <a:p>
+            <a:pPr marL="177800" indent="0">
+              <a:buNone/>
+            </a:pPr>
+            <a:r>
+              <a:rPr lang="en-US" dirty="0">
+                <a:highlight>
+                  <a:srgbClr val="FFFF00"/>
+                </a:highlight>
+                <a:latin typeface="American Typewriter" panose="02090604020004020304" pitchFamily="18" charset="77"/>
+              </a:rPr>
+              <a:t>type geometry interface {</a:t>
+            </a:r>
+          </a:p>
+          <a:p>
+            <a:pPr marL="177800" indent="0">
+              <a:buNone/>
+            </a:pPr>
+            <a:r>
+              <a:rPr lang="en-US" dirty="0">
+                <a:highlight>
+                  <a:srgbClr val="FFFF00"/>
+                </a:highlight>
+                <a:latin typeface="American Typewriter" panose="02090604020004020304" pitchFamily="18" charset="77"/>
+              </a:rPr>
+              <a:t>    area() float64</a:t>
+            </a:r>
+          </a:p>
+          <a:p>
+            <a:pPr marL="177800" indent="0">
+              <a:buNone/>
+            </a:pPr>
+            <a:r>
+              <a:rPr lang="en-US" dirty="0">
+                <a:highlight>
+                  <a:srgbClr val="FFFF00"/>
+                </a:highlight>
+                <a:latin typeface="American Typewriter" panose="02090604020004020304" pitchFamily="18" charset="77"/>
+              </a:rPr>
+              <a:t>    </a:t>
+            </a:r>
+            <a:r>
+              <a:rPr lang="en-US" dirty="0" err="1">
+                <a:highlight>
+                  <a:srgbClr val="FFFF00"/>
+                </a:highlight>
+                <a:latin typeface="American Typewriter" panose="02090604020004020304" pitchFamily="18" charset="77"/>
+              </a:rPr>
+              <a:t>perim</a:t>
+            </a:r>
+            <a:r>
+              <a:rPr lang="en-US" dirty="0">
+                <a:highlight>
+                  <a:srgbClr val="FFFF00"/>
+                </a:highlight>
+                <a:latin typeface="American Typewriter" panose="02090604020004020304" pitchFamily="18" charset="77"/>
+              </a:rPr>
+              <a:t>() float64</a:t>
+            </a:r>
+          </a:p>
+          <a:p>
+            <a:pPr marL="177800" indent="0">
+              <a:buNone/>
+            </a:pPr>
+            <a:r>
+              <a:rPr lang="en-US" dirty="0">
+                <a:highlight>
+                  <a:srgbClr val="FFFF00"/>
+                </a:highlight>
+                <a:latin typeface="American Typewriter" panose="02090604020004020304" pitchFamily="18" charset="77"/>
+              </a:rPr>
+              <a:t>}</a:t>
+            </a:r>
+          </a:p>
+          <a:p>
+            <a:pPr marL="177800" indent="0">
+              <a:buNone/>
+            </a:pPr>
+            <a:endParaRPr lang="en-US" dirty="0"/>
+          </a:p>
+          <a:p>
+            <a:pPr marL="177800" indent="0">
+              <a:buNone/>
+            </a:pPr>
+            <a:endParaRPr lang="en-US" dirty="0"/>
+          </a:p>
+        </p:txBody>
+      </p:sp>
+      <p:pic>
+        <p:nvPicPr>
+          <p:cNvPr id="12290" name="Picture 2" descr="Image result for golang gopher">
+            <a:extLst>
+              <a:ext uri="{FF2B5EF4-FFF2-40B4-BE49-F238E27FC236}">
+                <a16:creationId xmlns:a16="http://schemas.microsoft.com/office/drawing/2014/main" id="{BF10D233-C6F3-5C40-8508-A82185E832A4}"/>
+              </a:ext>
+            </a:extLst>
+          </p:cNvPr>
+          <p:cNvPicPr>
+            <a:picLocks noChangeAspect="1" noChangeArrowheads="1"/>
+          </p:cNvPicPr>
+          <p:nvPr/>
+        </p:nvPicPr>
+        <p:blipFill>
+          <a:blip r:embed="rId2">
+            <a:extLst>
+              <a:ext uri="{28A0092B-C50C-407E-A947-70E740481C1C}">
+                <a14:useLocalDpi xmlns:a14="http://schemas.microsoft.com/office/drawing/2010/main" val="0"/>
+              </a:ext>
+            </a:extLst>
+          </a:blip>
+          <a:srcRect/>
+          <a:stretch>
+            <a:fillRect/>
+          </a:stretch>
+        </p:blipFill>
+        <p:spPr bwMode="auto">
+          <a:xfrm>
+            <a:off x="5728748" y="2697964"/>
+            <a:ext cx="2362200" cy="3441700"/>
+          </a:xfrm>
+          <a:prstGeom prst="rect">
+            <a:avLst/>
+          </a:prstGeom>
+          <a:noFill/>
+          <a:extLst>
+            <a:ext uri="{909E8E84-426E-40DD-AFC4-6F175D3DCCD1}">
+              <a14:hiddenFill xmlns:a14="http://schemas.microsoft.com/office/drawing/2010/main">
+                <a:solidFill>
+                  <a:srgbClr val="FFFFFF"/>
+                </a:solidFill>
+              </a14:hiddenFill>
+            </a:ext>
+          </a:extLst>
+        </p:spPr>
+      </p:pic>
+    </p:spTree>
+    <p:extLst>
+      <p:ext uri="{BB962C8B-B14F-4D97-AF65-F5344CB8AC3E}">
+        <p14:creationId xmlns:p14="http://schemas.microsoft.com/office/powerpoint/2010/main" val="23251240"/>
+      </p:ext>
+    </p:extLst>
+  </p:cSld>
+  <p:clrMapOvr>
+    <a:masterClrMapping/>
+  </p:clrMapOvr>
+</p:sld>
+</file>
+
+<file path=ppt/slides/slide53.xml><?xml version="1.0" encoding="utf-8"?>
+<p:sld xmlns:a="http://schemas.openxmlformats.org/drawingml/2006/main" xmlns:r="http://schemas.openxmlformats.org/officeDocument/2006/relationships" xmlns:p="http://schemas.openxmlformats.org/presentationml/2006/main">
+  <p:cSld>
+    <p:spTree>
+      <p:nvGrpSpPr>
+        <p:cNvPr id="1" name=""/>
+        <p:cNvGrpSpPr/>
+        <p:nvPr/>
+      </p:nvGrpSpPr>
+      <p:grpSpPr>
+        <a:xfrm>
+          <a:off x="0" y="0"/>
+          <a:ext cx="0" cy="0"/>
+          <a:chOff x="0" y="0"/>
+          <a:chExt cx="0" cy="0"/>
+        </a:xfrm>
+      </p:grpSpPr>
+      <p:sp>
+        <p:nvSpPr>
+          <p:cNvPr id="2" name="Title 1">
+            <a:extLst>
+              <a:ext uri="{FF2B5EF4-FFF2-40B4-BE49-F238E27FC236}">
+                <a16:creationId xmlns:a16="http://schemas.microsoft.com/office/drawing/2014/main" id="{E49F2815-CF81-5844-9510-1B4278D82AC0}"/>
+              </a:ext>
+            </a:extLst>
+          </p:cNvPr>
+          <p:cNvSpPr>
+            <a:spLocks noGrp="1"/>
+          </p:cNvSpPr>
+          <p:nvPr>
+            <p:ph type="title"/>
+          </p:nvPr>
+        </p:nvSpPr>
+        <p:spPr/>
+        <p:txBody>
+          <a:bodyPr/>
+          <a:lstStyle/>
+          <a:p>
+            <a:r>
+              <a:rPr lang="en-US" dirty="0"/>
+              <a:t>Interfaces</a:t>
+            </a:r>
+          </a:p>
+        </p:txBody>
+      </p:sp>
+      <p:sp>
+        <p:nvSpPr>
+          <p:cNvPr id="3" name="Text Placeholder 2">
+            <a:extLst>
+              <a:ext uri="{FF2B5EF4-FFF2-40B4-BE49-F238E27FC236}">
+                <a16:creationId xmlns:a16="http://schemas.microsoft.com/office/drawing/2014/main" id="{8672CF9B-1F92-FB42-8AA1-8B15DD8677B2}"/>
+              </a:ext>
+            </a:extLst>
+          </p:cNvPr>
+          <p:cNvSpPr>
+            <a:spLocks noGrp="1"/>
+          </p:cNvSpPr>
+          <p:nvPr>
+            <p:ph type="body" idx="1"/>
+          </p:nvPr>
+        </p:nvSpPr>
+        <p:spPr/>
+        <p:txBody>
+          <a:bodyPr/>
+          <a:lstStyle/>
+          <a:p>
+            <a:r>
+              <a:rPr lang="en-US" dirty="0"/>
+              <a:t> There are two primary ways to use Interfaces in GO:</a:t>
+            </a:r>
+          </a:p>
+          <a:p>
+            <a:pPr lvl="1"/>
+            <a:r>
+              <a:rPr lang="en-US" dirty="0"/>
+              <a:t>As a set of methods to achieve polymorphism and</a:t>
+            </a:r>
+          </a:p>
+          <a:p>
+            <a:pPr lvl="1"/>
+            <a:r>
+              <a:rPr lang="en-US" dirty="0"/>
+              <a:t>As a type </a:t>
+            </a:r>
+            <a:r>
+              <a:rPr lang="en-US" i="1" dirty="0"/>
+              <a:t>that is dynamic</a:t>
+            </a:r>
+            <a:r>
+              <a:rPr lang="en-US" dirty="0"/>
+              <a:t>. </a:t>
+            </a:r>
+          </a:p>
+          <a:p>
+            <a:r>
+              <a:rPr lang="en-US" dirty="0"/>
+              <a:t>We’ve been over the first one of these so let’s talk about the second one here: </a:t>
+            </a:r>
+            <a:r>
+              <a:rPr lang="en-US" i="1" dirty="0"/>
+              <a:t>the empty interface</a:t>
+            </a:r>
+            <a:endParaRPr lang="en-US" dirty="0"/>
+          </a:p>
+        </p:txBody>
+      </p:sp>
+      <p:pic>
+        <p:nvPicPr>
+          <p:cNvPr id="13314" name="Picture 2" descr="Image result for golang gopher">
+            <a:extLst>
+              <a:ext uri="{FF2B5EF4-FFF2-40B4-BE49-F238E27FC236}">
+                <a16:creationId xmlns:a16="http://schemas.microsoft.com/office/drawing/2014/main" id="{D8338E18-F367-7049-903F-F237BD6E0518}"/>
+              </a:ext>
+            </a:extLst>
+          </p:cNvPr>
+          <p:cNvPicPr>
+            <a:picLocks noChangeAspect="1" noChangeArrowheads="1"/>
+          </p:cNvPicPr>
+          <p:nvPr/>
+        </p:nvPicPr>
+        <p:blipFill>
+          <a:blip r:embed="rId2">
+            <a:extLst>
+              <a:ext uri="{28A0092B-C50C-407E-A947-70E740481C1C}">
+                <a14:useLocalDpi xmlns:a14="http://schemas.microsoft.com/office/drawing/2010/main" val="0"/>
+              </a:ext>
+            </a:extLst>
+          </a:blip>
+          <a:srcRect/>
+          <a:stretch>
+            <a:fillRect/>
+          </a:stretch>
+        </p:blipFill>
+        <p:spPr bwMode="auto">
+          <a:xfrm>
+            <a:off x="3035300" y="4031268"/>
+            <a:ext cx="3073400" cy="2641600"/>
+          </a:xfrm>
+          <a:prstGeom prst="rect">
+            <a:avLst/>
+          </a:prstGeom>
+          <a:noFill/>
+          <a:extLst>
+            <a:ext uri="{909E8E84-426E-40DD-AFC4-6F175D3DCCD1}">
+              <a14:hiddenFill xmlns:a14="http://schemas.microsoft.com/office/drawing/2010/main">
+                <a:solidFill>
+                  <a:srgbClr val="FFFFFF"/>
+                </a:solidFill>
+              </a14:hiddenFill>
+            </a:ext>
+          </a:extLst>
+        </p:spPr>
+      </p:pic>
+    </p:spTree>
+    <p:extLst>
+      <p:ext uri="{BB962C8B-B14F-4D97-AF65-F5344CB8AC3E}">
+        <p14:creationId xmlns:p14="http://schemas.microsoft.com/office/powerpoint/2010/main" val="3098689698"/>
+      </p:ext>
+    </p:extLst>
+  </p:cSld>
+  <p:clrMapOvr>
+    <a:masterClrMapping/>
+  </p:clrMapOvr>
+</p:sld>
+</file>
+
+<file path=ppt/slides/slide54.xml><?xml version="1.0" encoding="utf-8"?>
+<p:sld xmlns:a="http://schemas.openxmlformats.org/drawingml/2006/main" xmlns:r="http://schemas.openxmlformats.org/officeDocument/2006/relationships" xmlns:p="http://schemas.openxmlformats.org/presentationml/2006/main">
+  <p:cSld>
+    <p:spTree>
+      <p:nvGrpSpPr>
+        <p:cNvPr id="1" name=""/>
+        <p:cNvGrpSpPr/>
+        <p:nvPr/>
+      </p:nvGrpSpPr>
+      <p:grpSpPr>
+        <a:xfrm>
+          <a:off x="0" y="0"/>
+          <a:ext cx="0" cy="0"/>
+          <a:chOff x="0" y="0"/>
+          <a:chExt cx="0" cy="0"/>
+        </a:xfrm>
+      </p:grpSpPr>
+      <p:sp>
+        <p:nvSpPr>
+          <p:cNvPr id="2" name="Title 1">
+            <a:extLst>
+              <a:ext uri="{FF2B5EF4-FFF2-40B4-BE49-F238E27FC236}">
+                <a16:creationId xmlns:a16="http://schemas.microsoft.com/office/drawing/2014/main" id="{EC30F22A-913A-E941-A316-326479C88EDC}"/>
+              </a:ext>
+            </a:extLst>
+          </p:cNvPr>
+          <p:cNvSpPr>
+            <a:spLocks noGrp="1"/>
+          </p:cNvSpPr>
+          <p:nvPr>
+            <p:ph type="title"/>
+          </p:nvPr>
+        </p:nvSpPr>
+        <p:spPr/>
+        <p:txBody>
+          <a:bodyPr/>
+          <a:lstStyle/>
+          <a:p>
+            <a:r>
+              <a:rPr lang="en-US" dirty="0"/>
+              <a:t>Interfaces and Generic</a:t>
+            </a:r>
+          </a:p>
+        </p:txBody>
+      </p:sp>
+      <p:sp>
+        <p:nvSpPr>
+          <p:cNvPr id="3" name="Text Placeholder 2">
+            <a:extLst>
+              <a:ext uri="{FF2B5EF4-FFF2-40B4-BE49-F238E27FC236}">
+                <a16:creationId xmlns:a16="http://schemas.microsoft.com/office/drawing/2014/main" id="{EECE5E67-48F2-2641-BDA1-311B5C71C1A8}"/>
+              </a:ext>
+            </a:extLst>
+          </p:cNvPr>
+          <p:cNvSpPr>
+            <a:spLocks noGrp="1"/>
+          </p:cNvSpPr>
+          <p:nvPr>
+            <p:ph type="body" idx="1"/>
+          </p:nvPr>
+        </p:nvSpPr>
+        <p:spPr/>
+        <p:txBody>
+          <a:bodyPr/>
+          <a:lstStyle/>
+          <a:p>
+            <a:r>
+              <a:rPr lang="en-US" dirty="0"/>
+              <a:t> From lesson one we must remember that </a:t>
+            </a:r>
+            <a:r>
+              <a:rPr lang="en-US" b="1" i="1" dirty="0" err="1"/>
+              <a:t>ther</a:t>
+            </a:r>
+            <a:r>
+              <a:rPr lang="en-US" b="1" i="1" dirty="0"/>
+              <a:t> are no generics in GO!</a:t>
+            </a:r>
+          </a:p>
+          <a:p>
+            <a:r>
+              <a:rPr lang="en-US" dirty="0"/>
+              <a:t>BUT….</a:t>
+            </a:r>
+          </a:p>
+          <a:p>
+            <a:r>
+              <a:rPr lang="en-US" dirty="0"/>
+              <a:t>EMPTY INTERFACES (interfaces that are not pre-defined and have NO methods)--&gt; </a:t>
+            </a:r>
+            <a:r>
+              <a:rPr lang="en-US" i="1" dirty="0"/>
+              <a:t>all types satisfy an empty interface!</a:t>
+            </a:r>
+            <a:endParaRPr lang="en-US" dirty="0"/>
+          </a:p>
+        </p:txBody>
+      </p:sp>
+      <p:pic>
+        <p:nvPicPr>
+          <p:cNvPr id="14338" name="Picture 2" descr="Image result for golang gopher">
+            <a:extLst>
+              <a:ext uri="{FF2B5EF4-FFF2-40B4-BE49-F238E27FC236}">
+                <a16:creationId xmlns:a16="http://schemas.microsoft.com/office/drawing/2014/main" id="{57CA7700-B6F9-CE45-88F5-829AE163E282}"/>
+              </a:ext>
+            </a:extLst>
+          </p:cNvPr>
+          <p:cNvPicPr>
+            <a:picLocks noChangeAspect="1" noChangeArrowheads="1"/>
+          </p:cNvPicPr>
+          <p:nvPr/>
+        </p:nvPicPr>
+        <p:blipFill>
+          <a:blip r:embed="rId2">
+            <a:extLst>
+              <a:ext uri="{28A0092B-C50C-407E-A947-70E740481C1C}">
+                <a14:useLocalDpi xmlns:a14="http://schemas.microsoft.com/office/drawing/2010/main" val="0"/>
+              </a:ext>
+            </a:extLst>
+          </a:blip>
+          <a:srcRect/>
+          <a:stretch>
+            <a:fillRect/>
+          </a:stretch>
+        </p:blipFill>
+        <p:spPr bwMode="auto">
+          <a:xfrm>
+            <a:off x="2039921" y="4454034"/>
+            <a:ext cx="4762500" cy="1701800"/>
+          </a:xfrm>
+          <a:prstGeom prst="rect">
+            <a:avLst/>
+          </a:prstGeom>
+          <a:noFill/>
+          <a:extLst>
+            <a:ext uri="{909E8E84-426E-40DD-AFC4-6F175D3DCCD1}">
+              <a14:hiddenFill xmlns:a14="http://schemas.microsoft.com/office/drawing/2010/main">
+                <a:solidFill>
+                  <a:srgbClr val="FFFFFF"/>
+                </a:solidFill>
+              </a14:hiddenFill>
+            </a:ext>
+          </a:extLst>
+        </p:spPr>
+      </p:pic>
+    </p:spTree>
+    <p:extLst>
+      <p:ext uri="{BB962C8B-B14F-4D97-AF65-F5344CB8AC3E}">
+        <p14:creationId xmlns:p14="http://schemas.microsoft.com/office/powerpoint/2010/main" val="597326973"/>
+      </p:ext>
+    </p:extLst>
+  </p:cSld>
+  <p:clrMapOvr>
+    <a:masterClrMapping/>
+  </p:clrMapOvr>
+</p:sld>
+</file>
+
+<file path=ppt/slides/slide55.xml><?xml version="1.0" encoding="utf-8"?>
+<p:sld xmlns:a="http://schemas.openxmlformats.org/drawingml/2006/main" xmlns:r="http://schemas.openxmlformats.org/officeDocument/2006/relationships" xmlns:p="http://schemas.openxmlformats.org/presentationml/2006/main">
+  <p:cSld>
+    <p:spTree>
+      <p:nvGrpSpPr>
+        <p:cNvPr id="1" name=""/>
+        <p:cNvGrpSpPr/>
+        <p:nvPr/>
+      </p:nvGrpSpPr>
+      <p:grpSpPr>
+        <a:xfrm>
+          <a:off x="0" y="0"/>
+          <a:ext cx="0" cy="0"/>
+          <a:chOff x="0" y="0"/>
+          <a:chExt cx="0" cy="0"/>
+        </a:xfrm>
+      </p:grpSpPr>
+      <p:sp>
+        <p:nvSpPr>
+          <p:cNvPr id="2" name="Title 1">
+            <a:extLst>
+              <a:ext uri="{FF2B5EF4-FFF2-40B4-BE49-F238E27FC236}">
+                <a16:creationId xmlns:a16="http://schemas.microsoft.com/office/drawing/2014/main" id="{F4FC02CC-566B-7542-A64E-ED73A4F5A204}"/>
+              </a:ext>
+            </a:extLst>
+          </p:cNvPr>
+          <p:cNvSpPr>
+            <a:spLocks noGrp="1"/>
+          </p:cNvSpPr>
+          <p:nvPr>
+            <p:ph type="title"/>
+          </p:nvPr>
+        </p:nvSpPr>
+        <p:spPr/>
+        <p:txBody>
+          <a:bodyPr/>
+          <a:lstStyle/>
+          <a:p>
+            <a:r>
+              <a:rPr lang="en-US" dirty="0"/>
+              <a:t>Empty interfaces (continued)</a:t>
+            </a:r>
+          </a:p>
+        </p:txBody>
+      </p:sp>
+      <p:sp>
+        <p:nvSpPr>
+          <p:cNvPr id="3" name="Text Placeholder 2">
+            <a:extLst>
+              <a:ext uri="{FF2B5EF4-FFF2-40B4-BE49-F238E27FC236}">
+                <a16:creationId xmlns:a16="http://schemas.microsoft.com/office/drawing/2014/main" id="{F20E3FFB-C90E-3247-9403-7A655F412F05}"/>
+              </a:ext>
+            </a:extLst>
+          </p:cNvPr>
+          <p:cNvSpPr>
+            <a:spLocks noGrp="1"/>
+          </p:cNvSpPr>
+          <p:nvPr>
+            <p:ph type="body" idx="1"/>
+          </p:nvPr>
+        </p:nvSpPr>
+        <p:spPr/>
+        <p:txBody>
+          <a:bodyPr/>
+          <a:lstStyle/>
+          <a:p>
+            <a:r>
+              <a:rPr lang="en-US" dirty="0"/>
+              <a:t> So what does this mean? Basically it means that when you have an interface as an input to a function it will accept any parameter but (and this is important): </a:t>
+            </a:r>
+            <a:r>
+              <a:rPr lang="en-US" b="1" i="1" dirty="0"/>
+              <a:t>That parameter will then be of interface TYPE</a:t>
+            </a:r>
+            <a:r>
+              <a:rPr lang="en-US" dirty="0"/>
+              <a:t>…</a:t>
+            </a:r>
+          </a:p>
+          <a:p>
+            <a:r>
+              <a:rPr lang="en-US" dirty="0"/>
+              <a:t>So you haven’t </a:t>
+            </a:r>
+            <a:r>
+              <a:rPr lang="en-US" b="1" dirty="0"/>
+              <a:t>really</a:t>
+            </a:r>
+            <a:r>
+              <a:rPr lang="en-US" dirty="0"/>
+              <a:t> created generics here- all you’ve done is delayed them (as we can see in the labs).</a:t>
+            </a:r>
+          </a:p>
+        </p:txBody>
+      </p:sp>
+      <p:pic>
+        <p:nvPicPr>
+          <p:cNvPr id="15362" name="Picture 2" descr="Image result for golang gopher">
+            <a:extLst>
+              <a:ext uri="{FF2B5EF4-FFF2-40B4-BE49-F238E27FC236}">
+                <a16:creationId xmlns:a16="http://schemas.microsoft.com/office/drawing/2014/main" id="{3F9548C3-FE99-C64C-A262-0A859B2D56FC}"/>
+              </a:ext>
+            </a:extLst>
+          </p:cNvPr>
+          <p:cNvPicPr>
+            <a:picLocks noChangeAspect="1" noChangeArrowheads="1"/>
+          </p:cNvPicPr>
+          <p:nvPr/>
+        </p:nvPicPr>
+        <p:blipFill>
+          <a:blip r:embed="rId2">
+            <a:extLst>
+              <a:ext uri="{28A0092B-C50C-407E-A947-70E740481C1C}">
+                <a14:useLocalDpi xmlns:a14="http://schemas.microsoft.com/office/drawing/2010/main" val="0"/>
+              </a:ext>
+            </a:extLst>
+          </a:blip>
+          <a:srcRect/>
+          <a:stretch>
+            <a:fillRect/>
+          </a:stretch>
+        </p:blipFill>
+        <p:spPr bwMode="auto">
+          <a:xfrm>
+            <a:off x="4150194" y="4628560"/>
+            <a:ext cx="1373781" cy="1916063"/>
+          </a:xfrm>
+          <a:prstGeom prst="rect">
+            <a:avLst/>
+          </a:prstGeom>
+          <a:noFill/>
+          <a:extLst>
+            <a:ext uri="{909E8E84-426E-40DD-AFC4-6F175D3DCCD1}">
+              <a14:hiddenFill xmlns:a14="http://schemas.microsoft.com/office/drawing/2010/main">
+                <a:solidFill>
+                  <a:srgbClr val="FFFFFF"/>
+                </a:solidFill>
+              </a14:hiddenFill>
+            </a:ext>
+          </a:extLst>
+        </p:spPr>
+      </p:pic>
+    </p:spTree>
+    <p:extLst>
+      <p:ext uri="{BB962C8B-B14F-4D97-AF65-F5344CB8AC3E}">
+        <p14:creationId xmlns:p14="http://schemas.microsoft.com/office/powerpoint/2010/main" val="2288747888"/>
+      </p:ext>
+    </p:extLst>
+  </p:cSld>
+  <p:clrMapOvr>
+    <a:masterClrMapping/>
+  </p:clrMapOvr>
+</p:sld>
+</file>
+
+<file path=ppt/slides/slide56.xml><?xml version="1.0" encoding="utf-8"?>
+<p:sld xmlns:a="http://schemas.openxmlformats.org/drawingml/2006/main" xmlns:r="http://schemas.openxmlformats.org/officeDocument/2006/relationships" xmlns:p="http://schemas.openxmlformats.org/presentationml/2006/main">
+  <p:cSld>
+    <p:spTree>
+      <p:nvGrpSpPr>
+        <p:cNvPr id="1" name=""/>
+        <p:cNvGrpSpPr/>
+        <p:nvPr/>
+      </p:nvGrpSpPr>
+      <p:grpSpPr>
+        <a:xfrm>
+          <a:off x="0" y="0"/>
+          <a:ext cx="0" cy="0"/>
+          <a:chOff x="0" y="0"/>
+          <a:chExt cx="0" cy="0"/>
+        </a:xfrm>
+      </p:grpSpPr>
+      <p:sp>
+        <p:nvSpPr>
+          <p:cNvPr id="2" name="Title 1">
+            <a:extLst>
+              <a:ext uri="{FF2B5EF4-FFF2-40B4-BE49-F238E27FC236}">
+                <a16:creationId xmlns:a16="http://schemas.microsoft.com/office/drawing/2014/main" id="{8E6820F1-D1A3-CB47-8791-1850291DD655}"/>
+              </a:ext>
+            </a:extLst>
+          </p:cNvPr>
+          <p:cNvSpPr>
+            <a:spLocks noGrp="1"/>
+          </p:cNvSpPr>
+          <p:nvPr>
+            <p:ph type="title"/>
+          </p:nvPr>
+        </p:nvSpPr>
+        <p:spPr/>
+        <p:txBody>
+          <a:bodyPr/>
+          <a:lstStyle/>
+          <a:p>
+            <a:r>
+              <a:rPr lang="en-US" dirty="0"/>
+              <a:t>Interfaces (again)</a:t>
+            </a:r>
+          </a:p>
+        </p:txBody>
+      </p:sp>
+      <p:sp>
+        <p:nvSpPr>
+          <p:cNvPr id="3" name="Text Placeholder 2">
+            <a:extLst>
+              <a:ext uri="{FF2B5EF4-FFF2-40B4-BE49-F238E27FC236}">
+                <a16:creationId xmlns:a16="http://schemas.microsoft.com/office/drawing/2014/main" id="{75648518-5250-FA42-86B7-3B5806B58B86}"/>
+              </a:ext>
+            </a:extLst>
+          </p:cNvPr>
+          <p:cNvSpPr>
+            <a:spLocks noGrp="1"/>
+          </p:cNvSpPr>
+          <p:nvPr>
+            <p:ph type="body" idx="1"/>
+          </p:nvPr>
+        </p:nvSpPr>
+        <p:spPr/>
+        <p:txBody>
+          <a:bodyPr/>
+          <a:lstStyle/>
+          <a:p>
+            <a:r>
+              <a:rPr lang="en-US" dirty="0"/>
+              <a:t> Fun fact- the vast majority of inputs for </a:t>
+            </a:r>
+            <a:r>
+              <a:rPr lang="en-US" b="1" dirty="0"/>
+              <a:t>built-in</a:t>
+            </a:r>
+            <a:r>
+              <a:rPr lang="en-US" dirty="0"/>
+              <a:t> functions in GO are of type interface. </a:t>
+            </a:r>
+          </a:p>
+          <a:p>
+            <a:r>
+              <a:rPr lang="en-US" dirty="0"/>
+              <a:t> If you really aren’t sure of the type of input coming in (if you are parsing JSON from an API or something) then use a combination of “interface{}” and “switch” statements to </a:t>
+            </a:r>
+            <a:r>
+              <a:rPr lang="en-US" dirty="0" err="1"/>
+              <a:t>unmarshal</a:t>
+            </a:r>
+            <a:r>
+              <a:rPr lang="en-US" dirty="0"/>
+              <a:t> into a struct.</a:t>
+            </a:r>
+          </a:p>
+        </p:txBody>
+      </p:sp>
+      <p:pic>
+        <p:nvPicPr>
+          <p:cNvPr id="16386" name="Picture 2" descr="Image result for golang gopher">
+            <a:extLst>
+              <a:ext uri="{FF2B5EF4-FFF2-40B4-BE49-F238E27FC236}">
+                <a16:creationId xmlns:a16="http://schemas.microsoft.com/office/drawing/2014/main" id="{45310AAA-33FB-3847-A2F2-87EA4507D14F}"/>
+              </a:ext>
+            </a:extLst>
+          </p:cNvPr>
+          <p:cNvPicPr>
+            <a:picLocks noChangeAspect="1" noChangeArrowheads="1"/>
+          </p:cNvPicPr>
+          <p:nvPr/>
+        </p:nvPicPr>
+        <p:blipFill>
+          <a:blip r:embed="rId2">
+            <a:extLst>
+              <a:ext uri="{28A0092B-C50C-407E-A947-70E740481C1C}">
+                <a14:useLocalDpi xmlns:a14="http://schemas.microsoft.com/office/drawing/2010/main" val="0"/>
+              </a:ext>
+            </a:extLst>
+          </a:blip>
+          <a:srcRect/>
+          <a:stretch>
+            <a:fillRect/>
+          </a:stretch>
+        </p:blipFill>
+        <p:spPr bwMode="auto">
+          <a:xfrm>
+            <a:off x="2499805" y="4330699"/>
+            <a:ext cx="3937000" cy="2070100"/>
+          </a:xfrm>
+          <a:prstGeom prst="rect">
+            <a:avLst/>
+          </a:prstGeom>
+          <a:noFill/>
+          <a:extLst>
+            <a:ext uri="{909E8E84-426E-40DD-AFC4-6F175D3DCCD1}">
+              <a14:hiddenFill xmlns:a14="http://schemas.microsoft.com/office/drawing/2010/main">
+                <a:solidFill>
+                  <a:srgbClr val="FFFFFF"/>
+                </a:solidFill>
+              </a14:hiddenFill>
+            </a:ext>
+          </a:extLst>
+        </p:spPr>
+      </p:pic>
+    </p:spTree>
+    <p:extLst>
+      <p:ext uri="{BB962C8B-B14F-4D97-AF65-F5344CB8AC3E}">
+        <p14:creationId xmlns:p14="http://schemas.microsoft.com/office/powerpoint/2010/main" val="1830205327"/>
+      </p:ext>
+    </p:extLst>
+  </p:cSld>
+  <p:clrMapOvr>
+    <a:masterClrMapping/>
+  </p:clrMapOvr>
+</p:sld>
+</file>
+
+<file path=ppt/slides/slide57.xml><?xml version="1.0" encoding="utf-8"?>
+<p:sld xmlns:a="http://schemas.openxmlformats.org/drawingml/2006/main" xmlns:r="http://schemas.openxmlformats.org/officeDocument/2006/relationships" xmlns:p="http://schemas.openxmlformats.org/presentationml/2006/main">
+  <p:cSld>
+    <p:spTree>
+      <p:nvGrpSpPr>
+        <p:cNvPr id="1" name="Shape 113"/>
+        <p:cNvGrpSpPr/>
+        <p:nvPr/>
+      </p:nvGrpSpPr>
+      <p:grpSpPr>
+        <a:xfrm>
+          <a:off x="0" y="0"/>
+          <a:ext cx="0" cy="0"/>
+          <a:chOff x="0" y="0"/>
+          <a:chExt cx="0" cy="0"/>
+        </a:xfrm>
+      </p:grpSpPr>
+      <p:sp>
+        <p:nvSpPr>
+          <p:cNvPr id="114" name="Shape 114"/>
+          <p:cNvSpPr txBox="1">
+            <a:spLocks noGrp="1"/>
+          </p:cNvSpPr>
+          <p:nvPr>
+            <p:ph type="title"/>
+          </p:nvPr>
+        </p:nvSpPr>
+        <p:spPr>
+          <a:xfrm>
+            <a:off x="76200" y="152400"/>
+            <a:ext cx="8991600" cy="671400"/>
+          </a:xfrm>
+          <a:prstGeom prst="rect">
+            <a:avLst/>
+          </a:prstGeom>
+        </p:spPr>
+        <p:txBody>
+          <a:bodyPr lIns="91425" tIns="91425" rIns="91425" bIns="91425" anchor="ctr" anchorCtr="0">
+            <a:noAutofit/>
+          </a:bodyPr>
+          <a:lstStyle/>
+          <a:p>
+            <a:pPr lvl="0">
+              <a:spcBef>
+                <a:spcPts val="0"/>
+              </a:spcBef>
+              <a:buNone/>
+            </a:pPr>
+            <a:r>
+              <a:rPr lang="en-US" dirty="0"/>
+              <a:t>DATA TYPES!!</a:t>
+            </a:r>
+            <a:endParaRPr dirty="0"/>
+          </a:p>
+        </p:txBody>
+      </p:sp>
+      <p:sp>
+        <p:nvSpPr>
+          <p:cNvPr id="115" name="Shape 115"/>
+          <p:cNvSpPr txBox="1">
+            <a:spLocks noGrp="1"/>
+          </p:cNvSpPr>
+          <p:nvPr>
+            <p:ph type="body" idx="1"/>
+          </p:nvPr>
+        </p:nvSpPr>
+        <p:spPr>
+          <a:xfrm>
+            <a:off x="76200" y="1240810"/>
+            <a:ext cx="8991600" cy="4070929"/>
+          </a:xfrm>
+          <a:prstGeom prst="rect">
+            <a:avLst/>
+          </a:prstGeom>
+        </p:spPr>
+        <p:txBody>
+          <a:bodyPr lIns="91425" tIns="91425" rIns="91425" bIns="91425" anchor="t" anchorCtr="0">
+            <a:noAutofit/>
+          </a:bodyPr>
+          <a:lstStyle/>
+          <a:p>
+            <a:pPr lvl="2">
+              <a:spcBef>
+                <a:spcPts val="0"/>
+              </a:spcBef>
+            </a:pPr>
+            <a:r>
+              <a:rPr lang="en-US" dirty="0">
+                <a:solidFill>
+                  <a:schemeClr val="tx1"/>
+                </a:solidFill>
+                <a:latin typeface="+mn-lt"/>
+              </a:rPr>
+              <a:t>AND WE’RE DONE!</a:t>
+            </a:r>
+          </a:p>
+          <a:p>
+            <a:pPr lvl="2">
+              <a:spcBef>
+                <a:spcPts val="0"/>
+              </a:spcBef>
+            </a:pPr>
+            <a:r>
+              <a:rPr lang="en-US" sz="3200" dirty="0">
+                <a:solidFill>
+                  <a:schemeClr val="tx1"/>
+                </a:solidFill>
+                <a:latin typeface="+mn-lt"/>
+              </a:rPr>
+              <a:t>ANY QUESTIONS?!?</a:t>
+            </a:r>
+          </a:p>
+          <a:p>
+            <a:pPr lvl="3">
+              <a:spcBef>
+                <a:spcPts val="0"/>
+              </a:spcBef>
+            </a:pPr>
+            <a:endParaRPr lang="en-US" dirty="0">
+              <a:solidFill>
+                <a:schemeClr val="tx1"/>
+              </a:solidFill>
+              <a:latin typeface="+mn-lt"/>
+            </a:endParaRPr>
+          </a:p>
+          <a:p>
+            <a:pPr lvl="2">
+              <a:spcBef>
+                <a:spcPts val="0"/>
+              </a:spcBef>
+            </a:pPr>
+            <a:endParaRPr lang="en-US" dirty="0">
+              <a:solidFill>
+                <a:schemeClr val="tx1"/>
+              </a:solidFill>
+            </a:endParaRPr>
+          </a:p>
+          <a:p>
+            <a:pPr marL="1485900" lvl="3" indent="0">
+              <a:spcBef>
+                <a:spcPts val="0"/>
+              </a:spcBef>
+              <a:buNone/>
+            </a:pPr>
+            <a:endParaRPr lang="en-US" dirty="0">
+              <a:solidFill>
+                <a:schemeClr val="tx1"/>
+              </a:solidFill>
+              <a:latin typeface="+mn-lt"/>
+            </a:endParaRPr>
+          </a:p>
+          <a:p>
+            <a:pPr marL="1485900" lvl="3" indent="0">
+              <a:spcBef>
+                <a:spcPts val="0"/>
+              </a:spcBef>
+              <a:buNone/>
+            </a:pPr>
+            <a:endParaRPr lang="en-US" dirty="0">
+              <a:solidFill>
+                <a:schemeClr val="tx1"/>
+              </a:solidFill>
+              <a:latin typeface="+mn-lt"/>
+            </a:endParaRPr>
+          </a:p>
+          <a:p>
+            <a:pPr marL="1485900" lvl="3" indent="0">
+              <a:spcBef>
+                <a:spcPts val="0"/>
+              </a:spcBef>
+              <a:buNone/>
+            </a:pPr>
+            <a:endParaRPr lang="en-US" dirty="0">
+              <a:solidFill>
+                <a:schemeClr val="tx1"/>
+              </a:solidFill>
+              <a:latin typeface="+mn-lt"/>
+            </a:endParaRPr>
+          </a:p>
+          <a:p>
+            <a:pPr marL="1485900" lvl="3" indent="0">
+              <a:spcBef>
+                <a:spcPts val="0"/>
+              </a:spcBef>
+              <a:buNone/>
+            </a:pPr>
+            <a:endParaRPr lang="en-US" dirty="0">
+              <a:solidFill>
+                <a:schemeClr val="tx1"/>
+              </a:solidFill>
+              <a:latin typeface="+mn-lt"/>
+            </a:endParaRPr>
+          </a:p>
+          <a:p>
+            <a:pPr marL="1485900" lvl="3" indent="0">
+              <a:spcBef>
+                <a:spcPts val="0"/>
+              </a:spcBef>
+              <a:buNone/>
+            </a:pPr>
+            <a:endParaRPr lang="en-US" dirty="0">
+              <a:solidFill>
+                <a:schemeClr val="tx1"/>
+              </a:solidFill>
+              <a:latin typeface="+mn-lt"/>
+            </a:endParaRPr>
+          </a:p>
+        </p:txBody>
+      </p:sp>
+      <p:pic>
+        <p:nvPicPr>
+          <p:cNvPr id="14338" name="Picture 2" descr="Image result for golang gopher, images">
+            <a:extLst>
+              <a:ext uri="{FF2B5EF4-FFF2-40B4-BE49-F238E27FC236}">
+                <a16:creationId xmlns:a16="http://schemas.microsoft.com/office/drawing/2014/main" id="{99F98B07-359E-7D45-BFB0-9CFB89F92F9B}"/>
+              </a:ext>
+            </a:extLst>
+          </p:cNvPr>
+          <p:cNvPicPr>
+            <a:picLocks noChangeAspect="1" noChangeArrowheads="1"/>
+          </p:cNvPicPr>
+          <p:nvPr/>
+        </p:nvPicPr>
+        <p:blipFill>
+          <a:blip r:embed="rId3">
+            <a:extLst>
+              <a:ext uri="{28A0092B-C50C-407E-A947-70E740481C1C}">
+                <a14:useLocalDpi xmlns:a14="http://schemas.microsoft.com/office/drawing/2010/main" val="0"/>
+              </a:ext>
+            </a:extLst>
+          </a:blip>
+          <a:srcRect/>
+          <a:stretch>
+            <a:fillRect/>
+          </a:stretch>
+        </p:blipFill>
+        <p:spPr bwMode="auto">
+          <a:xfrm>
+            <a:off x="3075040" y="3147245"/>
+            <a:ext cx="2603500" cy="3111500"/>
+          </a:xfrm>
+          <a:prstGeom prst="rect">
+            <a:avLst/>
+          </a:prstGeom>
+          <a:noFill/>
+          <a:extLst>
+            <a:ext uri="{909E8E84-426E-40DD-AFC4-6F175D3DCCD1}">
+              <a14:hiddenFill xmlns:a14="http://schemas.microsoft.com/office/drawing/2010/main">
+                <a:solidFill>
+                  <a:srgbClr val="FFFFFF"/>
+                </a:solidFill>
+              </a14:hiddenFill>
+            </a:ext>
+          </a:extLst>
+        </p:spPr>
+      </p:pic>
+    </p:spTree>
+    <p:extLst>
+      <p:ext uri="{BB962C8B-B14F-4D97-AF65-F5344CB8AC3E}">
+        <p14:creationId xmlns:p14="http://schemas.microsoft.com/office/powerpoint/2010/main" val="3120604218"/>
       </p:ext>
     </p:extLst>
   </p:cSld>
